--- a/Report/Baocaonhom6.pptx
+++ b/Report/Baocaonhom6.pptx
@@ -281,7 +281,7 @@
           <a:p>
             <a:fld id="{72C55495-8837-4B60-B61B-A3B8D2D9AF31}" type="datetimeFigureOut">
               <a:rPr lang="en-US" smtClean="0"/>
-              <a:t>08/04/2024</a:t>
+              <a:t>4/9/2024</a:t>
             </a:fld>
             <a:endParaRPr lang="en-US"/>
           </a:p>
@@ -5384,6 +5384,127 @@
   <p:clrMapOvr>
     <a:masterClrMapping/>
   </p:clrMapOvr>
+  <p:timing>
+    <p:tnLst>
+      <p:par>
+        <p:cTn id="1" dur="indefinite" restart="never" nodeType="tmRoot">
+          <p:childTnLst>
+            <p:seq concurrent="1" nextAc="seek">
+              <p:cTn id="2" dur="indefinite" nodeType="mainSeq">
+                <p:childTnLst>
+                  <p:par>
+                    <p:cTn id="3" fill="hold">
+                      <p:stCondLst>
+                        <p:cond delay="indefinite"/>
+                      </p:stCondLst>
+                      <p:childTnLst>
+                        <p:par>
+                          <p:cTn id="4" fill="hold">
+                            <p:stCondLst>
+                              <p:cond delay="0"/>
+                            </p:stCondLst>
+                            <p:childTnLst>
+                              <p:par>
+                                <p:cTn id="5" presetID="22" presetClass="entr" presetSubtype="4" fill="hold" grpId="0" nodeType="clickEffect">
+                                  <p:stCondLst>
+                                    <p:cond delay="0"/>
+                                  </p:stCondLst>
+                                  <p:childTnLst>
+                                    <p:set>
+                                      <p:cBhvr>
+                                        <p:cTn id="6" dur="1" fill="hold">
+                                          <p:stCondLst>
+                                            <p:cond delay="0"/>
+                                          </p:stCondLst>
+                                        </p:cTn>
+                                        <p:tgtEl>
+                                          <p:spTgt spid="9"/>
+                                        </p:tgtEl>
+                                        <p:attrNameLst>
+                                          <p:attrName>style.visibility</p:attrName>
+                                        </p:attrNameLst>
+                                      </p:cBhvr>
+                                      <p:to>
+                                        <p:strVal val="visible"/>
+                                      </p:to>
+                                    </p:set>
+                                    <p:animEffect transition="in" filter="wipe(down)">
+                                      <p:cBhvr>
+                                        <p:cTn id="7" dur="500"/>
+                                        <p:tgtEl>
+                                          <p:spTgt spid="9"/>
+                                        </p:tgtEl>
+                                      </p:cBhvr>
+                                    </p:animEffect>
+                                  </p:childTnLst>
+                                </p:cTn>
+                              </p:par>
+                              <p:par>
+                                <p:cTn id="8" presetID="22" presetClass="entr" presetSubtype="4" fill="hold" nodeType="withEffect">
+                                  <p:stCondLst>
+                                    <p:cond delay="0"/>
+                                  </p:stCondLst>
+                                  <p:childTnLst>
+                                    <p:set>
+                                      <p:cBhvr>
+                                        <p:cTn id="9" dur="1" fill="hold">
+                                          <p:stCondLst>
+                                            <p:cond delay="0"/>
+                                          </p:stCondLst>
+                                        </p:cTn>
+                                        <p:tgtEl>
+                                          <p:spTgt spid="7"/>
+                                        </p:tgtEl>
+                                        <p:attrNameLst>
+                                          <p:attrName>style.visibility</p:attrName>
+                                        </p:attrNameLst>
+                                      </p:cBhvr>
+                                      <p:to>
+                                        <p:strVal val="visible"/>
+                                      </p:to>
+                                    </p:set>
+                                    <p:animEffect transition="in" filter="wipe(down)">
+                                      <p:cBhvr>
+                                        <p:cTn id="10" dur="500"/>
+                                        <p:tgtEl>
+                                          <p:spTgt spid="7"/>
+                                        </p:tgtEl>
+                                      </p:cBhvr>
+                                    </p:animEffect>
+                                  </p:childTnLst>
+                                </p:cTn>
+                              </p:par>
+                            </p:childTnLst>
+                          </p:cTn>
+                        </p:par>
+                      </p:childTnLst>
+                    </p:cTn>
+                  </p:par>
+                </p:childTnLst>
+              </p:cTn>
+              <p:prevCondLst>
+                <p:cond evt="onPrev" delay="0">
+                  <p:tgtEl>
+                    <p:sldTgt/>
+                  </p:tgtEl>
+                </p:cond>
+              </p:prevCondLst>
+              <p:nextCondLst>
+                <p:cond evt="onNext" delay="0">
+                  <p:tgtEl>
+                    <p:sldTgt/>
+                  </p:tgtEl>
+                </p:cond>
+              </p:nextCondLst>
+            </p:seq>
+          </p:childTnLst>
+        </p:cTn>
+      </p:par>
+    </p:tnLst>
+    <p:bldLst>
+      <p:bldP spid="9" grpId="0"/>
+    </p:bldLst>
+  </p:timing>
 </p:sld>
 </file>
 
@@ -5463,40 +5584,6 @@
           </a:p>
         </p:txBody>
       </p:sp>
-      <p:pic>
-        <p:nvPicPr>
-          <p:cNvPr id="7" name="Picture 6" descr="A graph showing the different seasons&#10;&#10;Description automatically generated with medium confidence">
-            <a:extLst>
-              <a:ext uri="{FF2B5EF4-FFF2-40B4-BE49-F238E27FC236}">
-                <a16:creationId xmlns:a16="http://schemas.microsoft.com/office/drawing/2014/main" id="{05CD10A7-9769-4AFC-A104-4A6D6802BEDE}"/>
-              </a:ext>
-            </a:extLst>
-          </p:cNvPr>
-          <p:cNvPicPr/>
-          <p:nvPr/>
-        </p:nvPicPr>
-        <p:blipFill>
-          <a:blip r:embed="rId2">
-            <a:extLst>
-              <a:ext uri="{28A0092B-C50C-407E-A947-70E740481C1C}">
-                <a14:useLocalDpi xmlns:a14="http://schemas.microsoft.com/office/drawing/2010/main" val="0"/>
-              </a:ext>
-            </a:extLst>
-          </a:blip>
-          <a:stretch>
-            <a:fillRect/>
-          </a:stretch>
-        </p:blipFill>
-        <p:spPr>
-          <a:xfrm>
-            <a:off x="1408271" y="1828800"/>
-            <a:ext cx="6327458" cy="3783965"/>
-          </a:xfrm>
-          <a:prstGeom prst="rect">
-            <a:avLst/>
-          </a:prstGeom>
-        </p:spPr>
-      </p:pic>
       <p:sp>
         <p:nvSpPr>
           <p:cNvPr id="9" name="TextBox 8">
@@ -5531,14 +5618,142 @@
               </a:spcAft>
             </a:pPr>
             <a:r>
-              <a:rPr lang="en-US" sz="1800" i="1">
+              <a:rPr lang="en-US" sz="1800" i="1" dirty="0" err="1">
                 <a:effectLst/>
                 <a:latin typeface="Times New Roman" panose="02020603050405020304" pitchFamily="18" charset="0"/>
                 <a:ea typeface="Times New Roman" panose="02020603050405020304" pitchFamily="18" charset="0"/>
               </a:rPr>
-              <a:t>Biểu đồ phân phối giá trị của thuộc tính season</a:t>
-            </a:r>
-            <a:endParaRPr lang="en-US" sz="1050" i="1">
+              <a:t>Biểu</a:t>
+            </a:r>
+            <a:r>
+              <a:rPr lang="en-US" sz="1800" i="1" dirty="0">
+                <a:effectLst/>
+                <a:latin typeface="Times New Roman" panose="02020603050405020304" pitchFamily="18" charset="0"/>
+                <a:ea typeface="Times New Roman" panose="02020603050405020304" pitchFamily="18" charset="0"/>
+              </a:rPr>
+              <a:t> </a:t>
+            </a:r>
+            <a:r>
+              <a:rPr lang="en-US" sz="1800" i="1" dirty="0" err="1">
+                <a:effectLst/>
+                <a:latin typeface="Times New Roman" panose="02020603050405020304" pitchFamily="18" charset="0"/>
+                <a:ea typeface="Times New Roman" panose="02020603050405020304" pitchFamily="18" charset="0"/>
+              </a:rPr>
+              <a:t>đồ</a:t>
+            </a:r>
+            <a:r>
+              <a:rPr lang="en-US" sz="1800" i="1" dirty="0">
+                <a:effectLst/>
+                <a:latin typeface="Times New Roman" panose="02020603050405020304" pitchFamily="18" charset="0"/>
+                <a:ea typeface="Times New Roman" panose="02020603050405020304" pitchFamily="18" charset="0"/>
+              </a:rPr>
+              <a:t> </a:t>
+            </a:r>
+            <a:r>
+              <a:rPr lang="en-US" sz="1800" i="1" dirty="0" err="1">
+                <a:effectLst/>
+                <a:latin typeface="Times New Roman" panose="02020603050405020304" pitchFamily="18" charset="0"/>
+                <a:ea typeface="Times New Roman" panose="02020603050405020304" pitchFamily="18" charset="0"/>
+              </a:rPr>
+              <a:t>phân</a:t>
+            </a:r>
+            <a:r>
+              <a:rPr lang="en-US" sz="1800" i="1" dirty="0">
+                <a:effectLst/>
+                <a:latin typeface="Times New Roman" panose="02020603050405020304" pitchFamily="18" charset="0"/>
+                <a:ea typeface="Times New Roman" panose="02020603050405020304" pitchFamily="18" charset="0"/>
+              </a:rPr>
+              <a:t> </a:t>
+            </a:r>
+            <a:r>
+              <a:rPr lang="en-US" sz="1800" i="1" dirty="0" err="1">
+                <a:effectLst/>
+                <a:latin typeface="Times New Roman" panose="02020603050405020304" pitchFamily="18" charset="0"/>
+                <a:ea typeface="Times New Roman" panose="02020603050405020304" pitchFamily="18" charset="0"/>
+              </a:rPr>
+              <a:t>phối</a:t>
+            </a:r>
+            <a:r>
+              <a:rPr lang="en-US" sz="1800" i="1" dirty="0">
+                <a:effectLst/>
+                <a:latin typeface="Times New Roman" panose="02020603050405020304" pitchFamily="18" charset="0"/>
+                <a:ea typeface="Times New Roman" panose="02020603050405020304" pitchFamily="18" charset="0"/>
+              </a:rPr>
+              <a:t> </a:t>
+            </a:r>
+            <a:r>
+              <a:rPr lang="en-US" sz="1800" i="1" dirty="0" err="1">
+                <a:effectLst/>
+                <a:latin typeface="Times New Roman" panose="02020603050405020304" pitchFamily="18" charset="0"/>
+                <a:ea typeface="Times New Roman" panose="02020603050405020304" pitchFamily="18" charset="0"/>
+              </a:rPr>
+              <a:t>giá</a:t>
+            </a:r>
+            <a:r>
+              <a:rPr lang="en-US" sz="1800" i="1" dirty="0">
+                <a:effectLst/>
+                <a:latin typeface="Times New Roman" panose="02020603050405020304" pitchFamily="18" charset="0"/>
+                <a:ea typeface="Times New Roman" panose="02020603050405020304" pitchFamily="18" charset="0"/>
+              </a:rPr>
+              <a:t> </a:t>
+            </a:r>
+            <a:r>
+              <a:rPr lang="en-US" sz="1800" i="1" dirty="0" err="1">
+                <a:effectLst/>
+                <a:latin typeface="Times New Roman" panose="02020603050405020304" pitchFamily="18" charset="0"/>
+                <a:ea typeface="Times New Roman" panose="02020603050405020304" pitchFamily="18" charset="0"/>
+              </a:rPr>
+              <a:t>trị</a:t>
+            </a:r>
+            <a:r>
+              <a:rPr lang="en-US" sz="1800" i="1" dirty="0">
+                <a:effectLst/>
+                <a:latin typeface="Times New Roman" panose="02020603050405020304" pitchFamily="18" charset="0"/>
+                <a:ea typeface="Times New Roman" panose="02020603050405020304" pitchFamily="18" charset="0"/>
+              </a:rPr>
+              <a:t> </a:t>
+            </a:r>
+            <a:r>
+              <a:rPr lang="en-US" sz="1800" i="1" dirty="0" err="1">
+                <a:effectLst/>
+                <a:latin typeface="Times New Roman" panose="02020603050405020304" pitchFamily="18" charset="0"/>
+                <a:ea typeface="Times New Roman" panose="02020603050405020304" pitchFamily="18" charset="0"/>
+              </a:rPr>
+              <a:t>của</a:t>
+            </a:r>
+            <a:r>
+              <a:rPr lang="en-US" sz="1800" i="1" dirty="0">
+                <a:effectLst/>
+                <a:latin typeface="Times New Roman" panose="02020603050405020304" pitchFamily="18" charset="0"/>
+                <a:ea typeface="Times New Roman" panose="02020603050405020304" pitchFamily="18" charset="0"/>
+              </a:rPr>
+              <a:t> </a:t>
+            </a:r>
+            <a:r>
+              <a:rPr lang="en-US" sz="1800" i="1" dirty="0" err="1">
+                <a:effectLst/>
+                <a:latin typeface="Times New Roman" panose="02020603050405020304" pitchFamily="18" charset="0"/>
+                <a:ea typeface="Times New Roman" panose="02020603050405020304" pitchFamily="18" charset="0"/>
+              </a:rPr>
+              <a:t>thuộc</a:t>
+            </a:r>
+            <a:r>
+              <a:rPr lang="en-US" sz="1800" i="1" dirty="0">
+                <a:effectLst/>
+                <a:latin typeface="Times New Roman" panose="02020603050405020304" pitchFamily="18" charset="0"/>
+                <a:ea typeface="Times New Roman" panose="02020603050405020304" pitchFamily="18" charset="0"/>
+              </a:rPr>
+              <a:t> </a:t>
+            </a:r>
+            <a:r>
+              <a:rPr lang="en-US" sz="1800" i="1" dirty="0" err="1">
+                <a:effectLst/>
+                <a:latin typeface="Times New Roman" panose="02020603050405020304" pitchFamily="18" charset="0"/>
+                <a:ea typeface="Times New Roman" panose="02020603050405020304" pitchFamily="18" charset="0"/>
+              </a:rPr>
+              <a:t>tính</a:t>
+            </a:r>
+            <a:endParaRPr lang="en-US" sz="1050" i="1" dirty="0">
               <a:effectLst/>
               <a:latin typeface="Times New Roman" panose="02020603050405020304" pitchFamily="18" charset="0"/>
               <a:ea typeface="Times New Roman" panose="02020603050405020304" pitchFamily="18" charset="0"/>
@@ -5546,6 +5761,42 @@
           </a:p>
         </p:txBody>
       </p:sp>
+      <p:pic>
+        <p:nvPicPr>
+          <p:cNvPr id="8" name="Picture 7" descr="A group of graphs showing different types of data&#10;&#10;Description automatically generated with medium confidence">
+            <a:extLst>
+              <a:ext uri="{FF2B5EF4-FFF2-40B4-BE49-F238E27FC236}">
+                <a16:creationId xmlns:a16="http://schemas.microsoft.com/office/drawing/2014/main" id="{8554B265-6E22-D199-CE85-F76BC258517E}"/>
+              </a:ext>
+            </a:extLst>
+          </p:cNvPr>
+          <p:cNvPicPr>
+            <a:picLocks noChangeAspect="1"/>
+          </p:cNvPicPr>
+          <p:nvPr/>
+        </p:nvPicPr>
+        <p:blipFill>
+          <a:blip r:embed="rId2">
+            <a:extLst>
+              <a:ext uri="{28A0092B-C50C-407E-A947-70E740481C1C}">
+                <a14:useLocalDpi xmlns:a14="http://schemas.microsoft.com/office/drawing/2010/main" val="0"/>
+              </a:ext>
+            </a:extLst>
+          </a:blip>
+          <a:stretch>
+            <a:fillRect/>
+          </a:stretch>
+        </p:blipFill>
+        <p:spPr>
+          <a:xfrm>
+            <a:off x="914400" y="1676400"/>
+            <a:ext cx="7924800" cy="3813853"/>
+          </a:xfrm>
+          <a:prstGeom prst="rect">
+            <a:avLst/>
+          </a:prstGeom>
+        </p:spPr>
+      </p:pic>
     </p:spTree>
     <p:extLst>
       <p:ext uri="{BB962C8B-B14F-4D97-AF65-F5344CB8AC3E}">
@@ -5556,6 +5807,127 @@
   <p:clrMapOvr>
     <a:masterClrMapping/>
   </p:clrMapOvr>
+  <p:timing>
+    <p:tnLst>
+      <p:par>
+        <p:cTn id="1" dur="indefinite" restart="never" nodeType="tmRoot">
+          <p:childTnLst>
+            <p:seq concurrent="1" nextAc="seek">
+              <p:cTn id="2" dur="indefinite" nodeType="mainSeq">
+                <p:childTnLst>
+                  <p:par>
+                    <p:cTn id="3" fill="hold">
+                      <p:stCondLst>
+                        <p:cond delay="indefinite"/>
+                      </p:stCondLst>
+                      <p:childTnLst>
+                        <p:par>
+                          <p:cTn id="4" fill="hold">
+                            <p:stCondLst>
+                              <p:cond delay="0"/>
+                            </p:stCondLst>
+                            <p:childTnLst>
+                              <p:par>
+                                <p:cTn id="5" presetID="22" presetClass="entr" presetSubtype="4" fill="hold" nodeType="clickEffect">
+                                  <p:stCondLst>
+                                    <p:cond delay="0"/>
+                                  </p:stCondLst>
+                                  <p:childTnLst>
+                                    <p:set>
+                                      <p:cBhvr>
+                                        <p:cTn id="6" dur="1" fill="hold">
+                                          <p:stCondLst>
+                                            <p:cond delay="0"/>
+                                          </p:stCondLst>
+                                        </p:cTn>
+                                        <p:tgtEl>
+                                          <p:spTgt spid="8"/>
+                                        </p:tgtEl>
+                                        <p:attrNameLst>
+                                          <p:attrName>style.visibility</p:attrName>
+                                        </p:attrNameLst>
+                                      </p:cBhvr>
+                                      <p:to>
+                                        <p:strVal val="visible"/>
+                                      </p:to>
+                                    </p:set>
+                                    <p:animEffect transition="in" filter="wipe(down)">
+                                      <p:cBhvr>
+                                        <p:cTn id="7" dur="500"/>
+                                        <p:tgtEl>
+                                          <p:spTgt spid="8"/>
+                                        </p:tgtEl>
+                                      </p:cBhvr>
+                                    </p:animEffect>
+                                  </p:childTnLst>
+                                </p:cTn>
+                              </p:par>
+                              <p:par>
+                                <p:cTn id="8" presetID="22" presetClass="entr" presetSubtype="4" fill="hold" grpId="0" nodeType="withEffect">
+                                  <p:stCondLst>
+                                    <p:cond delay="0"/>
+                                  </p:stCondLst>
+                                  <p:childTnLst>
+                                    <p:set>
+                                      <p:cBhvr>
+                                        <p:cTn id="9" dur="1" fill="hold">
+                                          <p:stCondLst>
+                                            <p:cond delay="0"/>
+                                          </p:stCondLst>
+                                        </p:cTn>
+                                        <p:tgtEl>
+                                          <p:spTgt spid="9"/>
+                                        </p:tgtEl>
+                                        <p:attrNameLst>
+                                          <p:attrName>style.visibility</p:attrName>
+                                        </p:attrNameLst>
+                                      </p:cBhvr>
+                                      <p:to>
+                                        <p:strVal val="visible"/>
+                                      </p:to>
+                                    </p:set>
+                                    <p:animEffect transition="in" filter="wipe(down)">
+                                      <p:cBhvr>
+                                        <p:cTn id="10" dur="500"/>
+                                        <p:tgtEl>
+                                          <p:spTgt spid="9"/>
+                                        </p:tgtEl>
+                                      </p:cBhvr>
+                                    </p:animEffect>
+                                  </p:childTnLst>
+                                </p:cTn>
+                              </p:par>
+                            </p:childTnLst>
+                          </p:cTn>
+                        </p:par>
+                      </p:childTnLst>
+                    </p:cTn>
+                  </p:par>
+                </p:childTnLst>
+              </p:cTn>
+              <p:prevCondLst>
+                <p:cond evt="onPrev" delay="0">
+                  <p:tgtEl>
+                    <p:sldTgt/>
+                  </p:tgtEl>
+                </p:cond>
+              </p:prevCondLst>
+              <p:nextCondLst>
+                <p:cond evt="onNext" delay="0">
+                  <p:tgtEl>
+                    <p:sldTgt/>
+                  </p:tgtEl>
+                </p:cond>
+              </p:nextCondLst>
+            </p:seq>
+          </p:childTnLst>
+        </p:cTn>
+      </p:par>
+    </p:tnLst>
+    <p:bldLst>
+      <p:bldP spid="9" grpId="0"/>
+    </p:bldLst>
+  </p:timing>
 </p:sld>
 </file>
 
@@ -5635,16 +6007,186 @@
           </a:p>
         </p:txBody>
       </p:sp>
+      <p:sp>
+        <p:nvSpPr>
+          <p:cNvPr id="10" name="TextBox 9">
+            <a:extLst>
+              <a:ext uri="{FF2B5EF4-FFF2-40B4-BE49-F238E27FC236}">
+                <a16:creationId xmlns:a16="http://schemas.microsoft.com/office/drawing/2014/main" id="{41929B8B-ED99-45E5-BEC6-CB3D919C35DA}"/>
+              </a:ext>
+            </a:extLst>
+          </p:cNvPr>
+          <p:cNvSpPr txBox="1"/>
+          <p:nvPr/>
+        </p:nvSpPr>
+        <p:spPr>
+          <a:xfrm>
+            <a:off x="2971800" y="5771299"/>
+            <a:ext cx="4876800" cy="369332"/>
+          </a:xfrm>
+          <a:prstGeom prst="rect">
+            <a:avLst/>
+          </a:prstGeom>
+          <a:noFill/>
+        </p:spPr>
+        <p:txBody>
+          <a:bodyPr wrap="square">
+            <a:spAutoFit/>
+          </a:bodyPr>
+          <a:lstStyle/>
+          <a:p>
+            <a:r>
+              <a:rPr lang="en-US" sz="1800" i="1" dirty="0" err="1">
+                <a:effectLst/>
+                <a:latin typeface="Times New Roman" panose="02020603050405020304" pitchFamily="18" charset="0"/>
+                <a:ea typeface="Times New Roman" panose="02020603050405020304" pitchFamily="18" charset="0"/>
+              </a:rPr>
+              <a:t>Biểu</a:t>
+            </a:r>
+            <a:r>
+              <a:rPr lang="en-US" sz="1800" i="1" dirty="0">
+                <a:effectLst/>
+                <a:latin typeface="Times New Roman" panose="02020603050405020304" pitchFamily="18" charset="0"/>
+                <a:ea typeface="Times New Roman" panose="02020603050405020304" pitchFamily="18" charset="0"/>
+              </a:rPr>
+              <a:t> </a:t>
+            </a:r>
+            <a:r>
+              <a:rPr lang="en-US" sz="1800" i="1" dirty="0" err="1">
+                <a:effectLst/>
+                <a:latin typeface="Times New Roman" panose="02020603050405020304" pitchFamily="18" charset="0"/>
+                <a:ea typeface="Times New Roman" panose="02020603050405020304" pitchFamily="18" charset="0"/>
+              </a:rPr>
+              <a:t>đồ</a:t>
+            </a:r>
+            <a:r>
+              <a:rPr lang="en-US" sz="1800" i="1" dirty="0">
+                <a:effectLst/>
+                <a:latin typeface="Times New Roman" panose="02020603050405020304" pitchFamily="18" charset="0"/>
+                <a:ea typeface="Times New Roman" panose="02020603050405020304" pitchFamily="18" charset="0"/>
+              </a:rPr>
+              <a:t> </a:t>
+            </a:r>
+            <a:r>
+              <a:rPr lang="en-US" sz="1800" i="1" dirty="0" err="1">
+                <a:effectLst/>
+                <a:latin typeface="Times New Roman" panose="02020603050405020304" pitchFamily="18" charset="0"/>
+                <a:ea typeface="Times New Roman" panose="02020603050405020304" pitchFamily="18" charset="0"/>
+              </a:rPr>
+              <a:t>phân</a:t>
+            </a:r>
+            <a:r>
+              <a:rPr lang="en-US" sz="1800" i="1" dirty="0">
+                <a:effectLst/>
+                <a:latin typeface="Times New Roman" panose="02020603050405020304" pitchFamily="18" charset="0"/>
+                <a:ea typeface="Times New Roman" panose="02020603050405020304" pitchFamily="18" charset="0"/>
+              </a:rPr>
+              <a:t> </a:t>
+            </a:r>
+            <a:r>
+              <a:rPr lang="en-US" sz="1800" i="1" dirty="0" err="1">
+                <a:effectLst/>
+                <a:latin typeface="Times New Roman" panose="02020603050405020304" pitchFamily="18" charset="0"/>
+                <a:ea typeface="Times New Roman" panose="02020603050405020304" pitchFamily="18" charset="0"/>
+              </a:rPr>
+              <a:t>phối</a:t>
+            </a:r>
+            <a:r>
+              <a:rPr lang="en-US" sz="1800" i="1" dirty="0">
+                <a:effectLst/>
+                <a:latin typeface="Times New Roman" panose="02020603050405020304" pitchFamily="18" charset="0"/>
+                <a:ea typeface="Times New Roman" panose="02020603050405020304" pitchFamily="18" charset="0"/>
+              </a:rPr>
+              <a:t> </a:t>
+            </a:r>
+            <a:r>
+              <a:rPr lang="en-US" sz="1800" i="1" dirty="0" err="1">
+                <a:effectLst/>
+                <a:latin typeface="Times New Roman" panose="02020603050405020304" pitchFamily="18" charset="0"/>
+                <a:ea typeface="Times New Roman" panose="02020603050405020304" pitchFamily="18" charset="0"/>
+              </a:rPr>
+              <a:t>giá</a:t>
+            </a:r>
+            <a:r>
+              <a:rPr lang="en-US" sz="1800" i="1" dirty="0">
+                <a:effectLst/>
+                <a:latin typeface="Times New Roman" panose="02020603050405020304" pitchFamily="18" charset="0"/>
+                <a:ea typeface="Times New Roman" panose="02020603050405020304" pitchFamily="18" charset="0"/>
+              </a:rPr>
+              <a:t> </a:t>
+            </a:r>
+            <a:r>
+              <a:rPr lang="en-US" sz="1800" i="1" dirty="0" err="1">
+                <a:effectLst/>
+                <a:latin typeface="Times New Roman" panose="02020603050405020304" pitchFamily="18" charset="0"/>
+                <a:ea typeface="Times New Roman" panose="02020603050405020304" pitchFamily="18" charset="0"/>
+              </a:rPr>
+              <a:t>trị</a:t>
+            </a:r>
+            <a:r>
+              <a:rPr lang="en-US" sz="1800" i="1" dirty="0">
+                <a:effectLst/>
+                <a:latin typeface="Times New Roman" panose="02020603050405020304" pitchFamily="18" charset="0"/>
+                <a:ea typeface="Times New Roman" panose="02020603050405020304" pitchFamily="18" charset="0"/>
+              </a:rPr>
+              <a:t> </a:t>
+            </a:r>
+            <a:r>
+              <a:rPr lang="en-US" sz="1800" i="1" dirty="0" err="1">
+                <a:effectLst/>
+                <a:latin typeface="Times New Roman" panose="02020603050405020304" pitchFamily="18" charset="0"/>
+                <a:ea typeface="Times New Roman" panose="02020603050405020304" pitchFamily="18" charset="0"/>
+              </a:rPr>
+              <a:t>của</a:t>
+            </a:r>
+            <a:r>
+              <a:rPr lang="en-US" sz="1800" i="1" dirty="0">
+                <a:effectLst/>
+                <a:latin typeface="Times New Roman" panose="02020603050405020304" pitchFamily="18" charset="0"/>
+                <a:ea typeface="Times New Roman" panose="02020603050405020304" pitchFamily="18" charset="0"/>
+              </a:rPr>
+              <a:t> </a:t>
+            </a:r>
+            <a:r>
+              <a:rPr lang="en-US" sz="1800" i="1" dirty="0" err="1">
+                <a:effectLst/>
+                <a:latin typeface="Times New Roman" panose="02020603050405020304" pitchFamily="18" charset="0"/>
+                <a:ea typeface="Times New Roman" panose="02020603050405020304" pitchFamily="18" charset="0"/>
+              </a:rPr>
+              <a:t>thuộc</a:t>
+            </a:r>
+            <a:r>
+              <a:rPr lang="en-US" sz="1800" i="1" dirty="0">
+                <a:effectLst/>
+                <a:latin typeface="Times New Roman" panose="02020603050405020304" pitchFamily="18" charset="0"/>
+                <a:ea typeface="Times New Roman" panose="02020603050405020304" pitchFamily="18" charset="0"/>
+              </a:rPr>
+              <a:t> </a:t>
+            </a:r>
+            <a:r>
+              <a:rPr lang="en-US" sz="1800" i="1" dirty="0" err="1">
+                <a:effectLst/>
+                <a:latin typeface="Times New Roman" panose="02020603050405020304" pitchFamily="18" charset="0"/>
+                <a:ea typeface="Times New Roman" panose="02020603050405020304" pitchFamily="18" charset="0"/>
+              </a:rPr>
+              <a:t>tính</a:t>
+            </a:r>
+            <a:endParaRPr lang="en-US" i="1" dirty="0"/>
+          </a:p>
+        </p:txBody>
+      </p:sp>
       <p:pic>
         <p:nvPicPr>
-          <p:cNvPr id="8" name="Picture 7" descr="A white rectangular object with black text&#10;&#10;Description automatically generated">
-            <a:extLst>
-              <a:ext uri="{FF2B5EF4-FFF2-40B4-BE49-F238E27FC236}">
-                <a16:creationId xmlns:a16="http://schemas.microsoft.com/office/drawing/2014/main" id="{558D267C-7D1C-4F5B-A124-EF9CBE03C05E}"/>
-              </a:ext>
-            </a:extLst>
-          </p:cNvPr>
-          <p:cNvPicPr/>
+          <p:cNvPr id="5" name="Picture 4" descr="A graph of different types of data&#10;&#10;Description automatically generated with medium confidence">
+            <a:extLst>
+              <a:ext uri="{FF2B5EF4-FFF2-40B4-BE49-F238E27FC236}">
+                <a16:creationId xmlns:a16="http://schemas.microsoft.com/office/drawing/2014/main" id="{FA29CA9D-BA45-232D-4526-B48788D24C38}"/>
+              </a:ext>
+            </a:extLst>
+          </p:cNvPr>
+          <p:cNvPicPr>
+            <a:picLocks noChangeAspect="1"/>
+          </p:cNvPicPr>
           <p:nvPr/>
         </p:nvPicPr>
         <p:blipFill>
@@ -5661,54 +6203,14 @@
         </p:blipFill>
         <p:spPr>
           <a:xfrm>
-            <a:off x="1479073" y="1828800"/>
-            <a:ext cx="6185853" cy="3492818"/>
+            <a:off x="1379378" y="1503972"/>
+            <a:ext cx="7147244" cy="4001379"/>
           </a:xfrm>
           <a:prstGeom prst="rect">
             <a:avLst/>
           </a:prstGeom>
         </p:spPr>
       </p:pic>
-      <p:sp>
-        <p:nvSpPr>
-          <p:cNvPr id="10" name="TextBox 9">
-            <a:extLst>
-              <a:ext uri="{FF2B5EF4-FFF2-40B4-BE49-F238E27FC236}">
-                <a16:creationId xmlns:a16="http://schemas.microsoft.com/office/drawing/2014/main" id="{41929B8B-ED99-45E5-BEC6-CB3D919C35DA}"/>
-              </a:ext>
-            </a:extLst>
-          </p:cNvPr>
-          <p:cNvSpPr txBox="1"/>
-          <p:nvPr/>
-        </p:nvSpPr>
-        <p:spPr>
-          <a:xfrm>
-            <a:off x="2514600" y="5534898"/>
-            <a:ext cx="4876800" cy="369332"/>
-          </a:xfrm>
-          <a:prstGeom prst="rect">
-            <a:avLst/>
-          </a:prstGeom>
-          <a:noFill/>
-        </p:spPr>
-        <p:txBody>
-          <a:bodyPr wrap="square">
-            <a:spAutoFit/>
-          </a:bodyPr>
-          <a:lstStyle/>
-          <a:p>
-            <a:r>
-              <a:rPr lang="en-US" sz="1800" i="1">
-                <a:effectLst/>
-                <a:latin typeface="Times New Roman" panose="02020603050405020304" pitchFamily="18" charset="0"/>
-                <a:ea typeface="Times New Roman" panose="02020603050405020304" pitchFamily="18" charset="0"/>
-              </a:rPr>
-              <a:t>Biểu đồ phân phối giá trị của thuộc tính holiday</a:t>
-            </a:r>
-            <a:endParaRPr lang="en-US" i="1"/>
-          </a:p>
-        </p:txBody>
-      </p:sp>
     </p:spTree>
     <p:extLst>
       <p:ext uri="{BB962C8B-B14F-4D97-AF65-F5344CB8AC3E}">
@@ -11801,16 +12303,56 @@
               <a:buNone/>
             </a:pPr>
             <a:r>
-              <a:rPr lang="en-US" sz="2800" b="1"/>
-              <a:t>Ý nghĩa của các đặc trưng:</a:t>
-            </a:r>
-            <a:endParaRPr lang="en-US"/>
+              <a:rPr lang="en-US" sz="2800" b="1" dirty="0"/>
+              <a:t>Ý </a:t>
+            </a:r>
+            <a:r>
+              <a:rPr lang="en-US" sz="2800" b="1" dirty="0" err="1"/>
+              <a:t>nghĩa</a:t>
+            </a:r>
+            <a:r>
+              <a:rPr lang="en-US" sz="2800" b="1" dirty="0"/>
+              <a:t> </a:t>
+            </a:r>
+            <a:r>
+              <a:rPr lang="en-US" sz="2800" b="1" dirty="0" err="1"/>
+              <a:t>của</a:t>
+            </a:r>
+            <a:r>
+              <a:rPr lang="en-US" sz="2800" b="1" dirty="0"/>
+              <a:t> </a:t>
+            </a:r>
+            <a:r>
+              <a:rPr lang="en-US" sz="2800" b="1" dirty="0" err="1"/>
+              <a:t>các</a:t>
+            </a:r>
+            <a:r>
+              <a:rPr lang="en-US" sz="2800" b="1" dirty="0"/>
+              <a:t> </a:t>
+            </a:r>
+            <a:r>
+              <a:rPr lang="en-US" sz="2800" b="1" dirty="0" err="1"/>
+              <a:t>đặc</a:t>
+            </a:r>
+            <a:r>
+              <a:rPr lang="en-US" sz="2800" b="1" dirty="0"/>
+              <a:t> </a:t>
+            </a:r>
+            <a:r>
+              <a:rPr lang="en-US" sz="2800" b="1" dirty="0" err="1"/>
+              <a:t>trưng</a:t>
+            </a:r>
+            <a:r>
+              <a:rPr lang="en-US" sz="2800" b="1" dirty="0"/>
+              <a:t>:</a:t>
+            </a:r>
+            <a:endParaRPr lang="en-US" dirty="0"/>
           </a:p>
           <a:p>
             <a:pPr marL="0" indent="0">
               <a:buNone/>
             </a:pPr>
-            <a:endParaRPr lang="en-US"/>
+            <a:endParaRPr lang="en-US" dirty="0"/>
           </a:p>
           <a:p>
             <a:pPr marL="0" indent="0">
@@ -11819,7 +12361,7 @@
               </a:lnSpc>
               <a:buNone/>
             </a:pPr>
-            <a:endParaRPr lang="en-US" sz="2800"/>
+            <a:endParaRPr lang="en-US" sz="2800" dirty="0"/>
           </a:p>
         </p:txBody>
       </p:sp>
@@ -11868,7 +12410,7 @@
           <p:nvPr>
             <p:extLst>
               <p:ext uri="{D42A27DB-BD31-4B8C-83A1-F6EECF244321}">
-                <p14:modId xmlns:p14="http://schemas.microsoft.com/office/powerpoint/2010/main" val="3956523722"/>
+                <p14:modId xmlns:p14="http://schemas.microsoft.com/office/powerpoint/2010/main" val="2010331452"/>
               </p:ext>
             </p:extLst>
           </p:nvPr>
@@ -11950,11 +12492,11 @@
                     <a:p>
                       <a:pPr algn="just"/>
                       <a:r>
-                        <a:rPr lang="en-US"/>
+                        <a:rPr lang="en-US" dirty="0"/>
                         <a:t>1. </a:t>
                       </a:r>
                       <a:r>
-                        <a:rPr lang="en-US" sz="1800" kern="1200">
+                        <a:rPr lang="en-US" sz="1800" kern="1200" dirty="0">
                           <a:solidFill>
                             <a:schemeClr val="dk1"/>
                           </a:solidFill>
@@ -11965,7 +12507,7 @@
                         </a:rPr>
                         <a:t>datetime</a:t>
                       </a:r>
-                      <a:endParaRPr lang="en-US"/>
+                      <a:endParaRPr lang="en-US" dirty="0"/>
                     </a:p>
                   </a:txBody>
                   <a:tcPr anchor="ctr"/>
@@ -11993,7 +12535,7 @@
                         <a:defRPr/>
                       </a:pPr>
                       <a:r>
-                        <a:rPr lang="en-US" sz="1800" kern="1200">
+                        <a:rPr lang="en-US" sz="1800" kern="1200" dirty="0">
                           <a:solidFill>
                             <a:schemeClr val="dk1"/>
                           </a:solidFill>
@@ -12002,8 +12544,173 @@
                           <a:ea typeface="+mn-ea"/>
                           <a:cs typeface="+mn-cs"/>
                         </a:rPr>
-                        <a:t>Cho biết thời gian theo dịnh dạng "%m/%d/%Y %H:%M:%hS</a:t>
+                        <a:t>Cho </a:t>
                       </a:r>
+                      <a:r>
+                        <a:rPr lang="en-US" sz="1800" kern="1200" dirty="0" err="1">
+                          <a:solidFill>
+                            <a:schemeClr val="dk1"/>
+                          </a:solidFill>
+                          <a:effectLst/>
+                          <a:latin typeface="+mn-lt"/>
+                          <a:ea typeface="+mn-ea"/>
+                          <a:cs typeface="+mn-cs"/>
+                        </a:rPr>
+                        <a:t>biết</a:t>
+                      </a:r>
+                      <a:r>
+                        <a:rPr lang="en-US" sz="1800" kern="1200" dirty="0">
+                          <a:solidFill>
+                            <a:schemeClr val="dk1"/>
+                          </a:solidFill>
+                          <a:effectLst/>
+                          <a:latin typeface="+mn-lt"/>
+                          <a:ea typeface="+mn-ea"/>
+                          <a:cs typeface="+mn-cs"/>
+                        </a:rPr>
+                        <a:t> </a:t>
+                      </a:r>
+                      <a:r>
+                        <a:rPr lang="en-US" sz="1800" kern="1200" dirty="0" err="1">
+                          <a:solidFill>
+                            <a:schemeClr val="dk1"/>
+                          </a:solidFill>
+                          <a:effectLst/>
+                          <a:latin typeface="+mn-lt"/>
+                          <a:ea typeface="+mn-ea"/>
+                          <a:cs typeface="+mn-cs"/>
+                        </a:rPr>
+                        <a:t>thời</a:t>
+                      </a:r>
+                      <a:r>
+                        <a:rPr lang="en-US" sz="1800" kern="1200" dirty="0">
+                          <a:solidFill>
+                            <a:schemeClr val="dk1"/>
+                          </a:solidFill>
+                          <a:effectLst/>
+                          <a:latin typeface="+mn-lt"/>
+                          <a:ea typeface="+mn-ea"/>
+                          <a:cs typeface="+mn-cs"/>
+                        </a:rPr>
+                        <a:t> </a:t>
+                      </a:r>
+                      <a:r>
+                        <a:rPr lang="en-US" sz="1800" kern="1200" dirty="0" err="1">
+                          <a:solidFill>
+                            <a:schemeClr val="dk1"/>
+                          </a:solidFill>
+                          <a:effectLst/>
+                          <a:latin typeface="+mn-lt"/>
+                          <a:ea typeface="+mn-ea"/>
+                          <a:cs typeface="+mn-cs"/>
+                        </a:rPr>
+                        <a:t>gian</a:t>
+                      </a:r>
+                      <a:r>
+                        <a:rPr lang="en-US" sz="1800" kern="1200" dirty="0">
+                          <a:solidFill>
+                            <a:schemeClr val="dk1"/>
+                          </a:solidFill>
+                          <a:effectLst/>
+                          <a:latin typeface="+mn-lt"/>
+                          <a:ea typeface="+mn-ea"/>
+                          <a:cs typeface="+mn-cs"/>
+                        </a:rPr>
+                        <a:t> </a:t>
+                      </a:r>
+                      <a:r>
+                        <a:rPr lang="en-US" sz="1800" kern="1200" dirty="0" err="1">
+                          <a:solidFill>
+                            <a:schemeClr val="dk1"/>
+                          </a:solidFill>
+                          <a:effectLst/>
+                          <a:latin typeface="+mn-lt"/>
+                          <a:ea typeface="+mn-ea"/>
+                          <a:cs typeface="+mn-cs"/>
+                        </a:rPr>
+                        <a:t>theo</a:t>
+                      </a:r>
+                      <a:r>
+                        <a:rPr lang="en-US" sz="1800" kern="1200" dirty="0">
+                          <a:solidFill>
+                            <a:schemeClr val="dk1"/>
+                          </a:solidFill>
+                          <a:effectLst/>
+                          <a:latin typeface="+mn-lt"/>
+                          <a:ea typeface="+mn-ea"/>
+                          <a:cs typeface="+mn-cs"/>
+                        </a:rPr>
+                        <a:t> </a:t>
+                      </a:r>
+                      <a:r>
+                        <a:rPr lang="en-US" sz="1800" kern="1200" dirty="0" err="1">
+                          <a:solidFill>
+                            <a:schemeClr val="dk1"/>
+                          </a:solidFill>
+                          <a:effectLst/>
+                          <a:latin typeface="+mn-lt"/>
+                          <a:ea typeface="+mn-ea"/>
+                          <a:cs typeface="+mn-cs"/>
+                        </a:rPr>
+                        <a:t>dịnh</a:t>
+                      </a:r>
+                      <a:r>
+                        <a:rPr lang="en-US" sz="1800" kern="1200" dirty="0">
+                          <a:solidFill>
+                            <a:schemeClr val="dk1"/>
+                          </a:solidFill>
+                          <a:effectLst/>
+                          <a:latin typeface="+mn-lt"/>
+                          <a:ea typeface="+mn-ea"/>
+                          <a:cs typeface="+mn-cs"/>
+                        </a:rPr>
+                        <a:t> </a:t>
+                      </a:r>
+                      <a:r>
+                        <a:rPr lang="en-US" sz="1800" kern="1200" dirty="0" err="1">
+                          <a:solidFill>
+                            <a:schemeClr val="dk1"/>
+                          </a:solidFill>
+                          <a:effectLst/>
+                          <a:latin typeface="+mn-lt"/>
+                          <a:ea typeface="+mn-ea"/>
+                          <a:cs typeface="+mn-cs"/>
+                        </a:rPr>
+                        <a:t>dạng</a:t>
+                      </a:r>
+                      <a:r>
+                        <a:rPr lang="en-US" sz="1800" kern="1200" dirty="0">
+                          <a:solidFill>
+                            <a:schemeClr val="dk1"/>
+                          </a:solidFill>
+                          <a:effectLst/>
+                          <a:latin typeface="+mn-lt"/>
+                          <a:ea typeface="+mn-ea"/>
+                          <a:cs typeface="+mn-cs"/>
+                        </a:rPr>
+                        <a:t> %m/%d/%Y %H:%M:%</a:t>
+                      </a:r>
+                      <a:r>
+                        <a:rPr lang="en-US" sz="1800" kern="1200" dirty="0" err="1">
+                          <a:solidFill>
+                            <a:schemeClr val="dk1"/>
+                          </a:solidFill>
+                          <a:effectLst/>
+                          <a:latin typeface="+mn-lt"/>
+                          <a:ea typeface="+mn-ea"/>
+                          <a:cs typeface="+mn-cs"/>
+                        </a:rPr>
+                        <a:t>hS</a:t>
+                      </a:r>
+                      <a:endParaRPr lang="en-US" sz="1800" kern="1200" dirty="0">
+                        <a:solidFill>
+                          <a:schemeClr val="dk1"/>
+                        </a:solidFill>
+                        <a:effectLst/>
+                        <a:latin typeface="+mn-lt"/>
+                        <a:ea typeface="+mn-ea"/>
+                        <a:cs typeface="+mn-cs"/>
+                      </a:endParaRPr>
                     </a:p>
                   </a:txBody>
                   <a:tcPr anchor="ctr"/>
@@ -12022,11 +12729,11 @@
                     <a:p>
                       <a:pPr algn="just"/>
                       <a:r>
-                        <a:rPr lang="en-US"/>
+                        <a:rPr lang="en-US" dirty="0"/>
                         <a:t>2. </a:t>
                       </a:r>
                       <a:r>
-                        <a:rPr lang="en-US" sz="1800" kern="1200">
+                        <a:rPr lang="en-US" sz="1800" kern="1200" dirty="0">
                           <a:solidFill>
                             <a:schemeClr val="dk1"/>
                           </a:solidFill>
@@ -12037,7 +12744,7 @@
                         </a:rPr>
                         <a:t>season</a:t>
                       </a:r>
-                      <a:endParaRPr lang="en-US"/>
+                      <a:endParaRPr lang="en-US" dirty="0"/>
                     </a:p>
                   </a:txBody>
                   <a:tcPr anchor="ctr"/>
@@ -12253,7 +12960,7 @@
                         <a:defRPr/>
                       </a:pPr>
                       <a:r>
-                        <a:rPr lang="en-US" sz="1800" kern="1200">
+                        <a:rPr lang="en-US" sz="1800" kern="1200" dirty="0" err="1">
                           <a:solidFill>
                             <a:schemeClr val="dk1"/>
                           </a:solidFill>
@@ -12262,10 +12969,190 @@
                           <a:ea typeface="+mn-ea"/>
                           <a:cs typeface="+mn-cs"/>
                         </a:rPr>
-                        <a:t>Nhiệt độ thực tế tính theo độ Celsius (độ </a:t>
+                        <a:t>Nhiệt</a:t>
                       </a:r>
                       <a:r>
-                        <a:rPr lang="en-US" sz="1800" kern="1200">
+                        <a:rPr lang="en-US" sz="1800" kern="1200" dirty="0">
+                          <a:solidFill>
+                            <a:schemeClr val="dk1"/>
+                          </a:solidFill>
+                          <a:effectLst/>
+                          <a:latin typeface="+mn-lt"/>
+                          <a:ea typeface="+mn-ea"/>
+                          <a:cs typeface="+mn-cs"/>
+                        </a:rPr>
+                        <a:t> </a:t>
+                      </a:r>
+                      <a:r>
+                        <a:rPr lang="en-US" sz="1800" kern="1200" dirty="0" err="1">
+                          <a:solidFill>
+                            <a:schemeClr val="dk1"/>
+                          </a:solidFill>
+                          <a:effectLst/>
+                          <a:latin typeface="+mn-lt"/>
+                          <a:ea typeface="+mn-ea"/>
+                          <a:cs typeface="+mn-cs"/>
+                        </a:rPr>
+                        <a:t>độ</a:t>
+                      </a:r>
+                      <a:r>
+                        <a:rPr lang="en-US" sz="1800" kern="1200" dirty="0">
+                          <a:solidFill>
+                            <a:schemeClr val="dk1"/>
+                          </a:solidFill>
+                          <a:effectLst/>
+                          <a:latin typeface="+mn-lt"/>
+                          <a:ea typeface="+mn-ea"/>
+                          <a:cs typeface="+mn-cs"/>
+                        </a:rPr>
+                        <a:t> </a:t>
+                      </a:r>
+                      <a:r>
+                        <a:rPr lang="en-US" sz="1800" kern="1200" dirty="0" err="1">
+                          <a:solidFill>
+                            <a:schemeClr val="dk1"/>
+                          </a:solidFill>
+                          <a:effectLst/>
+                          <a:latin typeface="+mn-lt"/>
+                          <a:ea typeface="+mn-ea"/>
+                          <a:cs typeface="+mn-cs"/>
+                        </a:rPr>
+                        <a:t>thực</a:t>
+                      </a:r>
+                      <a:r>
+                        <a:rPr lang="en-US" sz="1800" kern="1200" dirty="0">
+                          <a:solidFill>
+                            <a:schemeClr val="dk1"/>
+                          </a:solidFill>
+                          <a:effectLst/>
+                          <a:latin typeface="+mn-lt"/>
+                          <a:ea typeface="+mn-ea"/>
+                          <a:cs typeface="+mn-cs"/>
+                        </a:rPr>
+                        <a:t> </a:t>
+                      </a:r>
+                      <a:r>
+                        <a:rPr lang="en-US" sz="1800" kern="1200" dirty="0" err="1">
+                          <a:solidFill>
+                            <a:schemeClr val="dk1"/>
+                          </a:solidFill>
+                          <a:effectLst/>
+                          <a:latin typeface="+mn-lt"/>
+                          <a:ea typeface="+mn-ea"/>
+                          <a:cs typeface="+mn-cs"/>
+                        </a:rPr>
+                        <a:t>tế</a:t>
+                      </a:r>
+                      <a:r>
+                        <a:rPr lang="en-US" sz="1800" kern="1200" dirty="0">
+                          <a:solidFill>
+                            <a:schemeClr val="dk1"/>
+                          </a:solidFill>
+                          <a:effectLst/>
+                          <a:latin typeface="+mn-lt"/>
+                          <a:ea typeface="+mn-ea"/>
+                          <a:cs typeface="+mn-cs"/>
+                        </a:rPr>
+                        <a:t> </a:t>
+                      </a:r>
+                      <a:r>
+                        <a:rPr lang="en-US" sz="1800" kern="1200" dirty="0" err="1">
+                          <a:solidFill>
+                            <a:schemeClr val="dk1"/>
+                          </a:solidFill>
+                          <a:effectLst/>
+                          <a:latin typeface="+mn-lt"/>
+                          <a:ea typeface="+mn-ea"/>
+                          <a:cs typeface="+mn-cs"/>
+                        </a:rPr>
+                        <a:t>tính</a:t>
+                      </a:r>
+                      <a:r>
+                        <a:rPr lang="en-US" sz="1800" kern="1200" dirty="0">
+                          <a:solidFill>
+                            <a:schemeClr val="dk1"/>
+                          </a:solidFill>
+                          <a:effectLst/>
+                          <a:latin typeface="+mn-lt"/>
+                          <a:ea typeface="+mn-ea"/>
+                          <a:cs typeface="+mn-cs"/>
+                        </a:rPr>
+                        <a:t> </a:t>
+                      </a:r>
+                      <a:r>
+                        <a:rPr lang="en-US" sz="1800" kern="1200" dirty="0" err="1">
+                          <a:solidFill>
+                            <a:schemeClr val="dk1"/>
+                          </a:solidFill>
+                          <a:effectLst/>
+                          <a:latin typeface="+mn-lt"/>
+                          <a:ea typeface="+mn-ea"/>
+                          <a:cs typeface="+mn-cs"/>
+                        </a:rPr>
+                        <a:t>theo</a:t>
+                      </a:r>
+                      <a:r>
+                        <a:rPr lang="en-US" sz="1800" kern="1200" dirty="0">
+                          <a:solidFill>
+                            <a:schemeClr val="dk1"/>
+                          </a:solidFill>
+                          <a:effectLst/>
+                          <a:latin typeface="+mn-lt"/>
+                          <a:ea typeface="+mn-ea"/>
+                          <a:cs typeface="+mn-cs"/>
+                        </a:rPr>
+                        <a:t> </a:t>
+                      </a:r>
+                      <a:r>
+                        <a:rPr lang="en-US" sz="1800" kern="1200" dirty="0" err="1">
+                          <a:solidFill>
+                            <a:schemeClr val="dk1"/>
+                          </a:solidFill>
+                          <a:effectLst/>
+                          <a:latin typeface="+mn-lt"/>
+                          <a:ea typeface="+mn-ea"/>
+                          <a:cs typeface="+mn-cs"/>
+                        </a:rPr>
+                        <a:t>độ</a:t>
+                      </a:r>
+                      <a:r>
+                        <a:rPr lang="en-US" sz="1800" kern="1200" dirty="0">
+                          <a:solidFill>
+                            <a:schemeClr val="dk1"/>
+                          </a:solidFill>
+                          <a:effectLst/>
+                          <a:latin typeface="+mn-lt"/>
+                          <a:ea typeface="+mn-ea"/>
+                          <a:cs typeface="+mn-cs"/>
+                        </a:rPr>
+                        <a:t> Celsius (</a:t>
+                      </a:r>
+                      <a:r>
+                        <a:rPr lang="en-US" sz="1800" kern="1200" dirty="0" err="1">
+                          <a:solidFill>
+                            <a:schemeClr val="dk1"/>
+                          </a:solidFill>
+                          <a:effectLst/>
+                          <a:latin typeface="+mn-lt"/>
+                          <a:ea typeface="+mn-ea"/>
+                          <a:cs typeface="+mn-cs"/>
+                        </a:rPr>
+                        <a:t>độ</a:t>
+                      </a:r>
+                      <a:r>
+                        <a:rPr lang="en-US" sz="1800" kern="1200" dirty="0">
+                          <a:solidFill>
+                            <a:schemeClr val="dk1"/>
+                          </a:solidFill>
+                          <a:effectLst/>
+                          <a:latin typeface="+mn-lt"/>
+                          <a:ea typeface="+mn-ea"/>
+                          <a:cs typeface="+mn-cs"/>
+                        </a:rPr>
+                        <a:t> </a:t>
+                      </a:r>
+                      <a:r>
+                        <a:rPr lang="en-US" sz="1800" kern="1200" dirty="0">
                           <a:solidFill>
                             <a:schemeClr val="dk1"/>
                           </a:solidFill>
@@ -12278,7 +13165,7 @@
                         <a:t></a:t>
                       </a:r>
                       <a:r>
-                        <a:rPr lang="en-US" sz="1800" kern="1200">
+                        <a:rPr lang="en-US" sz="1800" kern="1200" dirty="0">
                           <a:solidFill>
                             <a:schemeClr val="dk1"/>
                           </a:solidFill>
@@ -12370,6 +13257,59 @@
                                               <p:pRg st="0" end="0"/>
                                             </p:txEl>
                                           </p:spTgt>
+                                        </p:tgtEl>
+                                      </p:cBhvr>
+                                    </p:animEffect>
+                                  </p:childTnLst>
+                                </p:cTn>
+                              </p:par>
+                            </p:childTnLst>
+                          </p:cTn>
+                        </p:par>
+                      </p:childTnLst>
+                    </p:cTn>
+                  </p:par>
+                  <p:par>
+                    <p:cTn id="8" fill="hold">
+                      <p:stCondLst>
+                        <p:cond delay="indefinite"/>
+                      </p:stCondLst>
+                      <p:childTnLst>
+                        <p:par>
+                          <p:cTn id="9" fill="hold">
+                            <p:stCondLst>
+                              <p:cond delay="0"/>
+                            </p:stCondLst>
+                            <p:childTnLst>
+                              <p:par>
+                                <p:cTn id="10" presetID="22" presetClass="entr" presetSubtype="4" fill="hold" nodeType="clickEffect">
+                                  <p:stCondLst>
+                                    <p:cond delay="0"/>
+                                  </p:stCondLst>
+                                  <p:childTnLst>
+                                    <p:set>
+                                      <p:cBhvr>
+                                        <p:cTn id="11" dur="1" fill="hold">
+                                          <p:stCondLst>
+                                            <p:cond delay="0"/>
+                                          </p:stCondLst>
+                                        </p:cTn>
+                                        <p:tgtEl>
+                                          <p:spTgt spid="5"/>
+                                        </p:tgtEl>
+                                        <p:attrNameLst>
+                                          <p:attrName>style.visibility</p:attrName>
+                                        </p:attrNameLst>
+                                      </p:cBhvr>
+                                      <p:to>
+                                        <p:strVal val="visible"/>
+                                      </p:to>
+                                    </p:set>
+                                    <p:animEffect transition="in" filter="wipe(down)">
+                                      <p:cBhvr>
+                                        <p:cTn id="12" dur="500"/>
+                                        <p:tgtEl>
+                                          <p:spTgt spid="5"/>
                                         </p:tgtEl>
                                       </p:cBhvr>
                                     </p:animEffect>
@@ -12953,7 +13893,7 @@
                         <a:defRPr/>
                       </a:pPr>
                       <a:r>
-                        <a:rPr lang="en-US" sz="1800" kern="1200">
+                        <a:rPr lang="en-US" sz="1800" kern="1200" dirty="0" err="1">
                           <a:solidFill>
                             <a:schemeClr val="dk1"/>
                           </a:solidFill>
@@ -12962,8 +13902,137 @@
                           <a:ea typeface="+mn-ea"/>
                           <a:cs typeface="+mn-cs"/>
                         </a:rPr>
-                        <a:t>Tổng số lượng xe được thuê</a:t>
+                        <a:t>Tổng</a:t>
                       </a:r>
+                      <a:r>
+                        <a:rPr lang="en-US" sz="1800" kern="1200" dirty="0">
+                          <a:solidFill>
+                            <a:schemeClr val="dk1"/>
+                          </a:solidFill>
+                          <a:effectLst/>
+                          <a:latin typeface="+mn-lt"/>
+                          <a:ea typeface="+mn-ea"/>
+                          <a:cs typeface="+mn-cs"/>
+                        </a:rPr>
+                        <a:t> </a:t>
+                      </a:r>
+                      <a:r>
+                        <a:rPr lang="en-US" sz="1800" kern="1200" dirty="0" err="1">
+                          <a:solidFill>
+                            <a:schemeClr val="dk1"/>
+                          </a:solidFill>
+                          <a:effectLst/>
+                          <a:latin typeface="+mn-lt"/>
+                          <a:ea typeface="+mn-ea"/>
+                          <a:cs typeface="+mn-cs"/>
+                        </a:rPr>
+                        <a:t>số</a:t>
+                      </a:r>
+                      <a:r>
+                        <a:rPr lang="en-US" sz="1800" kern="1200" dirty="0">
+                          <a:solidFill>
+                            <a:schemeClr val="dk1"/>
+                          </a:solidFill>
+                          <a:effectLst/>
+                          <a:latin typeface="+mn-lt"/>
+                          <a:ea typeface="+mn-ea"/>
+                          <a:cs typeface="+mn-cs"/>
+                        </a:rPr>
+                        <a:t> </a:t>
+                      </a:r>
+                      <a:r>
+                        <a:rPr lang="en-US" sz="1800" kern="1200" dirty="0" err="1">
+                          <a:solidFill>
+                            <a:schemeClr val="dk1"/>
+                          </a:solidFill>
+                          <a:effectLst/>
+                          <a:latin typeface="+mn-lt"/>
+                          <a:ea typeface="+mn-ea"/>
+                          <a:cs typeface="+mn-cs"/>
+                        </a:rPr>
+                        <a:t>lượng</a:t>
+                      </a:r>
+                      <a:r>
+                        <a:rPr lang="en-US" sz="1800" kern="1200" dirty="0">
+                          <a:solidFill>
+                            <a:schemeClr val="dk1"/>
+                          </a:solidFill>
+                          <a:effectLst/>
+                          <a:latin typeface="+mn-lt"/>
+                          <a:ea typeface="+mn-ea"/>
+                          <a:cs typeface="+mn-cs"/>
+                        </a:rPr>
+                        <a:t> </a:t>
+                      </a:r>
+                      <a:r>
+                        <a:rPr lang="en-US" sz="1800" kern="1200" dirty="0" err="1">
+                          <a:solidFill>
+                            <a:schemeClr val="dk1"/>
+                          </a:solidFill>
+                          <a:effectLst/>
+                          <a:latin typeface="+mn-lt"/>
+                          <a:ea typeface="+mn-ea"/>
+                          <a:cs typeface="+mn-cs"/>
+                        </a:rPr>
+                        <a:t>xe</a:t>
+                      </a:r>
+                      <a:r>
+                        <a:rPr lang="en-US" sz="1800" kern="1200" dirty="0">
+                          <a:solidFill>
+                            <a:schemeClr val="dk1"/>
+                          </a:solidFill>
+                          <a:effectLst/>
+                          <a:latin typeface="+mn-lt"/>
+                          <a:ea typeface="+mn-ea"/>
+                          <a:cs typeface="+mn-cs"/>
+                        </a:rPr>
+                        <a:t> </a:t>
+                      </a:r>
+                      <a:r>
+                        <a:rPr lang="en-US" sz="1800" kern="1200" dirty="0" err="1">
+                          <a:solidFill>
+                            <a:schemeClr val="dk1"/>
+                          </a:solidFill>
+                          <a:effectLst/>
+                          <a:latin typeface="+mn-lt"/>
+                          <a:ea typeface="+mn-ea"/>
+                          <a:cs typeface="+mn-cs"/>
+                        </a:rPr>
+                        <a:t>được</a:t>
+                      </a:r>
+                      <a:r>
+                        <a:rPr lang="en-US" sz="1800" kern="1200" dirty="0">
+                          <a:solidFill>
+                            <a:schemeClr val="dk1"/>
+                          </a:solidFill>
+                          <a:effectLst/>
+                          <a:latin typeface="+mn-lt"/>
+                          <a:ea typeface="+mn-ea"/>
+                          <a:cs typeface="+mn-cs"/>
+                        </a:rPr>
+                        <a:t> </a:t>
+                      </a:r>
+                      <a:r>
+                        <a:rPr lang="en-US" sz="1800" kern="1200" dirty="0" err="1">
+                          <a:solidFill>
+                            <a:schemeClr val="dk1"/>
+                          </a:solidFill>
+                          <a:effectLst/>
+                          <a:latin typeface="+mn-lt"/>
+                          <a:ea typeface="+mn-ea"/>
+                          <a:cs typeface="+mn-cs"/>
+                        </a:rPr>
+                        <a:t>thuê</a:t>
+                      </a:r>
+                      <a:endParaRPr lang="en-US" sz="1800" kern="1200" dirty="0">
+                        <a:solidFill>
+                          <a:schemeClr val="dk1"/>
+                        </a:solidFill>
+                        <a:effectLst/>
+                        <a:latin typeface="+mn-lt"/>
+                        <a:ea typeface="+mn-ea"/>
+                        <a:cs typeface="+mn-cs"/>
+                      </a:endParaRPr>
                     </a:p>
                   </a:txBody>
                   <a:tcPr anchor="ctr"/>
@@ -13023,6 +14092,89 @@
   <p:clrMapOvr>
     <a:masterClrMapping/>
   </p:clrMapOvr>
+  <p:timing>
+    <p:tnLst>
+      <p:par>
+        <p:cTn id="1" dur="indefinite" restart="never" nodeType="tmRoot">
+          <p:childTnLst>
+            <p:seq concurrent="1" nextAc="seek">
+              <p:cTn id="2" dur="indefinite" nodeType="mainSeq">
+                <p:childTnLst>
+                  <p:par>
+                    <p:cTn id="3" fill="hold">
+                      <p:stCondLst>
+                        <p:cond delay="indefinite"/>
+                      </p:stCondLst>
+                      <p:childTnLst>
+                        <p:par>
+                          <p:cTn id="4" fill="hold">
+                            <p:stCondLst>
+                              <p:cond delay="0"/>
+                            </p:stCondLst>
+                            <p:childTnLst>
+                              <p:par>
+                                <p:cTn id="5" presetID="22" presetClass="entr" presetSubtype="4" fill="hold" nodeType="clickEffect">
+                                  <p:stCondLst>
+                                    <p:cond delay="0"/>
+                                  </p:stCondLst>
+                                  <p:childTnLst>
+                                    <p:set>
+                                      <p:cBhvr>
+                                        <p:cTn id="6" dur="1" fill="hold">
+                                          <p:stCondLst>
+                                            <p:cond delay="0"/>
+                                          </p:stCondLst>
+                                        </p:cTn>
+                                        <p:tgtEl>
+                                          <p:spTgt spid="3"/>
+                                        </p:tgtEl>
+                                        <p:attrNameLst>
+                                          <p:attrName>style.visibility</p:attrName>
+                                        </p:attrNameLst>
+                                      </p:cBhvr>
+                                      <p:to>
+                                        <p:strVal val="visible"/>
+                                      </p:to>
+                                    </p:set>
+                                    <p:animEffect transition="in" filter="wipe(down)">
+                                      <p:cBhvr>
+                                        <p:cTn id="7" dur="500"/>
+                                        <p:tgtEl>
+                                          <p:spTgt spid="3"/>
+                                        </p:tgtEl>
+                                      </p:cBhvr>
+                                    </p:animEffect>
+                                  </p:childTnLst>
+                                </p:cTn>
+                              </p:par>
+                            </p:childTnLst>
+                          </p:cTn>
+                        </p:par>
+                      </p:childTnLst>
+                    </p:cTn>
+                  </p:par>
+                </p:childTnLst>
+              </p:cTn>
+              <p:prevCondLst>
+                <p:cond evt="onPrev" delay="0">
+                  <p:tgtEl>
+                    <p:sldTgt/>
+                  </p:tgtEl>
+                </p:cond>
+              </p:prevCondLst>
+              <p:nextCondLst>
+                <p:cond evt="onNext" delay="0">
+                  <p:tgtEl>
+                    <p:sldTgt/>
+                  </p:tgtEl>
+                </p:cond>
+              </p:nextCondLst>
+            </p:seq>
+          </p:childTnLst>
+        </p:cTn>
+      </p:par>
+    </p:tnLst>
+  </p:timing>
 </p:sld>
 </file>
 
@@ -13307,11 +14459,11 @@
                     <a:lstStyle/>
                     <a:p>
                       <a:r>
-                        <a:rPr lang="en-US"/>
+                        <a:rPr lang="en-US" dirty="0"/>
                         <a:t>14. </a:t>
                       </a:r>
                       <a:r>
-                        <a:rPr lang="en-US" sz="1800" kern="1200">
+                        <a:rPr lang="en-US" sz="1800" kern="1200" dirty="0">
                           <a:solidFill>
                             <a:schemeClr val="dk1"/>
                           </a:solidFill>
@@ -13322,7 +14474,7 @@
                         </a:rPr>
                         <a:t>hour</a:t>
                       </a:r>
-                      <a:endParaRPr lang="en-US"/>
+                      <a:endParaRPr lang="en-US" dirty="0"/>
                     </a:p>
                   </a:txBody>
                   <a:tcPr anchor="ctr"/>
@@ -13421,7 +14573,7 @@
                         <a:defRPr/>
                       </a:pPr>
                       <a:r>
-                        <a:rPr lang="en-US" sz="1800" kern="1200">
+                        <a:rPr lang="en-US" sz="1800" kern="1200" dirty="0" err="1">
                           <a:solidFill>
                             <a:schemeClr val="dk1"/>
                           </a:solidFill>
@@ -13430,8 +14582,65 @@
                           <a:ea typeface="+mn-ea"/>
                           <a:cs typeface="+mn-cs"/>
                         </a:rPr>
-                        <a:t>Ngày trong tuần</a:t>
+                        <a:t>Ngày</a:t>
                       </a:r>
+                      <a:r>
+                        <a:rPr lang="en-US" sz="1800" kern="1200" dirty="0">
+                          <a:solidFill>
+                            <a:schemeClr val="dk1"/>
+                          </a:solidFill>
+                          <a:effectLst/>
+                          <a:latin typeface="+mn-lt"/>
+                          <a:ea typeface="+mn-ea"/>
+                          <a:cs typeface="+mn-cs"/>
+                        </a:rPr>
+                        <a:t> </a:t>
+                      </a:r>
+                      <a:r>
+                        <a:rPr lang="en-US" sz="1800" kern="1200" dirty="0" err="1">
+                          <a:solidFill>
+                            <a:schemeClr val="dk1"/>
+                          </a:solidFill>
+                          <a:effectLst/>
+                          <a:latin typeface="+mn-lt"/>
+                          <a:ea typeface="+mn-ea"/>
+                          <a:cs typeface="+mn-cs"/>
+                        </a:rPr>
+                        <a:t>trong</a:t>
+                      </a:r>
+                      <a:r>
+                        <a:rPr lang="en-US" sz="1800" kern="1200" dirty="0">
+                          <a:solidFill>
+                            <a:schemeClr val="dk1"/>
+                          </a:solidFill>
+                          <a:effectLst/>
+                          <a:latin typeface="+mn-lt"/>
+                          <a:ea typeface="+mn-ea"/>
+                          <a:cs typeface="+mn-cs"/>
+                        </a:rPr>
+                        <a:t> </a:t>
+                      </a:r>
+                      <a:r>
+                        <a:rPr lang="en-US" sz="1800" kern="1200" dirty="0" err="1">
+                          <a:solidFill>
+                            <a:schemeClr val="dk1"/>
+                          </a:solidFill>
+                          <a:effectLst/>
+                          <a:latin typeface="+mn-lt"/>
+                          <a:ea typeface="+mn-ea"/>
+                          <a:cs typeface="+mn-cs"/>
+                        </a:rPr>
+                        <a:t>tuần</a:t>
+                      </a:r>
+                      <a:endParaRPr lang="en-US" sz="1800" kern="1200" dirty="0">
+                        <a:solidFill>
+                          <a:schemeClr val="dk1"/>
+                        </a:solidFill>
+                        <a:effectLst/>
+                        <a:latin typeface="+mn-lt"/>
+                        <a:ea typeface="+mn-ea"/>
+                        <a:cs typeface="+mn-cs"/>
+                      </a:endParaRPr>
                     </a:p>
                   </a:txBody>
                   <a:tcPr anchor="ctr"/>
@@ -13486,6 +14695,89 @@
   <p:clrMapOvr>
     <a:masterClrMapping/>
   </p:clrMapOvr>
+  <p:timing>
+    <p:tnLst>
+      <p:par>
+        <p:cTn id="1" dur="indefinite" restart="never" nodeType="tmRoot">
+          <p:childTnLst>
+            <p:seq concurrent="1" nextAc="seek">
+              <p:cTn id="2" dur="indefinite" nodeType="mainSeq">
+                <p:childTnLst>
+                  <p:par>
+                    <p:cTn id="3" fill="hold">
+                      <p:stCondLst>
+                        <p:cond delay="indefinite"/>
+                      </p:stCondLst>
+                      <p:childTnLst>
+                        <p:par>
+                          <p:cTn id="4" fill="hold">
+                            <p:stCondLst>
+                              <p:cond delay="0"/>
+                            </p:stCondLst>
+                            <p:childTnLst>
+                              <p:par>
+                                <p:cTn id="5" presetID="22" presetClass="entr" presetSubtype="4" fill="hold" nodeType="clickEffect">
+                                  <p:stCondLst>
+                                    <p:cond delay="0"/>
+                                  </p:stCondLst>
+                                  <p:childTnLst>
+                                    <p:set>
+                                      <p:cBhvr>
+                                        <p:cTn id="6" dur="1" fill="hold">
+                                          <p:stCondLst>
+                                            <p:cond delay="0"/>
+                                          </p:stCondLst>
+                                        </p:cTn>
+                                        <p:tgtEl>
+                                          <p:spTgt spid="6"/>
+                                        </p:tgtEl>
+                                        <p:attrNameLst>
+                                          <p:attrName>style.visibility</p:attrName>
+                                        </p:attrNameLst>
+                                      </p:cBhvr>
+                                      <p:to>
+                                        <p:strVal val="visible"/>
+                                      </p:to>
+                                    </p:set>
+                                    <p:animEffect transition="in" filter="wipe(down)">
+                                      <p:cBhvr>
+                                        <p:cTn id="7" dur="500"/>
+                                        <p:tgtEl>
+                                          <p:spTgt spid="6"/>
+                                        </p:tgtEl>
+                                      </p:cBhvr>
+                                    </p:animEffect>
+                                  </p:childTnLst>
+                                </p:cTn>
+                              </p:par>
+                            </p:childTnLst>
+                          </p:cTn>
+                        </p:par>
+                      </p:childTnLst>
+                    </p:cTn>
+                  </p:par>
+                </p:childTnLst>
+              </p:cTn>
+              <p:prevCondLst>
+                <p:cond evt="onPrev" delay="0">
+                  <p:tgtEl>
+                    <p:sldTgt/>
+                  </p:tgtEl>
+                </p:cond>
+              </p:prevCondLst>
+              <p:nextCondLst>
+                <p:cond evt="onNext" delay="0">
+                  <p:tgtEl>
+                    <p:sldTgt/>
+                  </p:tgtEl>
+                </p:cond>
+              </p:nextCondLst>
+            </p:seq>
+          </p:childTnLst>
+        </p:cTn>
+      </p:par>
+    </p:tnLst>
+  </p:timing>
 </p:sld>
 </file>
 
@@ -13560,16 +14852,72 @@
               <a:buNone/>
             </a:pPr>
             <a:r>
-              <a:rPr lang="en-US"/>
-              <a:t>Tiền xử lý và phân tích dữ liệu</a:t>
-            </a:r>
-            <a:endParaRPr lang="en-US" sz="1400"/>
+              <a:rPr lang="en-US" dirty="0" err="1"/>
+              <a:t>Tiền</a:t>
+            </a:r>
+            <a:r>
+              <a:rPr lang="en-US" dirty="0"/>
+              <a:t> </a:t>
+            </a:r>
+            <a:r>
+              <a:rPr lang="en-US" dirty="0" err="1"/>
+              <a:t>xử</a:t>
+            </a:r>
+            <a:r>
+              <a:rPr lang="en-US" dirty="0"/>
+              <a:t> </a:t>
+            </a:r>
+            <a:r>
+              <a:rPr lang="en-US" dirty="0" err="1"/>
+              <a:t>lý</a:t>
+            </a:r>
+            <a:r>
+              <a:rPr lang="en-US" dirty="0"/>
+              <a:t> </a:t>
+            </a:r>
+            <a:r>
+              <a:rPr lang="en-US" dirty="0" err="1"/>
+              <a:t>và</a:t>
+            </a:r>
+            <a:r>
+              <a:rPr lang="en-US" dirty="0"/>
+              <a:t> </a:t>
+            </a:r>
+            <a:r>
+              <a:rPr lang="en-US" dirty="0" err="1"/>
+              <a:t>phân</a:t>
+            </a:r>
+            <a:r>
+              <a:rPr lang="en-US" dirty="0"/>
+              <a:t> </a:t>
+            </a:r>
+            <a:r>
+              <a:rPr lang="en-US" dirty="0" err="1"/>
+              <a:t>tích</a:t>
+            </a:r>
+            <a:r>
+              <a:rPr lang="en-US" dirty="0"/>
+              <a:t> </a:t>
+            </a:r>
+            <a:r>
+              <a:rPr lang="en-US" dirty="0" err="1"/>
+              <a:t>dữ</a:t>
+            </a:r>
+            <a:r>
+              <a:rPr lang="en-US" dirty="0"/>
+              <a:t> </a:t>
+            </a:r>
+            <a:r>
+              <a:rPr lang="en-US" dirty="0" err="1"/>
+              <a:t>liệu</a:t>
+            </a:r>
+            <a:endParaRPr lang="en-US" sz="1400" dirty="0"/>
           </a:p>
           <a:p>
             <a:pPr marL="0" indent="0">
               <a:buNone/>
             </a:pPr>
-            <a:endParaRPr lang="en-US" sz="1400"/>
+            <a:endParaRPr lang="en-US" sz="1400" dirty="0"/>
           </a:p>
         </p:txBody>
       </p:sp>
@@ -13687,6 +15035,188 @@
   <p:clrMapOvr>
     <a:masterClrMapping/>
   </p:clrMapOvr>
+  <p:timing>
+    <p:tnLst>
+      <p:par>
+        <p:cTn id="1" dur="indefinite" restart="never" nodeType="tmRoot">
+          <p:childTnLst>
+            <p:seq concurrent="1" nextAc="seek">
+              <p:cTn id="2" dur="indefinite" nodeType="mainSeq">
+                <p:childTnLst>
+                  <p:par>
+                    <p:cTn id="3" fill="hold">
+                      <p:stCondLst>
+                        <p:cond delay="indefinite"/>
+                      </p:stCondLst>
+                      <p:childTnLst>
+                        <p:par>
+                          <p:cTn id="4" fill="hold">
+                            <p:stCondLst>
+                              <p:cond delay="0"/>
+                            </p:stCondLst>
+                            <p:childTnLst>
+                              <p:par>
+                                <p:cTn id="5" presetID="22" presetClass="entr" presetSubtype="4" fill="hold" nodeType="clickEffect">
+                                  <p:stCondLst>
+                                    <p:cond delay="0"/>
+                                  </p:stCondLst>
+                                  <p:childTnLst>
+                                    <p:set>
+                                      <p:cBhvr>
+                                        <p:cTn id="6" dur="1" fill="hold">
+                                          <p:stCondLst>
+                                            <p:cond delay="0"/>
+                                          </p:stCondLst>
+                                        </p:cTn>
+                                        <p:tgtEl>
+                                          <p:spTgt spid="3">
+                                            <p:txEl>
+                                              <p:pRg st="0" end="0"/>
+                                            </p:txEl>
+                                          </p:spTgt>
+                                        </p:tgtEl>
+                                        <p:attrNameLst>
+                                          <p:attrName>style.visibility</p:attrName>
+                                        </p:attrNameLst>
+                                      </p:cBhvr>
+                                      <p:to>
+                                        <p:strVal val="visible"/>
+                                      </p:to>
+                                    </p:set>
+                                    <p:animEffect transition="in" filter="wipe(down)">
+                                      <p:cBhvr>
+                                        <p:cTn id="7" dur="500"/>
+                                        <p:tgtEl>
+                                          <p:spTgt spid="3">
+                                            <p:txEl>
+                                              <p:pRg st="0" end="0"/>
+                                            </p:txEl>
+                                          </p:spTgt>
+                                        </p:tgtEl>
+                                      </p:cBhvr>
+                                    </p:animEffect>
+                                  </p:childTnLst>
+                                </p:cTn>
+                              </p:par>
+                            </p:childTnLst>
+                          </p:cTn>
+                        </p:par>
+                      </p:childTnLst>
+                    </p:cTn>
+                  </p:par>
+                  <p:par>
+                    <p:cTn id="8" fill="hold">
+                      <p:stCondLst>
+                        <p:cond delay="indefinite"/>
+                      </p:stCondLst>
+                      <p:childTnLst>
+                        <p:par>
+                          <p:cTn id="9" fill="hold">
+                            <p:stCondLst>
+                              <p:cond delay="0"/>
+                            </p:stCondLst>
+                            <p:childTnLst>
+                              <p:par>
+                                <p:cTn id="10" presetID="22" presetClass="entr" presetSubtype="4" fill="hold" nodeType="clickEffect">
+                                  <p:stCondLst>
+                                    <p:cond delay="0"/>
+                                  </p:stCondLst>
+                                  <p:childTnLst>
+                                    <p:set>
+                                      <p:cBhvr>
+                                        <p:cTn id="11" dur="1" fill="hold">
+                                          <p:stCondLst>
+                                            <p:cond delay="0"/>
+                                          </p:stCondLst>
+                                        </p:cTn>
+                                        <p:tgtEl>
+                                          <p:spTgt spid="6"/>
+                                        </p:tgtEl>
+                                        <p:attrNameLst>
+                                          <p:attrName>style.visibility</p:attrName>
+                                        </p:attrNameLst>
+                                      </p:cBhvr>
+                                      <p:to>
+                                        <p:strVal val="visible"/>
+                                      </p:to>
+                                    </p:set>
+                                    <p:animEffect transition="in" filter="wipe(down)">
+                                      <p:cBhvr>
+                                        <p:cTn id="12" dur="500"/>
+                                        <p:tgtEl>
+                                          <p:spTgt spid="6"/>
+                                        </p:tgtEl>
+                                      </p:cBhvr>
+                                    </p:animEffect>
+                                  </p:childTnLst>
+                                </p:cTn>
+                              </p:par>
+                              <p:par>
+                                <p:cTn id="13" presetID="22" presetClass="entr" presetSubtype="4" fill="hold" grpId="0" nodeType="withEffect">
+                                  <p:stCondLst>
+                                    <p:cond delay="0"/>
+                                  </p:stCondLst>
+                                  <p:childTnLst>
+                                    <p:set>
+                                      <p:cBhvr>
+                                        <p:cTn id="14" dur="1" fill="hold">
+                                          <p:stCondLst>
+                                            <p:cond delay="0"/>
+                                          </p:stCondLst>
+                                        </p:cTn>
+                                        <p:tgtEl>
+                                          <p:spTgt spid="5"/>
+                                        </p:tgtEl>
+                                        <p:attrNameLst>
+                                          <p:attrName>style.visibility</p:attrName>
+                                        </p:attrNameLst>
+                                      </p:cBhvr>
+                                      <p:to>
+                                        <p:strVal val="visible"/>
+                                      </p:to>
+                                    </p:set>
+                                    <p:animEffect transition="in" filter="wipe(down)">
+                                      <p:cBhvr>
+                                        <p:cTn id="15" dur="500"/>
+                                        <p:tgtEl>
+                                          <p:spTgt spid="5"/>
+                                        </p:tgtEl>
+                                      </p:cBhvr>
+                                    </p:animEffect>
+                                  </p:childTnLst>
+                                </p:cTn>
+                              </p:par>
+                            </p:childTnLst>
+                          </p:cTn>
+                        </p:par>
+                      </p:childTnLst>
+                    </p:cTn>
+                  </p:par>
+                </p:childTnLst>
+              </p:cTn>
+              <p:prevCondLst>
+                <p:cond evt="onPrev" delay="0">
+                  <p:tgtEl>
+                    <p:sldTgt/>
+                  </p:tgtEl>
+                </p:cond>
+              </p:prevCondLst>
+              <p:nextCondLst>
+                <p:cond evt="onNext" delay="0">
+                  <p:tgtEl>
+                    <p:sldTgt/>
+                  </p:tgtEl>
+                </p:cond>
+              </p:nextCondLst>
+            </p:seq>
+          </p:childTnLst>
+        </p:cTn>
+      </p:par>
+    </p:tnLst>
+    <p:bldLst>
+      <p:bldP spid="5" grpId="0"/>
+    </p:bldLst>
+  </p:timing>
 </p:sld>
 </file>
 

--- a/Report/Baocaonhom6.pptx
+++ b/Report/Baocaonhom6.pptx
@@ -5,7 +5,7 @@
     <p:sldMasterId id="2147483648" r:id="rId1"/>
   </p:sldMasterIdLst>
   <p:notesMasterIdLst>
-    <p:notesMasterId r:id="rId38"/>
+    <p:notesMasterId r:id="rId19"/>
   </p:notesMasterIdLst>
   <p:sldIdLst>
     <p:sldId id="256" r:id="rId2"/>
@@ -21,29 +21,10 @@
     <p:sldId id="304" r:id="rId12"/>
     <p:sldId id="305" r:id="rId13"/>
     <p:sldId id="306" r:id="rId14"/>
-    <p:sldId id="307" r:id="rId15"/>
-    <p:sldId id="308" r:id="rId16"/>
-    <p:sldId id="309" r:id="rId17"/>
-    <p:sldId id="310" r:id="rId18"/>
-    <p:sldId id="311" r:id="rId19"/>
-    <p:sldId id="312" r:id="rId20"/>
-    <p:sldId id="313" r:id="rId21"/>
-    <p:sldId id="314" r:id="rId22"/>
-    <p:sldId id="315" r:id="rId23"/>
-    <p:sldId id="316" r:id="rId24"/>
-    <p:sldId id="317" r:id="rId25"/>
-    <p:sldId id="318" r:id="rId26"/>
-    <p:sldId id="319" r:id="rId27"/>
-    <p:sldId id="320" r:id="rId28"/>
-    <p:sldId id="321" r:id="rId29"/>
-    <p:sldId id="322" r:id="rId30"/>
-    <p:sldId id="323" r:id="rId31"/>
-    <p:sldId id="324" r:id="rId32"/>
-    <p:sldId id="325" r:id="rId33"/>
-    <p:sldId id="326" r:id="rId34"/>
-    <p:sldId id="278" r:id="rId35"/>
-    <p:sldId id="299" r:id="rId36"/>
-    <p:sldId id="262" r:id="rId37"/>
+    <p:sldId id="326" r:id="rId15"/>
+    <p:sldId id="278" r:id="rId16"/>
+    <p:sldId id="299" r:id="rId17"/>
+    <p:sldId id="262" r:id="rId18"/>
   </p:sldIdLst>
   <p:sldSz cx="9144000" cy="6858000" type="screen4x3"/>
   <p:notesSz cx="6858000" cy="9144000"/>
@@ -6246,4127 +6227,6 @@
           <p:cNvPr id="2" name="Title 1">
             <a:extLst>
               <a:ext uri="{FF2B5EF4-FFF2-40B4-BE49-F238E27FC236}">
-                <a16:creationId xmlns:a16="http://schemas.microsoft.com/office/drawing/2014/main" id="{22CFF3A9-D543-4961-8732-0FEEDB6C9A16}"/>
-              </a:ext>
-            </a:extLst>
-          </p:cNvPr>
-          <p:cNvSpPr>
-            <a:spLocks noGrp="1"/>
-          </p:cNvSpPr>
-          <p:nvPr>
-            <p:ph type="title"/>
-          </p:nvPr>
-        </p:nvSpPr>
-        <p:spPr/>
-        <p:txBody>
-          <a:bodyPr/>
-          <a:lstStyle/>
-          <a:p>
-            <a:r>
-              <a:rPr lang="en-US" sz="2800"/>
-              <a:t>3. Phân tích dữ liệu và lựa chọn mô hình</a:t>
-            </a:r>
-            <a:endParaRPr lang="en-US"/>
-          </a:p>
-        </p:txBody>
-      </p:sp>
-      <p:sp>
-        <p:nvSpPr>
-          <p:cNvPr id="4" name="Slide Number Placeholder 3">
-            <a:extLst>
-              <a:ext uri="{FF2B5EF4-FFF2-40B4-BE49-F238E27FC236}">
-                <a16:creationId xmlns:a16="http://schemas.microsoft.com/office/drawing/2014/main" id="{4780C81A-5EC6-44B1-8148-9C39AD04C567}"/>
-              </a:ext>
-            </a:extLst>
-          </p:cNvPr>
-          <p:cNvSpPr>
-            <a:spLocks noGrp="1"/>
-          </p:cNvSpPr>
-          <p:nvPr>
-            <p:ph type="sldNum" sz="quarter" idx="12"/>
-          </p:nvPr>
-        </p:nvSpPr>
-        <p:spPr/>
-        <p:txBody>
-          <a:bodyPr/>
-          <a:lstStyle/>
-          <a:p>
-            <a:fld id="{0F4F63AB-74FF-4D4D-9C96-7E67E70BF8FF}" type="slidenum">
-              <a:rPr lang="en-US" altLang="en-US" smtClean="0"/>
-              <a:pPr/>
-              <a:t>13</a:t>
-            </a:fld>
-            <a:endParaRPr lang="en-US" altLang="en-US"/>
-          </a:p>
-        </p:txBody>
-      </p:sp>
-      <p:pic>
-        <p:nvPicPr>
-          <p:cNvPr id="9" name="Picture 8" descr="A white rectangular object with black text&#10;&#10;Description automatically generated">
-            <a:extLst>
-              <a:ext uri="{FF2B5EF4-FFF2-40B4-BE49-F238E27FC236}">
-                <a16:creationId xmlns:a16="http://schemas.microsoft.com/office/drawing/2014/main" id="{829B8CA3-D16F-43D2-B1C1-9FC20222AB84}"/>
-              </a:ext>
-            </a:extLst>
-          </p:cNvPr>
-          <p:cNvPicPr/>
-          <p:nvPr/>
-        </p:nvPicPr>
-        <p:blipFill>
-          <a:blip r:embed="rId2">
-            <a:extLst>
-              <a:ext uri="{28A0092B-C50C-407E-A947-70E740481C1C}">
-                <a14:useLocalDpi xmlns:a14="http://schemas.microsoft.com/office/drawing/2010/main" val="0"/>
-              </a:ext>
-            </a:extLst>
-          </a:blip>
-          <a:stretch>
-            <a:fillRect/>
-          </a:stretch>
-        </p:blipFill>
-        <p:spPr>
-          <a:xfrm>
-            <a:off x="1600200" y="1752600"/>
-            <a:ext cx="6118860" cy="3837305"/>
-          </a:xfrm>
-          <a:prstGeom prst="rect">
-            <a:avLst/>
-          </a:prstGeom>
-        </p:spPr>
-      </p:pic>
-      <p:sp>
-        <p:nvSpPr>
-          <p:cNvPr id="10" name="TextBox 9">
-            <a:extLst>
-              <a:ext uri="{FF2B5EF4-FFF2-40B4-BE49-F238E27FC236}">
-                <a16:creationId xmlns:a16="http://schemas.microsoft.com/office/drawing/2014/main" id="{3F0849DB-547F-41C1-ABDE-7D3746AA102F}"/>
-              </a:ext>
-            </a:extLst>
-          </p:cNvPr>
-          <p:cNvSpPr txBox="1"/>
-          <p:nvPr/>
-        </p:nvSpPr>
-        <p:spPr>
-          <a:xfrm>
-            <a:off x="2133600" y="5856843"/>
-            <a:ext cx="5410200" cy="369332"/>
-          </a:xfrm>
-          <a:prstGeom prst="rect">
-            <a:avLst/>
-          </a:prstGeom>
-          <a:noFill/>
-        </p:spPr>
-        <p:txBody>
-          <a:bodyPr wrap="square">
-            <a:spAutoFit/>
-          </a:bodyPr>
-          <a:lstStyle/>
-          <a:p>
-            <a:r>
-              <a:rPr lang="en-US" sz="1800" i="1">
-                <a:effectLst/>
-                <a:latin typeface="Times New Roman" panose="02020603050405020304" pitchFamily="18" charset="0"/>
-                <a:ea typeface="Times New Roman" panose="02020603050405020304" pitchFamily="18" charset="0"/>
-              </a:rPr>
-              <a:t>Biểu đồ phân phối giá trị của thuộc tính workingday</a:t>
-            </a:r>
-            <a:endParaRPr lang="en-US" i="1"/>
-          </a:p>
-        </p:txBody>
-      </p:sp>
-    </p:spTree>
-    <p:extLst>
-      <p:ext uri="{BB962C8B-B14F-4D97-AF65-F5344CB8AC3E}">
-        <p14:creationId xmlns:p14="http://schemas.microsoft.com/office/powerpoint/2010/main" val="2432259351"/>
-      </p:ext>
-    </p:extLst>
-  </p:cSld>
-  <p:clrMapOvr>
-    <a:masterClrMapping/>
-  </p:clrMapOvr>
-</p:sld>
-</file>
-
-<file path=ppt/slides/slide15.xml><?xml version="1.0" encoding="utf-8"?>
-<p:sld xmlns:a="http://schemas.openxmlformats.org/drawingml/2006/main" xmlns:r="http://schemas.openxmlformats.org/officeDocument/2006/relationships" xmlns:p="http://schemas.openxmlformats.org/presentationml/2006/main">
-  <p:cSld>
-    <p:spTree>
-      <p:nvGrpSpPr>
-        <p:cNvPr id="1" name=""/>
-        <p:cNvGrpSpPr/>
-        <p:nvPr/>
-      </p:nvGrpSpPr>
-      <p:grpSpPr>
-        <a:xfrm>
-          <a:off x="0" y="0"/>
-          <a:ext cx="0" cy="0"/>
-          <a:chOff x="0" y="0"/>
-          <a:chExt cx="0" cy="0"/>
-        </a:xfrm>
-      </p:grpSpPr>
-      <p:sp>
-        <p:nvSpPr>
-          <p:cNvPr id="2" name="Title 1">
-            <a:extLst>
-              <a:ext uri="{FF2B5EF4-FFF2-40B4-BE49-F238E27FC236}">
-                <a16:creationId xmlns:a16="http://schemas.microsoft.com/office/drawing/2014/main" id="{F1F1433E-722F-4961-883C-DF0BF1899D1E}"/>
-              </a:ext>
-            </a:extLst>
-          </p:cNvPr>
-          <p:cNvSpPr>
-            <a:spLocks noGrp="1"/>
-          </p:cNvSpPr>
-          <p:nvPr>
-            <p:ph type="title"/>
-          </p:nvPr>
-        </p:nvSpPr>
-        <p:spPr/>
-        <p:txBody>
-          <a:bodyPr/>
-          <a:lstStyle/>
-          <a:p>
-            <a:r>
-              <a:rPr lang="en-US" sz="2800"/>
-              <a:t>3. Phân tích dữ liệu và lựa chọn mô hình</a:t>
-            </a:r>
-            <a:endParaRPr lang="en-US"/>
-          </a:p>
-        </p:txBody>
-      </p:sp>
-      <p:sp>
-        <p:nvSpPr>
-          <p:cNvPr id="4" name="Slide Number Placeholder 3">
-            <a:extLst>
-              <a:ext uri="{FF2B5EF4-FFF2-40B4-BE49-F238E27FC236}">
-                <a16:creationId xmlns:a16="http://schemas.microsoft.com/office/drawing/2014/main" id="{2C337FB9-12D2-436A-AA08-21B9187A31C5}"/>
-              </a:ext>
-            </a:extLst>
-          </p:cNvPr>
-          <p:cNvSpPr>
-            <a:spLocks noGrp="1"/>
-          </p:cNvSpPr>
-          <p:nvPr>
-            <p:ph type="sldNum" sz="quarter" idx="12"/>
-          </p:nvPr>
-        </p:nvSpPr>
-        <p:spPr/>
-        <p:txBody>
-          <a:bodyPr/>
-          <a:lstStyle/>
-          <a:p>
-            <a:fld id="{0F4F63AB-74FF-4D4D-9C96-7E67E70BF8FF}" type="slidenum">
-              <a:rPr lang="en-US" altLang="en-US" smtClean="0"/>
-              <a:pPr/>
-              <a:t>14</a:t>
-            </a:fld>
-            <a:endParaRPr lang="en-US" altLang="en-US"/>
-          </a:p>
-        </p:txBody>
-      </p:sp>
-      <p:pic>
-        <p:nvPicPr>
-          <p:cNvPr id="7" name="Picture 6" descr="A graph showing the different weather conditions&#10;&#10;Description automatically generated with medium confidence">
-            <a:extLst>
-              <a:ext uri="{FF2B5EF4-FFF2-40B4-BE49-F238E27FC236}">
-                <a16:creationId xmlns:a16="http://schemas.microsoft.com/office/drawing/2014/main" id="{07DB31F2-ED36-4768-ABD9-90D0C4E6EC7F}"/>
-              </a:ext>
-            </a:extLst>
-          </p:cNvPr>
-          <p:cNvPicPr/>
-          <p:nvPr/>
-        </p:nvPicPr>
-        <p:blipFill>
-          <a:blip r:embed="rId2">
-            <a:extLst>
-              <a:ext uri="{28A0092B-C50C-407E-A947-70E740481C1C}">
-                <a14:useLocalDpi xmlns:a14="http://schemas.microsoft.com/office/drawing/2010/main" val="0"/>
-              </a:ext>
-            </a:extLst>
-          </a:blip>
-          <a:stretch>
-            <a:fillRect/>
-          </a:stretch>
-        </p:blipFill>
-        <p:spPr>
-          <a:xfrm>
-            <a:off x="1371600" y="1752600"/>
-            <a:ext cx="6513513" cy="4120833"/>
-          </a:xfrm>
-          <a:prstGeom prst="rect">
-            <a:avLst/>
-          </a:prstGeom>
-        </p:spPr>
-      </p:pic>
-      <p:sp>
-        <p:nvSpPr>
-          <p:cNvPr id="9" name="TextBox 8">
-            <a:extLst>
-              <a:ext uri="{FF2B5EF4-FFF2-40B4-BE49-F238E27FC236}">
-                <a16:creationId xmlns:a16="http://schemas.microsoft.com/office/drawing/2014/main" id="{41C1D18F-CD93-4830-8CFA-D0F7BAF457C6}"/>
-              </a:ext>
-            </a:extLst>
-          </p:cNvPr>
-          <p:cNvSpPr txBox="1"/>
-          <p:nvPr/>
-        </p:nvSpPr>
-        <p:spPr>
-          <a:xfrm>
-            <a:off x="2286000" y="6026388"/>
-            <a:ext cx="4876800" cy="369332"/>
-          </a:xfrm>
-          <a:prstGeom prst="rect">
-            <a:avLst/>
-          </a:prstGeom>
-          <a:noFill/>
-        </p:spPr>
-        <p:txBody>
-          <a:bodyPr wrap="square">
-            <a:spAutoFit/>
-          </a:bodyPr>
-          <a:lstStyle/>
-          <a:p>
-            <a:pPr algn="ctr">
-              <a:spcAft>
-                <a:spcPts val="1000"/>
-              </a:spcAft>
-            </a:pPr>
-            <a:r>
-              <a:rPr lang="en-US" sz="1800" i="1">
-                <a:effectLst/>
-                <a:latin typeface="Times New Roman" panose="02020603050405020304" pitchFamily="18" charset="0"/>
-                <a:ea typeface="Times New Roman" panose="02020603050405020304" pitchFamily="18" charset="0"/>
-              </a:rPr>
-              <a:t>Biểu đồ phân phối giá trị của thuộc tính weather</a:t>
-            </a:r>
-            <a:endParaRPr lang="en-US" sz="1050" i="1">
-              <a:effectLst/>
-              <a:latin typeface="Times New Roman" panose="02020603050405020304" pitchFamily="18" charset="0"/>
-              <a:ea typeface="Times New Roman" panose="02020603050405020304" pitchFamily="18" charset="0"/>
-            </a:endParaRPr>
-          </a:p>
-        </p:txBody>
-      </p:sp>
-    </p:spTree>
-    <p:extLst>
-      <p:ext uri="{BB962C8B-B14F-4D97-AF65-F5344CB8AC3E}">
-        <p14:creationId xmlns:p14="http://schemas.microsoft.com/office/powerpoint/2010/main" val="3382918209"/>
-      </p:ext>
-    </p:extLst>
-  </p:cSld>
-  <p:clrMapOvr>
-    <a:masterClrMapping/>
-  </p:clrMapOvr>
-</p:sld>
-</file>
-
-<file path=ppt/slides/slide16.xml><?xml version="1.0" encoding="utf-8"?>
-<p:sld xmlns:a="http://schemas.openxmlformats.org/drawingml/2006/main" xmlns:r="http://schemas.openxmlformats.org/officeDocument/2006/relationships" xmlns:p="http://schemas.openxmlformats.org/presentationml/2006/main">
-  <p:cSld>
-    <p:spTree>
-      <p:nvGrpSpPr>
-        <p:cNvPr id="1" name=""/>
-        <p:cNvGrpSpPr/>
-        <p:nvPr/>
-      </p:nvGrpSpPr>
-      <p:grpSpPr>
-        <a:xfrm>
-          <a:off x="0" y="0"/>
-          <a:ext cx="0" cy="0"/>
-          <a:chOff x="0" y="0"/>
-          <a:chExt cx="0" cy="0"/>
-        </a:xfrm>
-      </p:grpSpPr>
-      <p:sp>
-        <p:nvSpPr>
-          <p:cNvPr id="2" name="Title 1">
-            <a:extLst>
-              <a:ext uri="{FF2B5EF4-FFF2-40B4-BE49-F238E27FC236}">
-                <a16:creationId xmlns:a16="http://schemas.microsoft.com/office/drawing/2014/main" id="{009A3E31-DCCD-4461-933A-0405EA5D718C}"/>
-              </a:ext>
-            </a:extLst>
-          </p:cNvPr>
-          <p:cNvSpPr>
-            <a:spLocks noGrp="1"/>
-          </p:cNvSpPr>
-          <p:nvPr>
-            <p:ph type="title"/>
-          </p:nvPr>
-        </p:nvSpPr>
-        <p:spPr/>
-        <p:txBody>
-          <a:bodyPr/>
-          <a:lstStyle/>
-          <a:p>
-            <a:r>
-              <a:rPr lang="en-US" sz="2800"/>
-              <a:t>3. Phân tích dữ liệu và lựa chọn mô hình</a:t>
-            </a:r>
-            <a:endParaRPr lang="en-US"/>
-          </a:p>
-        </p:txBody>
-      </p:sp>
-      <p:sp>
-        <p:nvSpPr>
-          <p:cNvPr id="4" name="Slide Number Placeholder 3">
-            <a:extLst>
-              <a:ext uri="{FF2B5EF4-FFF2-40B4-BE49-F238E27FC236}">
-                <a16:creationId xmlns:a16="http://schemas.microsoft.com/office/drawing/2014/main" id="{526691FC-318B-4AAC-9F5D-5D347094DBE9}"/>
-              </a:ext>
-            </a:extLst>
-          </p:cNvPr>
-          <p:cNvSpPr>
-            <a:spLocks noGrp="1"/>
-          </p:cNvSpPr>
-          <p:nvPr>
-            <p:ph type="sldNum" sz="quarter" idx="12"/>
-          </p:nvPr>
-        </p:nvSpPr>
-        <p:spPr/>
-        <p:txBody>
-          <a:bodyPr/>
-          <a:lstStyle/>
-          <a:p>
-            <a:fld id="{0F4F63AB-74FF-4D4D-9C96-7E67E70BF8FF}" type="slidenum">
-              <a:rPr lang="en-US" altLang="en-US" smtClean="0"/>
-              <a:pPr/>
-              <a:t>15</a:t>
-            </a:fld>
-            <a:endParaRPr lang="en-US" altLang="en-US"/>
-          </a:p>
-        </p:txBody>
-      </p:sp>
-      <p:pic>
-        <p:nvPicPr>
-          <p:cNvPr id="5" name="Content Placeholder 4" descr="A graph showing the distribution of temperature&#10;&#10;Description automatically generated">
-            <a:extLst>
-              <a:ext uri="{FF2B5EF4-FFF2-40B4-BE49-F238E27FC236}">
-                <a16:creationId xmlns:a16="http://schemas.microsoft.com/office/drawing/2014/main" id="{760041FD-84D6-4209-A23E-9F2F3733E936}"/>
-              </a:ext>
-            </a:extLst>
-          </p:cNvPr>
-          <p:cNvPicPr>
-            <a:picLocks noGrp="1"/>
-          </p:cNvPicPr>
-          <p:nvPr>
-            <p:ph idx="1"/>
-          </p:nvPr>
-        </p:nvPicPr>
-        <p:blipFill>
-          <a:blip r:embed="rId2">
-            <a:extLst>
-              <a:ext uri="{28A0092B-C50C-407E-A947-70E740481C1C}">
-                <a14:useLocalDpi xmlns:a14="http://schemas.microsoft.com/office/drawing/2010/main" val="0"/>
-              </a:ext>
-            </a:extLst>
-          </a:blip>
-          <a:stretch>
-            <a:fillRect/>
-          </a:stretch>
-        </p:blipFill>
-        <p:spPr>
-          <a:xfrm>
-            <a:off x="1256540" y="1905000"/>
-            <a:ext cx="6781800" cy="3803477"/>
-          </a:xfrm>
-          <a:prstGeom prst="rect">
-            <a:avLst/>
-          </a:prstGeom>
-        </p:spPr>
-      </p:pic>
-      <p:sp>
-        <p:nvSpPr>
-          <p:cNvPr id="7" name="TextBox 6">
-            <a:extLst>
-              <a:ext uri="{FF2B5EF4-FFF2-40B4-BE49-F238E27FC236}">
-                <a16:creationId xmlns:a16="http://schemas.microsoft.com/office/drawing/2014/main" id="{143A1E13-D7CC-470F-8F09-CF2DC213CEAB}"/>
-              </a:ext>
-            </a:extLst>
-          </p:cNvPr>
-          <p:cNvSpPr txBox="1"/>
-          <p:nvPr/>
-        </p:nvSpPr>
-        <p:spPr>
-          <a:xfrm>
-            <a:off x="2361440" y="5827110"/>
-            <a:ext cx="4572000" cy="369332"/>
-          </a:xfrm>
-          <a:prstGeom prst="rect">
-            <a:avLst/>
-          </a:prstGeom>
-          <a:noFill/>
-        </p:spPr>
-        <p:txBody>
-          <a:bodyPr wrap="square">
-            <a:spAutoFit/>
-          </a:bodyPr>
-          <a:lstStyle/>
-          <a:p>
-            <a:pPr algn="ctr">
-              <a:spcAft>
-                <a:spcPts val="1000"/>
-              </a:spcAft>
-            </a:pPr>
-            <a:r>
-              <a:rPr lang="en-US" sz="1800" i="1">
-                <a:effectLst/>
-                <a:latin typeface="Times New Roman" panose="02020603050405020304" pitchFamily="18" charset="0"/>
-                <a:ea typeface="Times New Roman" panose="02020603050405020304" pitchFamily="18" charset="0"/>
-              </a:rPr>
-              <a:t>Biểu đồ phân phối giá trị của thuộc tính temp</a:t>
-            </a:r>
-            <a:endParaRPr lang="en-US" sz="1050" i="1">
-              <a:effectLst/>
-              <a:latin typeface="Times New Roman" panose="02020603050405020304" pitchFamily="18" charset="0"/>
-              <a:ea typeface="Times New Roman" panose="02020603050405020304" pitchFamily="18" charset="0"/>
-            </a:endParaRPr>
-          </a:p>
-        </p:txBody>
-      </p:sp>
-    </p:spTree>
-    <p:extLst>
-      <p:ext uri="{BB962C8B-B14F-4D97-AF65-F5344CB8AC3E}">
-        <p14:creationId xmlns:p14="http://schemas.microsoft.com/office/powerpoint/2010/main" val="456611768"/>
-      </p:ext>
-    </p:extLst>
-  </p:cSld>
-  <p:clrMapOvr>
-    <a:masterClrMapping/>
-  </p:clrMapOvr>
-</p:sld>
-</file>
-
-<file path=ppt/slides/slide17.xml><?xml version="1.0" encoding="utf-8"?>
-<p:sld xmlns:a="http://schemas.openxmlformats.org/drawingml/2006/main" xmlns:r="http://schemas.openxmlformats.org/officeDocument/2006/relationships" xmlns:p="http://schemas.openxmlformats.org/presentationml/2006/main">
-  <p:cSld>
-    <p:spTree>
-      <p:nvGrpSpPr>
-        <p:cNvPr id="1" name=""/>
-        <p:cNvGrpSpPr/>
-        <p:nvPr/>
-      </p:nvGrpSpPr>
-      <p:grpSpPr>
-        <a:xfrm>
-          <a:off x="0" y="0"/>
-          <a:ext cx="0" cy="0"/>
-          <a:chOff x="0" y="0"/>
-          <a:chExt cx="0" cy="0"/>
-        </a:xfrm>
-      </p:grpSpPr>
-      <p:sp>
-        <p:nvSpPr>
-          <p:cNvPr id="2" name="Title 1">
-            <a:extLst>
-              <a:ext uri="{FF2B5EF4-FFF2-40B4-BE49-F238E27FC236}">
-                <a16:creationId xmlns:a16="http://schemas.microsoft.com/office/drawing/2014/main" id="{74539855-9272-47FA-9A00-AC1FFEC75F81}"/>
-              </a:ext>
-            </a:extLst>
-          </p:cNvPr>
-          <p:cNvSpPr>
-            <a:spLocks noGrp="1"/>
-          </p:cNvSpPr>
-          <p:nvPr>
-            <p:ph type="title"/>
-          </p:nvPr>
-        </p:nvSpPr>
-        <p:spPr/>
-        <p:txBody>
-          <a:bodyPr/>
-          <a:lstStyle/>
-          <a:p>
-            <a:r>
-              <a:rPr lang="en-US" sz="2800"/>
-              <a:t>3. Phân tích dữ liệu và lựa chọn mô hình</a:t>
-            </a:r>
-            <a:endParaRPr lang="en-US"/>
-          </a:p>
-        </p:txBody>
-      </p:sp>
-      <p:sp>
-        <p:nvSpPr>
-          <p:cNvPr id="4" name="Slide Number Placeholder 3">
-            <a:extLst>
-              <a:ext uri="{FF2B5EF4-FFF2-40B4-BE49-F238E27FC236}">
-                <a16:creationId xmlns:a16="http://schemas.microsoft.com/office/drawing/2014/main" id="{420BC5A7-05D5-4268-8BC4-933EB72100A1}"/>
-              </a:ext>
-            </a:extLst>
-          </p:cNvPr>
-          <p:cNvSpPr>
-            <a:spLocks noGrp="1"/>
-          </p:cNvSpPr>
-          <p:nvPr>
-            <p:ph type="sldNum" sz="quarter" idx="12"/>
-          </p:nvPr>
-        </p:nvSpPr>
-        <p:spPr/>
-        <p:txBody>
-          <a:bodyPr/>
-          <a:lstStyle/>
-          <a:p>
-            <a:fld id="{0F4F63AB-74FF-4D4D-9C96-7E67E70BF8FF}" type="slidenum">
-              <a:rPr lang="en-US" altLang="en-US" smtClean="0"/>
-              <a:pPr/>
-              <a:t>16</a:t>
-            </a:fld>
-            <a:endParaRPr lang="en-US" altLang="en-US"/>
-          </a:p>
-        </p:txBody>
-      </p:sp>
-      <p:pic>
-        <p:nvPicPr>
-          <p:cNvPr id="5" name="Content Placeholder 4" descr="A graph of a bar graph&#10;&#10;Description automatically generated with medium confidence">
-            <a:extLst>
-              <a:ext uri="{FF2B5EF4-FFF2-40B4-BE49-F238E27FC236}">
-                <a16:creationId xmlns:a16="http://schemas.microsoft.com/office/drawing/2014/main" id="{D2EDFBC8-25BF-433B-B6E4-7D293ABA3F15}"/>
-              </a:ext>
-            </a:extLst>
-          </p:cNvPr>
-          <p:cNvPicPr>
-            <a:picLocks noGrp="1"/>
-          </p:cNvPicPr>
-          <p:nvPr>
-            <p:ph idx="1"/>
-          </p:nvPr>
-        </p:nvPicPr>
-        <p:blipFill>
-          <a:blip r:embed="rId2">
-            <a:extLst>
-              <a:ext uri="{28A0092B-C50C-407E-A947-70E740481C1C}">
-                <a14:useLocalDpi xmlns:a14="http://schemas.microsoft.com/office/drawing/2010/main" val="0"/>
-              </a:ext>
-            </a:extLst>
-          </a:blip>
-          <a:stretch>
-            <a:fillRect/>
-          </a:stretch>
-        </p:blipFill>
-        <p:spPr>
-          <a:xfrm>
-            <a:off x="1181100" y="1828800"/>
-            <a:ext cx="6781800" cy="3946352"/>
-          </a:xfrm>
-          <a:prstGeom prst="rect">
-            <a:avLst/>
-          </a:prstGeom>
-        </p:spPr>
-      </p:pic>
-      <p:sp>
-        <p:nvSpPr>
-          <p:cNvPr id="7" name="TextBox 6">
-            <a:extLst>
-              <a:ext uri="{FF2B5EF4-FFF2-40B4-BE49-F238E27FC236}">
-                <a16:creationId xmlns:a16="http://schemas.microsoft.com/office/drawing/2014/main" id="{99ADB2C2-EA18-40B3-8BE0-ED6E544E017D}"/>
-              </a:ext>
-            </a:extLst>
-          </p:cNvPr>
-          <p:cNvSpPr txBox="1"/>
-          <p:nvPr/>
-        </p:nvSpPr>
-        <p:spPr>
-          <a:xfrm>
-            <a:off x="2590800" y="5949022"/>
-            <a:ext cx="4572000" cy="369332"/>
-          </a:xfrm>
-          <a:prstGeom prst="rect">
-            <a:avLst/>
-          </a:prstGeom>
-          <a:noFill/>
-        </p:spPr>
-        <p:txBody>
-          <a:bodyPr wrap="square">
-            <a:spAutoFit/>
-          </a:bodyPr>
-          <a:lstStyle/>
-          <a:p>
-            <a:r>
-              <a:rPr lang="en-US" sz="1800" i="1">
-                <a:effectLst/>
-                <a:latin typeface="Times New Roman" panose="02020603050405020304" pitchFamily="18" charset="0"/>
-                <a:ea typeface="Times New Roman" panose="02020603050405020304" pitchFamily="18" charset="0"/>
-              </a:rPr>
-              <a:t>Biểu đồ phân phối giá trị của thuộc tính atemp</a:t>
-            </a:r>
-            <a:endParaRPr lang="en-US" i="1"/>
-          </a:p>
-        </p:txBody>
-      </p:sp>
-    </p:spTree>
-    <p:extLst>
-      <p:ext uri="{BB962C8B-B14F-4D97-AF65-F5344CB8AC3E}">
-        <p14:creationId xmlns:p14="http://schemas.microsoft.com/office/powerpoint/2010/main" val="4100155145"/>
-      </p:ext>
-    </p:extLst>
-  </p:cSld>
-  <p:clrMapOvr>
-    <a:masterClrMapping/>
-  </p:clrMapOvr>
-</p:sld>
-</file>
-
-<file path=ppt/slides/slide18.xml><?xml version="1.0" encoding="utf-8"?>
-<p:sld xmlns:a="http://schemas.openxmlformats.org/drawingml/2006/main" xmlns:r="http://schemas.openxmlformats.org/officeDocument/2006/relationships" xmlns:p="http://schemas.openxmlformats.org/presentationml/2006/main">
-  <p:cSld>
-    <p:spTree>
-      <p:nvGrpSpPr>
-        <p:cNvPr id="1" name=""/>
-        <p:cNvGrpSpPr/>
-        <p:nvPr/>
-      </p:nvGrpSpPr>
-      <p:grpSpPr>
-        <a:xfrm>
-          <a:off x="0" y="0"/>
-          <a:ext cx="0" cy="0"/>
-          <a:chOff x="0" y="0"/>
-          <a:chExt cx="0" cy="0"/>
-        </a:xfrm>
-      </p:grpSpPr>
-      <p:sp>
-        <p:nvSpPr>
-          <p:cNvPr id="2" name="Title 1">
-            <a:extLst>
-              <a:ext uri="{FF2B5EF4-FFF2-40B4-BE49-F238E27FC236}">
-                <a16:creationId xmlns:a16="http://schemas.microsoft.com/office/drawing/2014/main" id="{3CDC80F0-E17D-48A2-872C-7D32B4DB3475}"/>
-              </a:ext>
-            </a:extLst>
-          </p:cNvPr>
-          <p:cNvSpPr>
-            <a:spLocks noGrp="1"/>
-          </p:cNvSpPr>
-          <p:nvPr>
-            <p:ph type="title"/>
-          </p:nvPr>
-        </p:nvSpPr>
-        <p:spPr/>
-        <p:txBody>
-          <a:bodyPr/>
-          <a:lstStyle/>
-          <a:p>
-            <a:r>
-              <a:rPr lang="en-US" sz="2800"/>
-              <a:t>3. Phân tích dữ liệu và lựa chọn mô hình</a:t>
-            </a:r>
-            <a:endParaRPr lang="en-US"/>
-          </a:p>
-        </p:txBody>
-      </p:sp>
-      <p:sp>
-        <p:nvSpPr>
-          <p:cNvPr id="4" name="Slide Number Placeholder 3">
-            <a:extLst>
-              <a:ext uri="{FF2B5EF4-FFF2-40B4-BE49-F238E27FC236}">
-                <a16:creationId xmlns:a16="http://schemas.microsoft.com/office/drawing/2014/main" id="{E81B9A5C-CF53-4EDA-8CF0-A39868C29755}"/>
-              </a:ext>
-            </a:extLst>
-          </p:cNvPr>
-          <p:cNvSpPr>
-            <a:spLocks noGrp="1"/>
-          </p:cNvSpPr>
-          <p:nvPr>
-            <p:ph type="sldNum" sz="quarter" idx="12"/>
-          </p:nvPr>
-        </p:nvSpPr>
-        <p:spPr/>
-        <p:txBody>
-          <a:bodyPr/>
-          <a:lstStyle/>
-          <a:p>
-            <a:fld id="{0F4F63AB-74FF-4D4D-9C96-7E67E70BF8FF}" type="slidenum">
-              <a:rPr lang="en-US" altLang="en-US" smtClean="0"/>
-              <a:pPr/>
-              <a:t>17</a:t>
-            </a:fld>
-            <a:endParaRPr lang="en-US" altLang="en-US"/>
-          </a:p>
-        </p:txBody>
-      </p:sp>
-      <p:pic>
-        <p:nvPicPr>
-          <p:cNvPr id="5" name="Picture 4" descr="A graph showing the amount of humidity&#10;&#10;Description automatically generated">
-            <a:extLst>
-              <a:ext uri="{FF2B5EF4-FFF2-40B4-BE49-F238E27FC236}">
-                <a16:creationId xmlns:a16="http://schemas.microsoft.com/office/drawing/2014/main" id="{B2FEDC6C-E17D-4267-8CD5-D58FCC1BE028}"/>
-              </a:ext>
-            </a:extLst>
-          </p:cNvPr>
-          <p:cNvPicPr/>
-          <p:nvPr/>
-        </p:nvPicPr>
-        <p:blipFill>
-          <a:blip r:embed="rId2">
-            <a:extLst>
-              <a:ext uri="{28A0092B-C50C-407E-A947-70E740481C1C}">
-                <a14:useLocalDpi xmlns:a14="http://schemas.microsoft.com/office/drawing/2010/main" val="0"/>
-              </a:ext>
-            </a:extLst>
-          </a:blip>
-          <a:stretch>
-            <a:fillRect/>
-          </a:stretch>
-        </p:blipFill>
-        <p:spPr>
-          <a:xfrm>
-            <a:off x="1600200" y="1676400"/>
-            <a:ext cx="6193473" cy="3843973"/>
-          </a:xfrm>
-          <a:prstGeom prst="rect">
-            <a:avLst/>
-          </a:prstGeom>
-        </p:spPr>
-      </p:pic>
-      <p:sp>
-        <p:nvSpPr>
-          <p:cNvPr id="7" name="TextBox 6">
-            <a:extLst>
-              <a:ext uri="{FF2B5EF4-FFF2-40B4-BE49-F238E27FC236}">
-                <a16:creationId xmlns:a16="http://schemas.microsoft.com/office/drawing/2014/main" id="{5B514CB4-DEAB-4E0F-8CEF-84164B96208F}"/>
-              </a:ext>
-            </a:extLst>
-          </p:cNvPr>
-          <p:cNvSpPr txBox="1"/>
-          <p:nvPr/>
-        </p:nvSpPr>
-        <p:spPr>
-          <a:xfrm>
-            <a:off x="2362200" y="5688608"/>
-            <a:ext cx="4876800" cy="369332"/>
-          </a:xfrm>
-          <a:prstGeom prst="rect">
-            <a:avLst/>
-          </a:prstGeom>
-          <a:noFill/>
-        </p:spPr>
-        <p:txBody>
-          <a:bodyPr wrap="square">
-            <a:spAutoFit/>
-          </a:bodyPr>
-          <a:lstStyle/>
-          <a:p>
-            <a:pPr algn="ctr">
-              <a:spcAft>
-                <a:spcPts val="1000"/>
-              </a:spcAft>
-            </a:pPr>
-            <a:r>
-              <a:rPr lang="en-US" sz="1800" i="1">
-                <a:effectLst/>
-                <a:latin typeface="Times New Roman" panose="02020603050405020304" pitchFamily="18" charset="0"/>
-                <a:ea typeface="Times New Roman" panose="02020603050405020304" pitchFamily="18" charset="0"/>
-              </a:rPr>
-              <a:t>Biểu đồ phân phối giá trị của thuộc tính humidity</a:t>
-            </a:r>
-            <a:endParaRPr lang="en-US" sz="1050" i="1">
-              <a:effectLst/>
-              <a:latin typeface="Times New Roman" panose="02020603050405020304" pitchFamily="18" charset="0"/>
-              <a:ea typeface="Times New Roman" panose="02020603050405020304" pitchFamily="18" charset="0"/>
-            </a:endParaRPr>
-          </a:p>
-        </p:txBody>
-      </p:sp>
-    </p:spTree>
-    <p:extLst>
-      <p:ext uri="{BB962C8B-B14F-4D97-AF65-F5344CB8AC3E}">
-        <p14:creationId xmlns:p14="http://schemas.microsoft.com/office/powerpoint/2010/main" val="2826245152"/>
-      </p:ext>
-    </p:extLst>
-  </p:cSld>
-  <p:clrMapOvr>
-    <a:masterClrMapping/>
-  </p:clrMapOvr>
-</p:sld>
-</file>
-
-<file path=ppt/slides/slide19.xml><?xml version="1.0" encoding="utf-8"?>
-<p:sld xmlns:a="http://schemas.openxmlformats.org/drawingml/2006/main" xmlns:r="http://schemas.openxmlformats.org/officeDocument/2006/relationships" xmlns:p="http://schemas.openxmlformats.org/presentationml/2006/main">
-  <p:cSld>
-    <p:spTree>
-      <p:nvGrpSpPr>
-        <p:cNvPr id="1" name=""/>
-        <p:cNvGrpSpPr/>
-        <p:nvPr/>
-      </p:nvGrpSpPr>
-      <p:grpSpPr>
-        <a:xfrm>
-          <a:off x="0" y="0"/>
-          <a:ext cx="0" cy="0"/>
-          <a:chOff x="0" y="0"/>
-          <a:chExt cx="0" cy="0"/>
-        </a:xfrm>
-      </p:grpSpPr>
-      <p:sp>
-        <p:nvSpPr>
-          <p:cNvPr id="2" name="Title 1">
-            <a:extLst>
-              <a:ext uri="{FF2B5EF4-FFF2-40B4-BE49-F238E27FC236}">
-                <a16:creationId xmlns:a16="http://schemas.microsoft.com/office/drawing/2014/main" id="{032487A3-5B54-40EF-89EA-AAB0CA43A036}"/>
-              </a:ext>
-            </a:extLst>
-          </p:cNvPr>
-          <p:cNvSpPr>
-            <a:spLocks noGrp="1"/>
-          </p:cNvSpPr>
-          <p:nvPr>
-            <p:ph type="title"/>
-          </p:nvPr>
-        </p:nvSpPr>
-        <p:spPr/>
-        <p:txBody>
-          <a:bodyPr/>
-          <a:lstStyle/>
-          <a:p>
-            <a:r>
-              <a:rPr lang="en-US" sz="2800"/>
-              <a:t>3. Phân tích dữ liệu và lựa chọn mô hình</a:t>
-            </a:r>
-            <a:endParaRPr lang="en-US"/>
-          </a:p>
-        </p:txBody>
-      </p:sp>
-      <p:sp>
-        <p:nvSpPr>
-          <p:cNvPr id="4" name="Slide Number Placeholder 3">
-            <a:extLst>
-              <a:ext uri="{FF2B5EF4-FFF2-40B4-BE49-F238E27FC236}">
-                <a16:creationId xmlns:a16="http://schemas.microsoft.com/office/drawing/2014/main" id="{9B89910C-17B4-4262-9D1B-94CA0FAD7C61}"/>
-              </a:ext>
-            </a:extLst>
-          </p:cNvPr>
-          <p:cNvSpPr>
-            <a:spLocks noGrp="1"/>
-          </p:cNvSpPr>
-          <p:nvPr>
-            <p:ph type="sldNum" sz="quarter" idx="12"/>
-          </p:nvPr>
-        </p:nvSpPr>
-        <p:spPr/>
-        <p:txBody>
-          <a:bodyPr/>
-          <a:lstStyle/>
-          <a:p>
-            <a:fld id="{0F4F63AB-74FF-4D4D-9C96-7E67E70BF8FF}" type="slidenum">
-              <a:rPr lang="en-US" altLang="en-US" smtClean="0"/>
-              <a:pPr/>
-              <a:t>18</a:t>
-            </a:fld>
-            <a:endParaRPr lang="en-US" altLang="en-US"/>
-          </a:p>
-        </p:txBody>
-      </p:sp>
-      <p:pic>
-        <p:nvPicPr>
-          <p:cNvPr id="5" name="Picture 4" descr="A graph of a distribution of windspeed&#10;&#10;Description automatically generated">
-            <a:extLst>
-              <a:ext uri="{FF2B5EF4-FFF2-40B4-BE49-F238E27FC236}">
-                <a16:creationId xmlns:a16="http://schemas.microsoft.com/office/drawing/2014/main" id="{AB1ABF29-AB88-43CB-BD69-42206872E859}"/>
-              </a:ext>
-            </a:extLst>
-          </p:cNvPr>
-          <p:cNvPicPr/>
-          <p:nvPr/>
-        </p:nvPicPr>
-        <p:blipFill>
-          <a:blip r:embed="rId2">
-            <a:extLst>
-              <a:ext uri="{28A0092B-C50C-407E-A947-70E740481C1C}">
-                <a14:useLocalDpi xmlns:a14="http://schemas.microsoft.com/office/drawing/2010/main" val="0"/>
-              </a:ext>
-            </a:extLst>
-          </a:blip>
-          <a:stretch>
-            <a:fillRect/>
-          </a:stretch>
-        </p:blipFill>
-        <p:spPr>
-          <a:xfrm>
-            <a:off x="1447800" y="1905000"/>
-            <a:ext cx="6385560" cy="3684905"/>
-          </a:xfrm>
-          <a:prstGeom prst="rect">
-            <a:avLst/>
-          </a:prstGeom>
-        </p:spPr>
-      </p:pic>
-      <p:sp>
-        <p:nvSpPr>
-          <p:cNvPr id="7" name="TextBox 6">
-            <a:extLst>
-              <a:ext uri="{FF2B5EF4-FFF2-40B4-BE49-F238E27FC236}">
-                <a16:creationId xmlns:a16="http://schemas.microsoft.com/office/drawing/2014/main" id="{9219471D-B807-4099-A72D-67A346AA683A}"/>
-              </a:ext>
-            </a:extLst>
-          </p:cNvPr>
-          <p:cNvSpPr txBox="1"/>
-          <p:nvPr/>
-        </p:nvSpPr>
-        <p:spPr>
-          <a:xfrm>
-            <a:off x="2125980" y="5837793"/>
-            <a:ext cx="5029200" cy="369332"/>
-          </a:xfrm>
-          <a:prstGeom prst="rect">
-            <a:avLst/>
-          </a:prstGeom>
-          <a:noFill/>
-        </p:spPr>
-        <p:txBody>
-          <a:bodyPr wrap="square">
-            <a:spAutoFit/>
-          </a:bodyPr>
-          <a:lstStyle/>
-          <a:p>
-            <a:pPr algn="ctr">
-              <a:spcAft>
-                <a:spcPts val="1000"/>
-              </a:spcAft>
-            </a:pPr>
-            <a:r>
-              <a:rPr lang="en-US" sz="1800" i="1">
-                <a:effectLst/>
-                <a:latin typeface="Times New Roman" panose="02020603050405020304" pitchFamily="18" charset="0"/>
-                <a:ea typeface="Times New Roman" panose="02020603050405020304" pitchFamily="18" charset="0"/>
-              </a:rPr>
-              <a:t>Biểu đồ phân phối giá trị của thuộc tính windspeed</a:t>
-            </a:r>
-            <a:endParaRPr lang="en-US" sz="1050" i="1">
-              <a:effectLst/>
-              <a:latin typeface="Times New Roman" panose="02020603050405020304" pitchFamily="18" charset="0"/>
-              <a:ea typeface="Times New Roman" panose="02020603050405020304" pitchFamily="18" charset="0"/>
-            </a:endParaRPr>
-          </a:p>
-        </p:txBody>
-      </p:sp>
-    </p:spTree>
-    <p:extLst>
-      <p:ext uri="{BB962C8B-B14F-4D97-AF65-F5344CB8AC3E}">
-        <p14:creationId xmlns:p14="http://schemas.microsoft.com/office/powerpoint/2010/main" val="3723974053"/>
-      </p:ext>
-    </p:extLst>
-  </p:cSld>
-  <p:clrMapOvr>
-    <a:masterClrMapping/>
-  </p:clrMapOvr>
-</p:sld>
-</file>
-
-<file path=ppt/slides/slide2.xml><?xml version="1.0" encoding="utf-8"?>
-<p:sld xmlns:a="http://schemas.openxmlformats.org/drawingml/2006/main" xmlns:r="http://schemas.openxmlformats.org/officeDocument/2006/relationships" xmlns:p="http://schemas.openxmlformats.org/presentationml/2006/main">
-  <p:cSld>
-    <p:spTree>
-      <p:nvGrpSpPr>
-        <p:cNvPr id="1" name=""/>
-        <p:cNvGrpSpPr/>
-        <p:nvPr/>
-      </p:nvGrpSpPr>
-      <p:grpSpPr>
-        <a:xfrm>
-          <a:off x="0" y="0"/>
-          <a:ext cx="0" cy="0"/>
-          <a:chOff x="0" y="0"/>
-          <a:chExt cx="0" cy="0"/>
-        </a:xfrm>
-      </p:grpSpPr>
-      <p:sp>
-        <p:nvSpPr>
-          <p:cNvPr id="2" name="Title 1">
-            <a:extLst>
-              <a:ext uri="{FF2B5EF4-FFF2-40B4-BE49-F238E27FC236}">
-                <a16:creationId xmlns:a16="http://schemas.microsoft.com/office/drawing/2014/main" id="{D7A12B9E-5AB5-445E-97C6-C531888C8FB8}"/>
-              </a:ext>
-            </a:extLst>
-          </p:cNvPr>
-          <p:cNvSpPr>
-            <a:spLocks noGrp="1"/>
-          </p:cNvSpPr>
-          <p:nvPr>
-            <p:ph type="title"/>
-          </p:nvPr>
-        </p:nvSpPr>
-        <p:spPr/>
-        <p:txBody>
-          <a:bodyPr/>
-          <a:lstStyle/>
-          <a:p>
-            <a:r>
-              <a:rPr lang="en-US" sz="3200"/>
-              <a:t>Nội Dung</a:t>
-            </a:r>
-          </a:p>
-        </p:txBody>
-      </p:sp>
-      <p:sp>
-        <p:nvSpPr>
-          <p:cNvPr id="3" name="Content Placeholder 2">
-            <a:extLst>
-              <a:ext uri="{FF2B5EF4-FFF2-40B4-BE49-F238E27FC236}">
-                <a16:creationId xmlns:a16="http://schemas.microsoft.com/office/drawing/2014/main" id="{0ABA35AE-D6FC-4889-BCCD-79F7715F6C50}"/>
-              </a:ext>
-            </a:extLst>
-          </p:cNvPr>
-          <p:cNvSpPr>
-            <a:spLocks noGrp="1"/>
-          </p:cNvSpPr>
-          <p:nvPr>
-            <p:ph idx="1"/>
-          </p:nvPr>
-        </p:nvSpPr>
-        <p:spPr>
-          <a:xfrm>
-            <a:off x="914400" y="1884363"/>
-            <a:ext cx="8229600" cy="4691062"/>
-          </a:xfrm>
-        </p:spPr>
-        <p:txBody>
-          <a:bodyPr/>
-          <a:lstStyle/>
-          <a:p>
-            <a:pPr marL="514350" indent="-514350">
-              <a:lnSpc>
-                <a:spcPct val="150000"/>
-              </a:lnSpc>
-              <a:buAutoNum type="arabicPeriod"/>
-            </a:pPr>
-            <a:r>
-              <a:rPr lang="en-US" sz="3000" b="1"/>
-              <a:t>Mô tả dữ liệu</a:t>
-            </a:r>
-          </a:p>
-          <a:p>
-            <a:pPr marL="0" indent="0">
-              <a:lnSpc>
-                <a:spcPct val="150000"/>
-              </a:lnSpc>
-              <a:buNone/>
-            </a:pPr>
-            <a:r>
-              <a:rPr lang="en-US" sz="3000" b="1"/>
-              <a:t>2. Ý nghĩa dữ liệu</a:t>
-            </a:r>
-          </a:p>
-          <a:p>
-            <a:pPr marL="0" indent="0">
-              <a:lnSpc>
-                <a:spcPct val="150000"/>
-              </a:lnSpc>
-              <a:buNone/>
-            </a:pPr>
-            <a:r>
-              <a:rPr lang="en-US" sz="3000" b="1"/>
-              <a:t>3. Phân tích dữ liệu và lựa chọn mô hình</a:t>
-            </a:r>
-          </a:p>
-          <a:p>
-            <a:pPr marL="0" indent="0">
-              <a:lnSpc>
-                <a:spcPct val="150000"/>
-              </a:lnSpc>
-              <a:buNone/>
-            </a:pPr>
-            <a:r>
-              <a:rPr lang="en-US" sz="3000" b="1"/>
-              <a:t>4. Cấu hình máy tính</a:t>
-            </a:r>
-          </a:p>
-          <a:p>
-            <a:pPr marL="0" indent="0">
-              <a:lnSpc>
-                <a:spcPct val="150000"/>
-              </a:lnSpc>
-              <a:buNone/>
-            </a:pPr>
-            <a:r>
-              <a:rPr lang="en-US" sz="3000" b="1"/>
-              <a:t>5. Huấn luyện và kết quả thực nghiệm </a:t>
-            </a:r>
-          </a:p>
-          <a:p>
-            <a:pPr marL="0" indent="0">
-              <a:lnSpc>
-                <a:spcPct val="150000"/>
-              </a:lnSpc>
-              <a:buNone/>
-            </a:pPr>
-            <a:r>
-              <a:rPr lang="en-US" sz="3000" b="1"/>
-              <a:t>6. Đánh giá mô hình và hướng phát triển</a:t>
-            </a:r>
-          </a:p>
-          <a:p>
-            <a:pPr marL="0" indent="0">
-              <a:lnSpc>
-                <a:spcPct val="150000"/>
-              </a:lnSpc>
-              <a:buNone/>
-            </a:pPr>
-            <a:endParaRPr lang="en-US" sz="3000" b="1"/>
-          </a:p>
-          <a:p>
-            <a:pPr marL="0" indent="0">
-              <a:lnSpc>
-                <a:spcPct val="150000"/>
-              </a:lnSpc>
-              <a:buNone/>
-            </a:pPr>
-            <a:endParaRPr lang="en-US" sz="3000" b="1" dirty="0"/>
-          </a:p>
-        </p:txBody>
-      </p:sp>
-      <p:sp>
-        <p:nvSpPr>
-          <p:cNvPr id="6" name="Slide Number Placeholder 5">
-            <a:extLst>
-              <a:ext uri="{FF2B5EF4-FFF2-40B4-BE49-F238E27FC236}">
-                <a16:creationId xmlns:a16="http://schemas.microsoft.com/office/drawing/2014/main" id="{D7C8D285-67C5-62B3-1DEB-9174DB59075D}"/>
-              </a:ext>
-            </a:extLst>
-          </p:cNvPr>
-          <p:cNvSpPr>
-            <a:spLocks noGrp="1"/>
-          </p:cNvSpPr>
-          <p:nvPr>
-            <p:ph type="sldNum" sz="quarter" idx="12"/>
-          </p:nvPr>
-        </p:nvSpPr>
-        <p:spPr/>
-        <p:txBody>
-          <a:bodyPr/>
-          <a:lstStyle/>
-          <a:p>
-            <a:fld id="{0F4F63AB-74FF-4D4D-9C96-7E67E70BF8FF}" type="slidenum">
-              <a:rPr lang="en-US" altLang="en-US" smtClean="0"/>
-              <a:pPr/>
-              <a:t>1</a:t>
-            </a:fld>
-            <a:endParaRPr lang="en-US" altLang="en-US"/>
-          </a:p>
-        </p:txBody>
-      </p:sp>
-    </p:spTree>
-    <p:extLst>
-      <p:ext uri="{BB962C8B-B14F-4D97-AF65-F5344CB8AC3E}">
-        <p14:creationId xmlns:p14="http://schemas.microsoft.com/office/powerpoint/2010/main" val="1473194475"/>
-      </p:ext>
-    </p:extLst>
-  </p:cSld>
-  <p:clrMapOvr>
-    <a:masterClrMapping/>
-  </p:clrMapOvr>
-  <p:timing>
-    <p:tnLst>
-      <p:par>
-        <p:cTn id="1" dur="indefinite" restart="never" nodeType="tmRoot">
-          <p:childTnLst>
-            <p:seq concurrent="1" nextAc="seek">
-              <p:cTn id="2" dur="indefinite" nodeType="mainSeq">
-                <p:childTnLst>
-                  <p:par>
-                    <p:cTn id="3" fill="hold">
-                      <p:stCondLst>
-                        <p:cond delay="indefinite"/>
-                      </p:stCondLst>
-                      <p:childTnLst>
-                        <p:par>
-                          <p:cTn id="4" fill="hold">
-                            <p:stCondLst>
-                              <p:cond delay="0"/>
-                            </p:stCondLst>
-                            <p:childTnLst>
-                              <p:par>
-                                <p:cTn id="5" presetID="22" presetClass="entr" presetSubtype="4" fill="hold" nodeType="clickEffect">
-                                  <p:stCondLst>
-                                    <p:cond delay="0"/>
-                                  </p:stCondLst>
-                                  <p:childTnLst>
-                                    <p:set>
-                                      <p:cBhvr>
-                                        <p:cTn id="6" dur="1" fill="hold">
-                                          <p:stCondLst>
-                                            <p:cond delay="0"/>
-                                          </p:stCondLst>
-                                        </p:cTn>
-                                        <p:tgtEl>
-                                          <p:spTgt spid="3">
-                                            <p:txEl>
-                                              <p:pRg st="0" end="0"/>
-                                            </p:txEl>
-                                          </p:spTgt>
-                                        </p:tgtEl>
-                                        <p:attrNameLst>
-                                          <p:attrName>style.visibility</p:attrName>
-                                        </p:attrNameLst>
-                                      </p:cBhvr>
-                                      <p:to>
-                                        <p:strVal val="visible"/>
-                                      </p:to>
-                                    </p:set>
-                                    <p:animEffect transition="in" filter="wipe(down)">
-                                      <p:cBhvr>
-                                        <p:cTn id="7" dur="500"/>
-                                        <p:tgtEl>
-                                          <p:spTgt spid="3">
-                                            <p:txEl>
-                                              <p:pRg st="0" end="0"/>
-                                            </p:txEl>
-                                          </p:spTgt>
-                                        </p:tgtEl>
-                                      </p:cBhvr>
-                                    </p:animEffect>
-                                  </p:childTnLst>
-                                </p:cTn>
-                              </p:par>
-                            </p:childTnLst>
-                          </p:cTn>
-                        </p:par>
-                      </p:childTnLst>
-                    </p:cTn>
-                  </p:par>
-                  <p:par>
-                    <p:cTn id="8" fill="hold">
-                      <p:stCondLst>
-                        <p:cond delay="indefinite"/>
-                      </p:stCondLst>
-                      <p:childTnLst>
-                        <p:par>
-                          <p:cTn id="9" fill="hold">
-                            <p:stCondLst>
-                              <p:cond delay="0"/>
-                            </p:stCondLst>
-                            <p:childTnLst>
-                              <p:par>
-                                <p:cTn id="10" presetID="22" presetClass="entr" presetSubtype="4" fill="hold" nodeType="clickEffect">
-                                  <p:stCondLst>
-                                    <p:cond delay="0"/>
-                                  </p:stCondLst>
-                                  <p:childTnLst>
-                                    <p:set>
-                                      <p:cBhvr>
-                                        <p:cTn id="11" dur="1" fill="hold">
-                                          <p:stCondLst>
-                                            <p:cond delay="0"/>
-                                          </p:stCondLst>
-                                        </p:cTn>
-                                        <p:tgtEl>
-                                          <p:spTgt spid="3">
-                                            <p:txEl>
-                                              <p:pRg st="1" end="1"/>
-                                            </p:txEl>
-                                          </p:spTgt>
-                                        </p:tgtEl>
-                                        <p:attrNameLst>
-                                          <p:attrName>style.visibility</p:attrName>
-                                        </p:attrNameLst>
-                                      </p:cBhvr>
-                                      <p:to>
-                                        <p:strVal val="visible"/>
-                                      </p:to>
-                                    </p:set>
-                                    <p:animEffect transition="in" filter="wipe(down)">
-                                      <p:cBhvr>
-                                        <p:cTn id="12" dur="500"/>
-                                        <p:tgtEl>
-                                          <p:spTgt spid="3">
-                                            <p:txEl>
-                                              <p:pRg st="1" end="1"/>
-                                            </p:txEl>
-                                          </p:spTgt>
-                                        </p:tgtEl>
-                                      </p:cBhvr>
-                                    </p:animEffect>
-                                  </p:childTnLst>
-                                </p:cTn>
-                              </p:par>
-                            </p:childTnLst>
-                          </p:cTn>
-                        </p:par>
-                      </p:childTnLst>
-                    </p:cTn>
-                  </p:par>
-                  <p:par>
-                    <p:cTn id="13" fill="hold">
-                      <p:stCondLst>
-                        <p:cond delay="indefinite"/>
-                      </p:stCondLst>
-                      <p:childTnLst>
-                        <p:par>
-                          <p:cTn id="14" fill="hold">
-                            <p:stCondLst>
-                              <p:cond delay="0"/>
-                            </p:stCondLst>
-                            <p:childTnLst>
-                              <p:par>
-                                <p:cTn id="15" presetID="22" presetClass="entr" presetSubtype="4" fill="hold" nodeType="clickEffect">
-                                  <p:stCondLst>
-                                    <p:cond delay="0"/>
-                                  </p:stCondLst>
-                                  <p:childTnLst>
-                                    <p:set>
-                                      <p:cBhvr>
-                                        <p:cTn id="16" dur="1" fill="hold">
-                                          <p:stCondLst>
-                                            <p:cond delay="0"/>
-                                          </p:stCondLst>
-                                        </p:cTn>
-                                        <p:tgtEl>
-                                          <p:spTgt spid="3">
-                                            <p:txEl>
-                                              <p:pRg st="2" end="2"/>
-                                            </p:txEl>
-                                          </p:spTgt>
-                                        </p:tgtEl>
-                                        <p:attrNameLst>
-                                          <p:attrName>style.visibility</p:attrName>
-                                        </p:attrNameLst>
-                                      </p:cBhvr>
-                                      <p:to>
-                                        <p:strVal val="visible"/>
-                                      </p:to>
-                                    </p:set>
-                                    <p:animEffect transition="in" filter="wipe(down)">
-                                      <p:cBhvr>
-                                        <p:cTn id="17" dur="500"/>
-                                        <p:tgtEl>
-                                          <p:spTgt spid="3">
-                                            <p:txEl>
-                                              <p:pRg st="2" end="2"/>
-                                            </p:txEl>
-                                          </p:spTgt>
-                                        </p:tgtEl>
-                                      </p:cBhvr>
-                                    </p:animEffect>
-                                  </p:childTnLst>
-                                </p:cTn>
-                              </p:par>
-                            </p:childTnLst>
-                          </p:cTn>
-                        </p:par>
-                      </p:childTnLst>
-                    </p:cTn>
-                  </p:par>
-                  <p:par>
-                    <p:cTn id="18" fill="hold">
-                      <p:stCondLst>
-                        <p:cond delay="indefinite"/>
-                      </p:stCondLst>
-                      <p:childTnLst>
-                        <p:par>
-                          <p:cTn id="19" fill="hold">
-                            <p:stCondLst>
-                              <p:cond delay="0"/>
-                            </p:stCondLst>
-                            <p:childTnLst>
-                              <p:par>
-                                <p:cTn id="20" presetID="22" presetClass="entr" presetSubtype="4" fill="hold" nodeType="clickEffect">
-                                  <p:stCondLst>
-                                    <p:cond delay="0"/>
-                                  </p:stCondLst>
-                                  <p:childTnLst>
-                                    <p:set>
-                                      <p:cBhvr>
-                                        <p:cTn id="21" dur="1" fill="hold">
-                                          <p:stCondLst>
-                                            <p:cond delay="0"/>
-                                          </p:stCondLst>
-                                        </p:cTn>
-                                        <p:tgtEl>
-                                          <p:spTgt spid="3">
-                                            <p:txEl>
-                                              <p:pRg st="3" end="3"/>
-                                            </p:txEl>
-                                          </p:spTgt>
-                                        </p:tgtEl>
-                                        <p:attrNameLst>
-                                          <p:attrName>style.visibility</p:attrName>
-                                        </p:attrNameLst>
-                                      </p:cBhvr>
-                                      <p:to>
-                                        <p:strVal val="visible"/>
-                                      </p:to>
-                                    </p:set>
-                                    <p:animEffect transition="in" filter="wipe(down)">
-                                      <p:cBhvr>
-                                        <p:cTn id="22" dur="500"/>
-                                        <p:tgtEl>
-                                          <p:spTgt spid="3">
-                                            <p:txEl>
-                                              <p:pRg st="3" end="3"/>
-                                            </p:txEl>
-                                          </p:spTgt>
-                                        </p:tgtEl>
-                                      </p:cBhvr>
-                                    </p:animEffect>
-                                  </p:childTnLst>
-                                </p:cTn>
-                              </p:par>
-                            </p:childTnLst>
-                          </p:cTn>
-                        </p:par>
-                      </p:childTnLst>
-                    </p:cTn>
-                  </p:par>
-                  <p:par>
-                    <p:cTn id="23" fill="hold">
-                      <p:stCondLst>
-                        <p:cond delay="indefinite"/>
-                      </p:stCondLst>
-                      <p:childTnLst>
-                        <p:par>
-                          <p:cTn id="24" fill="hold">
-                            <p:stCondLst>
-                              <p:cond delay="0"/>
-                            </p:stCondLst>
-                            <p:childTnLst>
-                              <p:par>
-                                <p:cTn id="25" presetID="22" presetClass="entr" presetSubtype="4" fill="hold" nodeType="clickEffect">
-                                  <p:stCondLst>
-                                    <p:cond delay="0"/>
-                                  </p:stCondLst>
-                                  <p:childTnLst>
-                                    <p:set>
-                                      <p:cBhvr>
-                                        <p:cTn id="26" dur="1" fill="hold">
-                                          <p:stCondLst>
-                                            <p:cond delay="0"/>
-                                          </p:stCondLst>
-                                        </p:cTn>
-                                        <p:tgtEl>
-                                          <p:spTgt spid="3">
-                                            <p:txEl>
-                                              <p:pRg st="4" end="4"/>
-                                            </p:txEl>
-                                          </p:spTgt>
-                                        </p:tgtEl>
-                                        <p:attrNameLst>
-                                          <p:attrName>style.visibility</p:attrName>
-                                        </p:attrNameLst>
-                                      </p:cBhvr>
-                                      <p:to>
-                                        <p:strVal val="visible"/>
-                                      </p:to>
-                                    </p:set>
-                                    <p:animEffect transition="in" filter="wipe(down)">
-                                      <p:cBhvr>
-                                        <p:cTn id="27" dur="500"/>
-                                        <p:tgtEl>
-                                          <p:spTgt spid="3">
-                                            <p:txEl>
-                                              <p:pRg st="4" end="4"/>
-                                            </p:txEl>
-                                          </p:spTgt>
-                                        </p:tgtEl>
-                                      </p:cBhvr>
-                                    </p:animEffect>
-                                  </p:childTnLst>
-                                </p:cTn>
-                              </p:par>
-                            </p:childTnLst>
-                          </p:cTn>
-                        </p:par>
-                      </p:childTnLst>
-                    </p:cTn>
-                  </p:par>
-                  <p:par>
-                    <p:cTn id="28" fill="hold">
-                      <p:stCondLst>
-                        <p:cond delay="indefinite"/>
-                      </p:stCondLst>
-                      <p:childTnLst>
-                        <p:par>
-                          <p:cTn id="29" fill="hold">
-                            <p:stCondLst>
-                              <p:cond delay="0"/>
-                            </p:stCondLst>
-                            <p:childTnLst>
-                              <p:par>
-                                <p:cTn id="30" presetID="22" presetClass="entr" presetSubtype="4" fill="hold" nodeType="clickEffect">
-                                  <p:stCondLst>
-                                    <p:cond delay="0"/>
-                                  </p:stCondLst>
-                                  <p:childTnLst>
-                                    <p:set>
-                                      <p:cBhvr>
-                                        <p:cTn id="31" dur="1" fill="hold">
-                                          <p:stCondLst>
-                                            <p:cond delay="0"/>
-                                          </p:stCondLst>
-                                        </p:cTn>
-                                        <p:tgtEl>
-                                          <p:spTgt spid="3">
-                                            <p:txEl>
-                                              <p:pRg st="5" end="5"/>
-                                            </p:txEl>
-                                          </p:spTgt>
-                                        </p:tgtEl>
-                                        <p:attrNameLst>
-                                          <p:attrName>style.visibility</p:attrName>
-                                        </p:attrNameLst>
-                                      </p:cBhvr>
-                                      <p:to>
-                                        <p:strVal val="visible"/>
-                                      </p:to>
-                                    </p:set>
-                                    <p:animEffect transition="in" filter="wipe(down)">
-                                      <p:cBhvr>
-                                        <p:cTn id="32" dur="500"/>
-                                        <p:tgtEl>
-                                          <p:spTgt spid="3">
-                                            <p:txEl>
-                                              <p:pRg st="5" end="5"/>
-                                            </p:txEl>
-                                          </p:spTgt>
-                                        </p:tgtEl>
-                                      </p:cBhvr>
-                                    </p:animEffect>
-                                  </p:childTnLst>
-                                </p:cTn>
-                              </p:par>
-                            </p:childTnLst>
-                          </p:cTn>
-                        </p:par>
-                      </p:childTnLst>
-                    </p:cTn>
-                  </p:par>
-                </p:childTnLst>
-              </p:cTn>
-              <p:prevCondLst>
-                <p:cond evt="onPrev" delay="0">
-                  <p:tgtEl>
-                    <p:sldTgt/>
-                  </p:tgtEl>
-                </p:cond>
-              </p:prevCondLst>
-              <p:nextCondLst>
-                <p:cond evt="onNext" delay="0">
-                  <p:tgtEl>
-                    <p:sldTgt/>
-                  </p:tgtEl>
-                </p:cond>
-              </p:nextCondLst>
-            </p:seq>
-          </p:childTnLst>
-        </p:cTn>
-      </p:par>
-    </p:tnLst>
-  </p:timing>
-</p:sld>
-</file>
-
-<file path=ppt/slides/slide20.xml><?xml version="1.0" encoding="utf-8"?>
-<p:sld xmlns:a="http://schemas.openxmlformats.org/drawingml/2006/main" xmlns:r="http://schemas.openxmlformats.org/officeDocument/2006/relationships" xmlns:p="http://schemas.openxmlformats.org/presentationml/2006/main">
-  <p:cSld>
-    <p:spTree>
-      <p:nvGrpSpPr>
-        <p:cNvPr id="1" name=""/>
-        <p:cNvGrpSpPr/>
-        <p:nvPr/>
-      </p:nvGrpSpPr>
-      <p:grpSpPr>
-        <a:xfrm>
-          <a:off x="0" y="0"/>
-          <a:ext cx="0" cy="0"/>
-          <a:chOff x="0" y="0"/>
-          <a:chExt cx="0" cy="0"/>
-        </a:xfrm>
-      </p:grpSpPr>
-      <p:sp>
-        <p:nvSpPr>
-          <p:cNvPr id="2" name="Title 1">
-            <a:extLst>
-              <a:ext uri="{FF2B5EF4-FFF2-40B4-BE49-F238E27FC236}">
-                <a16:creationId xmlns:a16="http://schemas.microsoft.com/office/drawing/2014/main" id="{A0B47D53-51CF-4E9C-81A9-18710BBBF85E}"/>
-              </a:ext>
-            </a:extLst>
-          </p:cNvPr>
-          <p:cNvSpPr>
-            <a:spLocks noGrp="1"/>
-          </p:cNvSpPr>
-          <p:nvPr>
-            <p:ph type="title"/>
-          </p:nvPr>
-        </p:nvSpPr>
-        <p:spPr/>
-        <p:txBody>
-          <a:bodyPr/>
-          <a:lstStyle/>
-          <a:p>
-            <a:r>
-              <a:rPr lang="en-US" sz="2800"/>
-              <a:t>3. Phân tích dữ liệu và lựa chọn mô hình</a:t>
-            </a:r>
-            <a:endParaRPr lang="en-US"/>
-          </a:p>
-        </p:txBody>
-      </p:sp>
-      <p:sp>
-        <p:nvSpPr>
-          <p:cNvPr id="4" name="Slide Number Placeholder 3">
-            <a:extLst>
-              <a:ext uri="{FF2B5EF4-FFF2-40B4-BE49-F238E27FC236}">
-                <a16:creationId xmlns:a16="http://schemas.microsoft.com/office/drawing/2014/main" id="{FE59147E-B99B-4112-97C8-CE1DB3B0D3B6}"/>
-              </a:ext>
-            </a:extLst>
-          </p:cNvPr>
-          <p:cNvSpPr>
-            <a:spLocks noGrp="1"/>
-          </p:cNvSpPr>
-          <p:nvPr>
-            <p:ph type="sldNum" sz="quarter" idx="12"/>
-          </p:nvPr>
-        </p:nvSpPr>
-        <p:spPr/>
-        <p:txBody>
-          <a:bodyPr/>
-          <a:lstStyle/>
-          <a:p>
-            <a:fld id="{0F4F63AB-74FF-4D4D-9C96-7E67E70BF8FF}" type="slidenum">
-              <a:rPr lang="en-US" altLang="en-US" smtClean="0"/>
-              <a:pPr/>
-              <a:t>19</a:t>
-            </a:fld>
-            <a:endParaRPr lang="en-US" altLang="en-US"/>
-          </a:p>
-        </p:txBody>
-      </p:sp>
-      <p:pic>
-        <p:nvPicPr>
-          <p:cNvPr id="5" name="Content Placeholder 4" descr="A diagram of a distribution of hours&#10;&#10;Description automatically generated">
-            <a:extLst>
-              <a:ext uri="{FF2B5EF4-FFF2-40B4-BE49-F238E27FC236}">
-                <a16:creationId xmlns:a16="http://schemas.microsoft.com/office/drawing/2014/main" id="{87DB6402-1A62-4E9E-B22D-94F8178514EB}"/>
-              </a:ext>
-            </a:extLst>
-          </p:cNvPr>
-          <p:cNvPicPr>
-            <a:picLocks noGrp="1"/>
-          </p:cNvPicPr>
-          <p:nvPr>
-            <p:ph idx="1"/>
-          </p:nvPr>
-        </p:nvPicPr>
-        <p:blipFill>
-          <a:blip r:embed="rId2">
-            <a:extLst>
-              <a:ext uri="{28A0092B-C50C-407E-A947-70E740481C1C}">
-                <a14:useLocalDpi xmlns:a14="http://schemas.microsoft.com/office/drawing/2010/main" val="0"/>
-              </a:ext>
-            </a:extLst>
-          </a:blip>
-          <a:stretch>
-            <a:fillRect/>
-          </a:stretch>
-        </p:blipFill>
-        <p:spPr>
-          <a:xfrm>
-            <a:off x="1498089" y="1767156"/>
-            <a:ext cx="6147821" cy="3976151"/>
-          </a:xfrm>
-          <a:prstGeom prst="rect">
-            <a:avLst/>
-          </a:prstGeom>
-        </p:spPr>
-      </p:pic>
-      <p:sp>
-        <p:nvSpPr>
-          <p:cNvPr id="7" name="TextBox 6">
-            <a:extLst>
-              <a:ext uri="{FF2B5EF4-FFF2-40B4-BE49-F238E27FC236}">
-                <a16:creationId xmlns:a16="http://schemas.microsoft.com/office/drawing/2014/main" id="{DB4CB162-4B36-4979-8DC7-7BF620BE58CC}"/>
-              </a:ext>
-            </a:extLst>
-          </p:cNvPr>
-          <p:cNvSpPr txBox="1"/>
-          <p:nvPr/>
-        </p:nvSpPr>
-        <p:spPr>
-          <a:xfrm>
-            <a:off x="2438401" y="5942568"/>
-            <a:ext cx="4572000" cy="369332"/>
-          </a:xfrm>
-          <a:prstGeom prst="rect">
-            <a:avLst/>
-          </a:prstGeom>
-          <a:noFill/>
-        </p:spPr>
-        <p:txBody>
-          <a:bodyPr wrap="square">
-            <a:spAutoFit/>
-          </a:bodyPr>
-          <a:lstStyle/>
-          <a:p>
-            <a:r>
-              <a:rPr lang="en-US" sz="1800" i="1">
-                <a:effectLst/>
-                <a:latin typeface="Times New Roman" panose="02020603050405020304" pitchFamily="18" charset="0"/>
-                <a:ea typeface="Times New Roman" panose="02020603050405020304" pitchFamily="18" charset="0"/>
-              </a:rPr>
-              <a:t>Biểu đồ phân phối giá trị của thuộc tính hour</a:t>
-            </a:r>
-            <a:endParaRPr lang="en-US" i="1"/>
-          </a:p>
-        </p:txBody>
-      </p:sp>
-    </p:spTree>
-    <p:extLst>
-      <p:ext uri="{BB962C8B-B14F-4D97-AF65-F5344CB8AC3E}">
-        <p14:creationId xmlns:p14="http://schemas.microsoft.com/office/powerpoint/2010/main" val="2906447624"/>
-      </p:ext>
-    </p:extLst>
-  </p:cSld>
-  <p:clrMapOvr>
-    <a:masterClrMapping/>
-  </p:clrMapOvr>
-</p:sld>
-</file>
-
-<file path=ppt/slides/slide21.xml><?xml version="1.0" encoding="utf-8"?>
-<p:sld xmlns:a="http://schemas.openxmlformats.org/drawingml/2006/main" xmlns:r="http://schemas.openxmlformats.org/officeDocument/2006/relationships" xmlns:p="http://schemas.openxmlformats.org/presentationml/2006/main">
-  <p:cSld>
-    <p:spTree>
-      <p:nvGrpSpPr>
-        <p:cNvPr id="1" name=""/>
-        <p:cNvGrpSpPr/>
-        <p:nvPr/>
-      </p:nvGrpSpPr>
-      <p:grpSpPr>
-        <a:xfrm>
-          <a:off x="0" y="0"/>
-          <a:ext cx="0" cy="0"/>
-          <a:chOff x="0" y="0"/>
-          <a:chExt cx="0" cy="0"/>
-        </a:xfrm>
-      </p:grpSpPr>
-      <p:sp>
-        <p:nvSpPr>
-          <p:cNvPr id="2" name="Title 1">
-            <a:extLst>
-              <a:ext uri="{FF2B5EF4-FFF2-40B4-BE49-F238E27FC236}">
-                <a16:creationId xmlns:a16="http://schemas.microsoft.com/office/drawing/2014/main" id="{9FDC962C-5E5E-42E4-9AF8-65A2F5957854}"/>
-              </a:ext>
-            </a:extLst>
-          </p:cNvPr>
-          <p:cNvSpPr>
-            <a:spLocks noGrp="1"/>
-          </p:cNvSpPr>
-          <p:nvPr>
-            <p:ph type="title"/>
-          </p:nvPr>
-        </p:nvSpPr>
-        <p:spPr/>
-        <p:txBody>
-          <a:bodyPr/>
-          <a:lstStyle/>
-          <a:p>
-            <a:r>
-              <a:rPr lang="en-US" sz="2800"/>
-              <a:t>3. Phân tích dữ liệu và lựa chọn mô hình</a:t>
-            </a:r>
-            <a:endParaRPr lang="en-US"/>
-          </a:p>
-        </p:txBody>
-      </p:sp>
-      <p:sp>
-        <p:nvSpPr>
-          <p:cNvPr id="4" name="Slide Number Placeholder 3">
-            <a:extLst>
-              <a:ext uri="{FF2B5EF4-FFF2-40B4-BE49-F238E27FC236}">
-                <a16:creationId xmlns:a16="http://schemas.microsoft.com/office/drawing/2014/main" id="{90425F6E-3240-40E0-85D7-EF0CA6F156ED}"/>
-              </a:ext>
-            </a:extLst>
-          </p:cNvPr>
-          <p:cNvSpPr>
-            <a:spLocks noGrp="1"/>
-          </p:cNvSpPr>
-          <p:nvPr>
-            <p:ph type="sldNum" sz="quarter" idx="12"/>
-          </p:nvPr>
-        </p:nvSpPr>
-        <p:spPr/>
-        <p:txBody>
-          <a:bodyPr/>
-          <a:lstStyle/>
-          <a:p>
-            <a:fld id="{0F4F63AB-74FF-4D4D-9C96-7E67E70BF8FF}" type="slidenum">
-              <a:rPr lang="en-US" altLang="en-US" smtClean="0"/>
-              <a:pPr/>
-              <a:t>20</a:t>
-            </a:fld>
-            <a:endParaRPr lang="en-US" altLang="en-US"/>
-          </a:p>
-        </p:txBody>
-      </p:sp>
-      <p:pic>
-        <p:nvPicPr>
-          <p:cNvPr id="5" name="Picture 4" descr="A graph of blue bars with white text&#10;&#10;Description automatically generated">
-            <a:extLst>
-              <a:ext uri="{FF2B5EF4-FFF2-40B4-BE49-F238E27FC236}">
-                <a16:creationId xmlns:a16="http://schemas.microsoft.com/office/drawing/2014/main" id="{B36E72FE-B3A3-410D-998F-BA30850BA9E8}"/>
-              </a:ext>
-            </a:extLst>
-          </p:cNvPr>
-          <p:cNvPicPr/>
-          <p:nvPr/>
-        </p:nvPicPr>
-        <p:blipFill>
-          <a:blip r:embed="rId2">
-            <a:extLst>
-              <a:ext uri="{28A0092B-C50C-407E-A947-70E740481C1C}">
-                <a14:useLocalDpi xmlns:a14="http://schemas.microsoft.com/office/drawing/2010/main" val="0"/>
-              </a:ext>
-            </a:extLst>
-          </a:blip>
-          <a:stretch>
-            <a:fillRect/>
-          </a:stretch>
-        </p:blipFill>
-        <p:spPr>
-          <a:xfrm>
-            <a:off x="1447800" y="1680686"/>
-            <a:ext cx="6324600" cy="4130040"/>
-          </a:xfrm>
-          <a:prstGeom prst="rect">
-            <a:avLst/>
-          </a:prstGeom>
-        </p:spPr>
-      </p:pic>
-      <p:sp>
-        <p:nvSpPr>
-          <p:cNvPr id="7" name="TextBox 6">
-            <a:extLst>
-              <a:ext uri="{FF2B5EF4-FFF2-40B4-BE49-F238E27FC236}">
-                <a16:creationId xmlns:a16="http://schemas.microsoft.com/office/drawing/2014/main" id="{36EB1203-A85B-4A2E-BCA3-E1AE1BAE8313}"/>
-              </a:ext>
-            </a:extLst>
-          </p:cNvPr>
-          <p:cNvSpPr txBox="1"/>
-          <p:nvPr/>
-        </p:nvSpPr>
-        <p:spPr>
-          <a:xfrm>
-            <a:off x="2438401" y="5894942"/>
-            <a:ext cx="4572000" cy="369332"/>
-          </a:xfrm>
-          <a:prstGeom prst="rect">
-            <a:avLst/>
-          </a:prstGeom>
-          <a:noFill/>
-        </p:spPr>
-        <p:txBody>
-          <a:bodyPr wrap="square">
-            <a:spAutoFit/>
-          </a:bodyPr>
-          <a:lstStyle/>
-          <a:p>
-            <a:pPr algn="ctr">
-              <a:spcAft>
-                <a:spcPts val="1000"/>
-              </a:spcAft>
-            </a:pPr>
-            <a:r>
-              <a:rPr lang="en-US" sz="1800" i="1">
-                <a:effectLst/>
-                <a:latin typeface="Times New Roman" panose="02020603050405020304" pitchFamily="18" charset="0"/>
-                <a:ea typeface="Times New Roman" panose="02020603050405020304" pitchFamily="18" charset="0"/>
-              </a:rPr>
-              <a:t>Biểu đồ phân phối giá trị của thuộc tính month</a:t>
-            </a:r>
-            <a:endParaRPr lang="en-US" sz="1050" i="1">
-              <a:effectLst/>
-              <a:latin typeface="Times New Roman" panose="02020603050405020304" pitchFamily="18" charset="0"/>
-              <a:ea typeface="Times New Roman" panose="02020603050405020304" pitchFamily="18" charset="0"/>
-            </a:endParaRPr>
-          </a:p>
-        </p:txBody>
-      </p:sp>
-    </p:spTree>
-    <p:extLst>
-      <p:ext uri="{BB962C8B-B14F-4D97-AF65-F5344CB8AC3E}">
-        <p14:creationId xmlns:p14="http://schemas.microsoft.com/office/powerpoint/2010/main" val="810780538"/>
-      </p:ext>
-    </p:extLst>
-  </p:cSld>
-  <p:clrMapOvr>
-    <a:masterClrMapping/>
-  </p:clrMapOvr>
-</p:sld>
-</file>
-
-<file path=ppt/slides/slide22.xml><?xml version="1.0" encoding="utf-8"?>
-<p:sld xmlns:a="http://schemas.openxmlformats.org/drawingml/2006/main" xmlns:r="http://schemas.openxmlformats.org/officeDocument/2006/relationships" xmlns:p="http://schemas.openxmlformats.org/presentationml/2006/main">
-  <p:cSld>
-    <p:spTree>
-      <p:nvGrpSpPr>
-        <p:cNvPr id="1" name=""/>
-        <p:cNvGrpSpPr/>
-        <p:nvPr/>
-      </p:nvGrpSpPr>
-      <p:grpSpPr>
-        <a:xfrm>
-          <a:off x="0" y="0"/>
-          <a:ext cx="0" cy="0"/>
-          <a:chOff x="0" y="0"/>
-          <a:chExt cx="0" cy="0"/>
-        </a:xfrm>
-      </p:grpSpPr>
-      <p:sp>
-        <p:nvSpPr>
-          <p:cNvPr id="2" name="Title 1">
-            <a:extLst>
-              <a:ext uri="{FF2B5EF4-FFF2-40B4-BE49-F238E27FC236}">
-                <a16:creationId xmlns:a16="http://schemas.microsoft.com/office/drawing/2014/main" id="{FE847746-51E9-4C43-BACE-4058CC30AE93}"/>
-              </a:ext>
-            </a:extLst>
-          </p:cNvPr>
-          <p:cNvSpPr>
-            <a:spLocks noGrp="1"/>
-          </p:cNvSpPr>
-          <p:nvPr>
-            <p:ph type="title"/>
-          </p:nvPr>
-        </p:nvSpPr>
-        <p:spPr/>
-        <p:txBody>
-          <a:bodyPr/>
-          <a:lstStyle/>
-          <a:p>
-            <a:r>
-              <a:rPr lang="en-US" sz="2800"/>
-              <a:t>3. Phân tích dữ liệu và lựa chọn mô hình</a:t>
-            </a:r>
-            <a:endParaRPr lang="en-US"/>
-          </a:p>
-        </p:txBody>
-      </p:sp>
-      <p:sp>
-        <p:nvSpPr>
-          <p:cNvPr id="4" name="Slide Number Placeholder 3">
-            <a:extLst>
-              <a:ext uri="{FF2B5EF4-FFF2-40B4-BE49-F238E27FC236}">
-                <a16:creationId xmlns:a16="http://schemas.microsoft.com/office/drawing/2014/main" id="{15A29BA6-6C71-46F2-B7F4-25DA54B25A72}"/>
-              </a:ext>
-            </a:extLst>
-          </p:cNvPr>
-          <p:cNvSpPr>
-            <a:spLocks noGrp="1"/>
-          </p:cNvSpPr>
-          <p:nvPr>
-            <p:ph type="sldNum" sz="quarter" idx="12"/>
-          </p:nvPr>
-        </p:nvSpPr>
-        <p:spPr/>
-        <p:txBody>
-          <a:bodyPr/>
-          <a:lstStyle/>
-          <a:p>
-            <a:fld id="{0F4F63AB-74FF-4D4D-9C96-7E67E70BF8FF}" type="slidenum">
-              <a:rPr lang="en-US" altLang="en-US" smtClean="0"/>
-              <a:pPr/>
-              <a:t>21</a:t>
-            </a:fld>
-            <a:endParaRPr lang="en-US" altLang="en-US"/>
-          </a:p>
-        </p:txBody>
-      </p:sp>
-      <p:pic>
-        <p:nvPicPr>
-          <p:cNvPr id="5" name="Picture 4" descr="A graph showing the number of days and months&#10;&#10;Description automatically generated with medium confidence">
-            <a:extLst>
-              <a:ext uri="{FF2B5EF4-FFF2-40B4-BE49-F238E27FC236}">
-                <a16:creationId xmlns:a16="http://schemas.microsoft.com/office/drawing/2014/main" id="{5E638238-1AD9-4A40-BDA1-00C65F521D5E}"/>
-              </a:ext>
-            </a:extLst>
-          </p:cNvPr>
-          <p:cNvPicPr/>
-          <p:nvPr/>
-        </p:nvPicPr>
-        <p:blipFill>
-          <a:blip r:embed="rId2">
-            <a:extLst>
-              <a:ext uri="{28A0092B-C50C-407E-A947-70E740481C1C}">
-                <a14:useLocalDpi xmlns:a14="http://schemas.microsoft.com/office/drawing/2010/main" val="0"/>
-              </a:ext>
-            </a:extLst>
-          </a:blip>
-          <a:stretch>
-            <a:fillRect/>
-          </a:stretch>
-        </p:blipFill>
-        <p:spPr>
-          <a:xfrm>
-            <a:off x="1600200" y="1905000"/>
-            <a:ext cx="6223159" cy="4038600"/>
-          </a:xfrm>
-          <a:prstGeom prst="rect">
-            <a:avLst/>
-          </a:prstGeom>
-        </p:spPr>
-      </p:pic>
-      <p:sp>
-        <p:nvSpPr>
-          <p:cNvPr id="7" name="TextBox 6">
-            <a:extLst>
-              <a:ext uri="{FF2B5EF4-FFF2-40B4-BE49-F238E27FC236}">
-                <a16:creationId xmlns:a16="http://schemas.microsoft.com/office/drawing/2014/main" id="{DFDC56DA-E93F-40FE-8A98-3391F6FEC473}"/>
-              </a:ext>
-            </a:extLst>
-          </p:cNvPr>
-          <p:cNvSpPr txBox="1"/>
-          <p:nvPr/>
-        </p:nvSpPr>
-        <p:spPr>
-          <a:xfrm>
-            <a:off x="2667000" y="6073537"/>
-            <a:ext cx="4800600" cy="369332"/>
-          </a:xfrm>
-          <a:prstGeom prst="rect">
-            <a:avLst/>
-          </a:prstGeom>
-          <a:noFill/>
-        </p:spPr>
-        <p:txBody>
-          <a:bodyPr wrap="square">
-            <a:spAutoFit/>
-          </a:bodyPr>
-          <a:lstStyle/>
-          <a:p>
-            <a:r>
-              <a:rPr lang="en-US" sz="1800" i="1">
-                <a:effectLst/>
-                <a:latin typeface="Times New Roman" panose="02020603050405020304" pitchFamily="18" charset="0"/>
-                <a:ea typeface="Times New Roman" panose="02020603050405020304" pitchFamily="18" charset="0"/>
-              </a:rPr>
-              <a:t>Biểu đồ phân phối giá trị của thuộc tính weekday</a:t>
-            </a:r>
-            <a:endParaRPr lang="en-US" i="1"/>
-          </a:p>
-        </p:txBody>
-      </p:sp>
-    </p:spTree>
-    <p:extLst>
-      <p:ext uri="{BB962C8B-B14F-4D97-AF65-F5344CB8AC3E}">
-        <p14:creationId xmlns:p14="http://schemas.microsoft.com/office/powerpoint/2010/main" val="2817803976"/>
-      </p:ext>
-    </p:extLst>
-  </p:cSld>
-  <p:clrMapOvr>
-    <a:masterClrMapping/>
-  </p:clrMapOvr>
-</p:sld>
-</file>
-
-<file path=ppt/slides/slide23.xml><?xml version="1.0" encoding="utf-8"?>
-<p:sld xmlns:a="http://schemas.openxmlformats.org/drawingml/2006/main" xmlns:r="http://schemas.openxmlformats.org/officeDocument/2006/relationships" xmlns:p="http://schemas.openxmlformats.org/presentationml/2006/main">
-  <p:cSld>
-    <p:spTree>
-      <p:nvGrpSpPr>
-        <p:cNvPr id="1" name=""/>
-        <p:cNvGrpSpPr/>
-        <p:nvPr/>
-      </p:nvGrpSpPr>
-      <p:grpSpPr>
-        <a:xfrm>
-          <a:off x="0" y="0"/>
-          <a:ext cx="0" cy="0"/>
-          <a:chOff x="0" y="0"/>
-          <a:chExt cx="0" cy="0"/>
-        </a:xfrm>
-      </p:grpSpPr>
-      <p:sp>
-        <p:nvSpPr>
-          <p:cNvPr id="2" name="Title 1">
-            <a:extLst>
-              <a:ext uri="{FF2B5EF4-FFF2-40B4-BE49-F238E27FC236}">
-                <a16:creationId xmlns:a16="http://schemas.microsoft.com/office/drawing/2014/main" id="{56EC418A-A1B3-4DAD-BF7F-E661E0947344}"/>
-              </a:ext>
-            </a:extLst>
-          </p:cNvPr>
-          <p:cNvSpPr>
-            <a:spLocks noGrp="1"/>
-          </p:cNvSpPr>
-          <p:nvPr>
-            <p:ph type="title"/>
-          </p:nvPr>
-        </p:nvSpPr>
-        <p:spPr/>
-        <p:txBody>
-          <a:bodyPr/>
-          <a:lstStyle/>
-          <a:p>
-            <a:r>
-              <a:rPr lang="en-US" sz="2800"/>
-              <a:t>3. Phân tích dữ liệu và lựa chọn mô hình</a:t>
-            </a:r>
-            <a:endParaRPr lang="en-US"/>
-          </a:p>
-        </p:txBody>
-      </p:sp>
-      <p:sp>
-        <p:nvSpPr>
-          <p:cNvPr id="4" name="Slide Number Placeholder 3">
-            <a:extLst>
-              <a:ext uri="{FF2B5EF4-FFF2-40B4-BE49-F238E27FC236}">
-                <a16:creationId xmlns:a16="http://schemas.microsoft.com/office/drawing/2014/main" id="{601D79E1-9685-4BF9-ACAA-BA7B689BCB2D}"/>
-              </a:ext>
-            </a:extLst>
-          </p:cNvPr>
-          <p:cNvSpPr>
-            <a:spLocks noGrp="1"/>
-          </p:cNvSpPr>
-          <p:nvPr>
-            <p:ph type="sldNum" sz="quarter" idx="12"/>
-          </p:nvPr>
-        </p:nvSpPr>
-        <p:spPr/>
-        <p:txBody>
-          <a:bodyPr/>
-          <a:lstStyle/>
-          <a:p>
-            <a:fld id="{0F4F63AB-74FF-4D4D-9C96-7E67E70BF8FF}" type="slidenum">
-              <a:rPr lang="en-US" altLang="en-US" smtClean="0"/>
-              <a:pPr/>
-              <a:t>22</a:t>
-            </a:fld>
-            <a:endParaRPr lang="en-US" altLang="en-US"/>
-          </a:p>
-        </p:txBody>
-      </p:sp>
-      <p:pic>
-        <p:nvPicPr>
-          <p:cNvPr id="5" name="Picture 4" descr="A white rectangular object with text&#10;&#10;Description automatically generated">
-            <a:extLst>
-              <a:ext uri="{FF2B5EF4-FFF2-40B4-BE49-F238E27FC236}">
-                <a16:creationId xmlns:a16="http://schemas.microsoft.com/office/drawing/2014/main" id="{B95676CF-A089-4FF2-9901-827A57A49FDC}"/>
-              </a:ext>
-            </a:extLst>
-          </p:cNvPr>
-          <p:cNvPicPr/>
-          <p:nvPr/>
-        </p:nvPicPr>
-        <p:blipFill>
-          <a:blip r:embed="rId2">
-            <a:extLst>
-              <a:ext uri="{28A0092B-C50C-407E-A947-70E740481C1C}">
-                <a14:useLocalDpi xmlns:a14="http://schemas.microsoft.com/office/drawing/2010/main" val="0"/>
-              </a:ext>
-            </a:extLst>
-          </a:blip>
-          <a:stretch>
-            <a:fillRect/>
-          </a:stretch>
-        </p:blipFill>
-        <p:spPr>
-          <a:xfrm>
-            <a:off x="1419701" y="1981200"/>
-            <a:ext cx="6304598" cy="3751898"/>
-          </a:xfrm>
-          <a:prstGeom prst="rect">
-            <a:avLst/>
-          </a:prstGeom>
-        </p:spPr>
-      </p:pic>
-      <p:sp>
-        <p:nvSpPr>
-          <p:cNvPr id="7" name="TextBox 6">
-            <a:extLst>
-              <a:ext uri="{FF2B5EF4-FFF2-40B4-BE49-F238E27FC236}">
-                <a16:creationId xmlns:a16="http://schemas.microsoft.com/office/drawing/2014/main" id="{6914BC34-F9A7-485F-8AB5-5E179C789CD8}"/>
-              </a:ext>
-            </a:extLst>
-          </p:cNvPr>
-          <p:cNvSpPr txBox="1"/>
-          <p:nvPr/>
-        </p:nvSpPr>
-        <p:spPr>
-          <a:xfrm>
-            <a:off x="2286000" y="5943600"/>
-            <a:ext cx="4572000" cy="369332"/>
-          </a:xfrm>
-          <a:prstGeom prst="rect">
-            <a:avLst/>
-          </a:prstGeom>
-          <a:noFill/>
-        </p:spPr>
-        <p:txBody>
-          <a:bodyPr wrap="square">
-            <a:spAutoFit/>
-          </a:bodyPr>
-          <a:lstStyle/>
-          <a:p>
-            <a:pPr algn="ctr">
-              <a:spcAft>
-                <a:spcPts val="1000"/>
-              </a:spcAft>
-            </a:pPr>
-            <a:r>
-              <a:rPr lang="en-US" sz="1800" i="1">
-                <a:effectLst/>
-                <a:latin typeface="Times New Roman" panose="02020603050405020304" pitchFamily="18" charset="0"/>
-                <a:ea typeface="Times New Roman" panose="02020603050405020304" pitchFamily="18" charset="0"/>
-              </a:rPr>
-              <a:t>Biểu đồ phân phối giá trị của thuộc tính year</a:t>
-            </a:r>
-            <a:endParaRPr lang="en-US" sz="1050" i="1">
-              <a:effectLst/>
-              <a:latin typeface="Times New Roman" panose="02020603050405020304" pitchFamily="18" charset="0"/>
-              <a:ea typeface="Times New Roman" panose="02020603050405020304" pitchFamily="18" charset="0"/>
-            </a:endParaRPr>
-          </a:p>
-        </p:txBody>
-      </p:sp>
-    </p:spTree>
-    <p:extLst>
-      <p:ext uri="{BB962C8B-B14F-4D97-AF65-F5344CB8AC3E}">
-        <p14:creationId xmlns:p14="http://schemas.microsoft.com/office/powerpoint/2010/main" val="3736846218"/>
-      </p:ext>
-    </p:extLst>
-  </p:cSld>
-  <p:clrMapOvr>
-    <a:masterClrMapping/>
-  </p:clrMapOvr>
-</p:sld>
-</file>
-
-<file path=ppt/slides/slide24.xml><?xml version="1.0" encoding="utf-8"?>
-<p:sld xmlns:a="http://schemas.openxmlformats.org/drawingml/2006/main" xmlns:r="http://schemas.openxmlformats.org/officeDocument/2006/relationships" xmlns:p="http://schemas.openxmlformats.org/presentationml/2006/main">
-  <p:cSld>
-    <p:spTree>
-      <p:nvGrpSpPr>
-        <p:cNvPr id="1" name=""/>
-        <p:cNvGrpSpPr/>
-        <p:nvPr/>
-      </p:nvGrpSpPr>
-      <p:grpSpPr>
-        <a:xfrm>
-          <a:off x="0" y="0"/>
-          <a:ext cx="0" cy="0"/>
-          <a:chOff x="0" y="0"/>
-          <a:chExt cx="0" cy="0"/>
-        </a:xfrm>
-      </p:grpSpPr>
-      <p:sp>
-        <p:nvSpPr>
-          <p:cNvPr id="2" name="Title 1">
-            <a:extLst>
-              <a:ext uri="{FF2B5EF4-FFF2-40B4-BE49-F238E27FC236}">
-                <a16:creationId xmlns:a16="http://schemas.microsoft.com/office/drawing/2014/main" id="{5C46447F-CA0D-48D2-9C62-55124A06DD9B}"/>
-              </a:ext>
-            </a:extLst>
-          </p:cNvPr>
-          <p:cNvSpPr>
-            <a:spLocks noGrp="1"/>
-          </p:cNvSpPr>
-          <p:nvPr>
-            <p:ph type="title"/>
-          </p:nvPr>
-        </p:nvSpPr>
-        <p:spPr/>
-        <p:txBody>
-          <a:bodyPr/>
-          <a:lstStyle/>
-          <a:p>
-            <a:r>
-              <a:rPr lang="en-US" sz="2800"/>
-              <a:t>3. Phân tích dữ liệu và lựa chọn mô hình</a:t>
-            </a:r>
-            <a:endParaRPr lang="en-US"/>
-          </a:p>
-        </p:txBody>
-      </p:sp>
-      <p:sp>
-        <p:nvSpPr>
-          <p:cNvPr id="4" name="Slide Number Placeholder 3">
-            <a:extLst>
-              <a:ext uri="{FF2B5EF4-FFF2-40B4-BE49-F238E27FC236}">
-                <a16:creationId xmlns:a16="http://schemas.microsoft.com/office/drawing/2014/main" id="{AC1A179D-0FD1-45CB-8C50-03CDC9429D5B}"/>
-              </a:ext>
-            </a:extLst>
-          </p:cNvPr>
-          <p:cNvSpPr>
-            <a:spLocks noGrp="1"/>
-          </p:cNvSpPr>
-          <p:nvPr>
-            <p:ph type="sldNum" sz="quarter" idx="12"/>
-          </p:nvPr>
-        </p:nvSpPr>
-        <p:spPr/>
-        <p:txBody>
-          <a:bodyPr/>
-          <a:lstStyle/>
-          <a:p>
-            <a:fld id="{0F4F63AB-74FF-4D4D-9C96-7E67E70BF8FF}" type="slidenum">
-              <a:rPr lang="en-US" altLang="en-US" smtClean="0"/>
-              <a:pPr/>
-              <a:t>23</a:t>
-            </a:fld>
-            <a:endParaRPr lang="en-US" altLang="en-US"/>
-          </a:p>
-        </p:txBody>
-      </p:sp>
-      <p:pic>
-        <p:nvPicPr>
-          <p:cNvPr id="5" name="Picture 4" descr="A graph of a number of bars&#10;&#10;Description automatically generated">
-            <a:extLst>
-              <a:ext uri="{FF2B5EF4-FFF2-40B4-BE49-F238E27FC236}">
-                <a16:creationId xmlns:a16="http://schemas.microsoft.com/office/drawing/2014/main" id="{183DBF88-425B-4B7A-8664-06268DBBC0A2}"/>
-              </a:ext>
-            </a:extLst>
-          </p:cNvPr>
-          <p:cNvPicPr/>
-          <p:nvPr/>
-        </p:nvPicPr>
-        <p:blipFill>
-          <a:blip r:embed="rId2">
-            <a:extLst>
-              <a:ext uri="{28A0092B-C50C-407E-A947-70E740481C1C}">
-                <a14:useLocalDpi xmlns:a14="http://schemas.microsoft.com/office/drawing/2010/main" val="0"/>
-              </a:ext>
-            </a:extLst>
-          </a:blip>
-          <a:stretch>
-            <a:fillRect/>
-          </a:stretch>
-        </p:blipFill>
-        <p:spPr>
-          <a:xfrm>
-            <a:off x="1371600" y="1905000"/>
-            <a:ext cx="6740525" cy="3971925"/>
-          </a:xfrm>
-          <a:prstGeom prst="rect">
-            <a:avLst/>
-          </a:prstGeom>
-        </p:spPr>
-      </p:pic>
-      <p:sp>
-        <p:nvSpPr>
-          <p:cNvPr id="7" name="TextBox 6">
-            <a:extLst>
-              <a:ext uri="{FF2B5EF4-FFF2-40B4-BE49-F238E27FC236}">
-                <a16:creationId xmlns:a16="http://schemas.microsoft.com/office/drawing/2014/main" id="{9E86181E-2C43-47BE-A6A8-184B3F4D8FF3}"/>
-              </a:ext>
-            </a:extLst>
-          </p:cNvPr>
-          <p:cNvSpPr txBox="1"/>
-          <p:nvPr/>
-        </p:nvSpPr>
-        <p:spPr>
-          <a:xfrm>
-            <a:off x="2455862" y="6113502"/>
-            <a:ext cx="4572000" cy="369332"/>
-          </a:xfrm>
-          <a:prstGeom prst="rect">
-            <a:avLst/>
-          </a:prstGeom>
-          <a:noFill/>
-        </p:spPr>
-        <p:txBody>
-          <a:bodyPr wrap="square">
-            <a:spAutoFit/>
-          </a:bodyPr>
-          <a:lstStyle/>
-          <a:p>
-            <a:pPr algn="ctr">
-              <a:spcAft>
-                <a:spcPts val="1000"/>
-              </a:spcAft>
-            </a:pPr>
-            <a:r>
-              <a:rPr lang="en-US" sz="1800" i="1">
-                <a:effectLst/>
-                <a:latin typeface="Times New Roman" panose="02020603050405020304" pitchFamily="18" charset="0"/>
-                <a:ea typeface="Times New Roman" panose="02020603050405020304" pitchFamily="18" charset="0"/>
-              </a:rPr>
-              <a:t>Biểu đồ phân phối giá trị của thuộc tính count</a:t>
-            </a:r>
-            <a:endParaRPr lang="en-US" sz="1050" i="1">
-              <a:effectLst/>
-              <a:latin typeface="Times New Roman" panose="02020603050405020304" pitchFamily="18" charset="0"/>
-              <a:ea typeface="Times New Roman" panose="02020603050405020304" pitchFamily="18" charset="0"/>
-            </a:endParaRPr>
-          </a:p>
-        </p:txBody>
-      </p:sp>
-    </p:spTree>
-    <p:extLst>
-      <p:ext uri="{BB962C8B-B14F-4D97-AF65-F5344CB8AC3E}">
-        <p14:creationId xmlns:p14="http://schemas.microsoft.com/office/powerpoint/2010/main" val="3863103240"/>
-      </p:ext>
-    </p:extLst>
-  </p:cSld>
-  <p:clrMapOvr>
-    <a:masterClrMapping/>
-  </p:clrMapOvr>
-</p:sld>
-</file>
-
-<file path=ppt/slides/slide25.xml><?xml version="1.0" encoding="utf-8"?>
-<p:sld xmlns:a="http://schemas.openxmlformats.org/drawingml/2006/main" xmlns:r="http://schemas.openxmlformats.org/officeDocument/2006/relationships" xmlns:p="http://schemas.openxmlformats.org/presentationml/2006/main">
-  <p:cSld>
-    <p:spTree>
-      <p:nvGrpSpPr>
-        <p:cNvPr id="1" name=""/>
-        <p:cNvGrpSpPr/>
-        <p:nvPr/>
-      </p:nvGrpSpPr>
-      <p:grpSpPr>
-        <a:xfrm>
-          <a:off x="0" y="0"/>
-          <a:ext cx="0" cy="0"/>
-          <a:chOff x="0" y="0"/>
-          <a:chExt cx="0" cy="0"/>
-        </a:xfrm>
-      </p:grpSpPr>
-      <p:sp>
-        <p:nvSpPr>
-          <p:cNvPr id="2" name="Title 1">
-            <a:extLst>
-              <a:ext uri="{FF2B5EF4-FFF2-40B4-BE49-F238E27FC236}">
-                <a16:creationId xmlns:a16="http://schemas.microsoft.com/office/drawing/2014/main" id="{41974D6A-9CE9-48DA-8283-E3F6BD988C67}"/>
-              </a:ext>
-            </a:extLst>
-          </p:cNvPr>
-          <p:cNvSpPr>
-            <a:spLocks noGrp="1"/>
-          </p:cNvSpPr>
-          <p:nvPr>
-            <p:ph type="title"/>
-          </p:nvPr>
-        </p:nvSpPr>
-        <p:spPr/>
-        <p:txBody>
-          <a:bodyPr/>
-          <a:lstStyle/>
-          <a:p>
-            <a:r>
-              <a:rPr lang="en-US" sz="2800"/>
-              <a:t>3. Phân tích dữ liệu và lựa chọn mô hình</a:t>
-            </a:r>
-            <a:endParaRPr lang="en-US"/>
-          </a:p>
-        </p:txBody>
-      </p:sp>
-      <p:sp>
-        <p:nvSpPr>
-          <p:cNvPr id="4" name="Slide Number Placeholder 3">
-            <a:extLst>
-              <a:ext uri="{FF2B5EF4-FFF2-40B4-BE49-F238E27FC236}">
-                <a16:creationId xmlns:a16="http://schemas.microsoft.com/office/drawing/2014/main" id="{16924D06-38E1-46B9-81A2-CE3708E26C91}"/>
-              </a:ext>
-            </a:extLst>
-          </p:cNvPr>
-          <p:cNvSpPr>
-            <a:spLocks noGrp="1"/>
-          </p:cNvSpPr>
-          <p:nvPr>
-            <p:ph type="sldNum" sz="quarter" idx="12"/>
-          </p:nvPr>
-        </p:nvSpPr>
-        <p:spPr/>
-        <p:txBody>
-          <a:bodyPr/>
-          <a:lstStyle/>
-          <a:p>
-            <a:fld id="{0F4F63AB-74FF-4D4D-9C96-7E67E70BF8FF}" type="slidenum">
-              <a:rPr lang="en-US" altLang="en-US" smtClean="0"/>
-              <a:pPr/>
-              <a:t>24</a:t>
-            </a:fld>
-            <a:endParaRPr lang="en-US" altLang="en-US"/>
-          </a:p>
-        </p:txBody>
-      </p:sp>
-      <p:pic>
-        <p:nvPicPr>
-          <p:cNvPr id="5" name="Picture 4" descr="A graph showing different seasons&#10;&#10;Description automatically generated">
-            <a:extLst>
-              <a:ext uri="{FF2B5EF4-FFF2-40B4-BE49-F238E27FC236}">
-                <a16:creationId xmlns:a16="http://schemas.microsoft.com/office/drawing/2014/main" id="{F701494F-19D8-4B74-902D-6A86F4FEDAD6}"/>
-              </a:ext>
-            </a:extLst>
-          </p:cNvPr>
-          <p:cNvPicPr/>
-          <p:nvPr/>
-        </p:nvPicPr>
-        <p:blipFill>
-          <a:blip r:embed="rId2">
-            <a:extLst>
-              <a:ext uri="{28A0092B-C50C-407E-A947-70E740481C1C}">
-                <a14:useLocalDpi xmlns:a14="http://schemas.microsoft.com/office/drawing/2010/main" val="0"/>
-              </a:ext>
-            </a:extLst>
-          </a:blip>
-          <a:stretch>
-            <a:fillRect/>
-          </a:stretch>
-        </p:blipFill>
-        <p:spPr>
-          <a:xfrm>
-            <a:off x="838200" y="2057400"/>
-            <a:ext cx="7467600" cy="3810000"/>
-          </a:xfrm>
-          <a:prstGeom prst="rect">
-            <a:avLst/>
-          </a:prstGeom>
-        </p:spPr>
-      </p:pic>
-      <p:sp>
-        <p:nvSpPr>
-          <p:cNvPr id="7" name="TextBox 6">
-            <a:extLst>
-              <a:ext uri="{FF2B5EF4-FFF2-40B4-BE49-F238E27FC236}">
-                <a16:creationId xmlns:a16="http://schemas.microsoft.com/office/drawing/2014/main" id="{0029F674-DC01-42AE-9DF6-DF1B4EB04217}"/>
-              </a:ext>
-            </a:extLst>
-          </p:cNvPr>
-          <p:cNvSpPr txBox="1"/>
-          <p:nvPr/>
-        </p:nvSpPr>
-        <p:spPr>
-          <a:xfrm>
-            <a:off x="2590800" y="6041509"/>
-            <a:ext cx="4572000" cy="369332"/>
-          </a:xfrm>
-          <a:prstGeom prst="rect">
-            <a:avLst/>
-          </a:prstGeom>
-          <a:noFill/>
-        </p:spPr>
-        <p:txBody>
-          <a:bodyPr wrap="square">
-            <a:spAutoFit/>
-          </a:bodyPr>
-          <a:lstStyle/>
-          <a:p>
-            <a:pPr algn="ctr">
-              <a:spcAft>
-                <a:spcPts val="1000"/>
-              </a:spcAft>
-            </a:pPr>
-            <a:r>
-              <a:rPr lang="en-US" sz="1800" i="1">
-                <a:effectLst/>
-                <a:latin typeface="Times New Roman" panose="02020603050405020304" pitchFamily="18" charset="0"/>
-                <a:ea typeface="Times New Roman" panose="02020603050405020304" pitchFamily="18" charset="0"/>
-              </a:rPr>
-              <a:t>Biểu diễn mối quan hệ giữa Season và Count</a:t>
-            </a:r>
-            <a:endParaRPr lang="en-US" sz="1050" i="1">
-              <a:effectLst/>
-              <a:latin typeface="Times New Roman" panose="02020603050405020304" pitchFamily="18" charset="0"/>
-              <a:ea typeface="Times New Roman" panose="02020603050405020304" pitchFamily="18" charset="0"/>
-            </a:endParaRPr>
-          </a:p>
-        </p:txBody>
-      </p:sp>
-    </p:spTree>
-    <p:extLst>
-      <p:ext uri="{BB962C8B-B14F-4D97-AF65-F5344CB8AC3E}">
-        <p14:creationId xmlns:p14="http://schemas.microsoft.com/office/powerpoint/2010/main" val="4000456388"/>
-      </p:ext>
-    </p:extLst>
-  </p:cSld>
-  <p:clrMapOvr>
-    <a:masterClrMapping/>
-  </p:clrMapOvr>
-</p:sld>
-</file>
-
-<file path=ppt/slides/slide26.xml><?xml version="1.0" encoding="utf-8"?>
-<p:sld xmlns:a="http://schemas.openxmlformats.org/drawingml/2006/main" xmlns:r="http://schemas.openxmlformats.org/officeDocument/2006/relationships" xmlns:p="http://schemas.openxmlformats.org/presentationml/2006/main">
-  <p:cSld>
-    <p:spTree>
-      <p:nvGrpSpPr>
-        <p:cNvPr id="1" name=""/>
-        <p:cNvGrpSpPr/>
-        <p:nvPr/>
-      </p:nvGrpSpPr>
-      <p:grpSpPr>
-        <a:xfrm>
-          <a:off x="0" y="0"/>
-          <a:ext cx="0" cy="0"/>
-          <a:chOff x="0" y="0"/>
-          <a:chExt cx="0" cy="0"/>
-        </a:xfrm>
-      </p:grpSpPr>
-      <p:sp>
-        <p:nvSpPr>
-          <p:cNvPr id="2" name="Title 1">
-            <a:extLst>
-              <a:ext uri="{FF2B5EF4-FFF2-40B4-BE49-F238E27FC236}">
-                <a16:creationId xmlns:a16="http://schemas.microsoft.com/office/drawing/2014/main" id="{12313190-D156-461B-8ABE-7409BF52A7F9}"/>
-              </a:ext>
-            </a:extLst>
-          </p:cNvPr>
-          <p:cNvSpPr>
-            <a:spLocks noGrp="1"/>
-          </p:cNvSpPr>
-          <p:nvPr>
-            <p:ph type="title"/>
-          </p:nvPr>
-        </p:nvSpPr>
-        <p:spPr/>
-        <p:txBody>
-          <a:bodyPr/>
-          <a:lstStyle/>
-          <a:p>
-            <a:r>
-              <a:rPr lang="en-US" sz="2800"/>
-              <a:t>3. Phân tích dữ liệu và lựa chọn mô hình</a:t>
-            </a:r>
-            <a:endParaRPr lang="en-US"/>
-          </a:p>
-        </p:txBody>
-      </p:sp>
-      <p:sp>
-        <p:nvSpPr>
-          <p:cNvPr id="4" name="Slide Number Placeholder 3">
-            <a:extLst>
-              <a:ext uri="{FF2B5EF4-FFF2-40B4-BE49-F238E27FC236}">
-                <a16:creationId xmlns:a16="http://schemas.microsoft.com/office/drawing/2014/main" id="{423BA8EA-7A78-4692-8FF1-62F917CAB229}"/>
-              </a:ext>
-            </a:extLst>
-          </p:cNvPr>
-          <p:cNvSpPr>
-            <a:spLocks noGrp="1"/>
-          </p:cNvSpPr>
-          <p:nvPr>
-            <p:ph type="sldNum" sz="quarter" idx="12"/>
-          </p:nvPr>
-        </p:nvSpPr>
-        <p:spPr/>
-        <p:txBody>
-          <a:bodyPr/>
-          <a:lstStyle/>
-          <a:p>
-            <a:fld id="{0F4F63AB-74FF-4D4D-9C96-7E67E70BF8FF}" type="slidenum">
-              <a:rPr lang="en-US" altLang="en-US" smtClean="0"/>
-              <a:pPr/>
-              <a:t>25</a:t>
-            </a:fld>
-            <a:endParaRPr lang="en-US" altLang="en-US"/>
-          </a:p>
-        </p:txBody>
-      </p:sp>
-      <p:pic>
-        <p:nvPicPr>
-          <p:cNvPr id="5" name="Picture 4" descr="A graph of a graph with a purple and blue rectangle&#10;&#10;Description automatically generated with medium confidence">
-            <a:extLst>
-              <a:ext uri="{FF2B5EF4-FFF2-40B4-BE49-F238E27FC236}">
-                <a16:creationId xmlns:a16="http://schemas.microsoft.com/office/drawing/2014/main" id="{53AC1F6D-E3CD-468F-BCD7-54FBA38D6608}"/>
-              </a:ext>
-            </a:extLst>
-          </p:cNvPr>
-          <p:cNvPicPr/>
-          <p:nvPr/>
-        </p:nvPicPr>
-        <p:blipFill>
-          <a:blip r:embed="rId2">
-            <a:extLst>
-              <a:ext uri="{28A0092B-C50C-407E-A947-70E740481C1C}">
-                <a14:useLocalDpi xmlns:a14="http://schemas.microsoft.com/office/drawing/2010/main" val="0"/>
-              </a:ext>
-            </a:extLst>
-          </a:blip>
-          <a:stretch>
-            <a:fillRect/>
-          </a:stretch>
-        </p:blipFill>
-        <p:spPr>
-          <a:xfrm>
-            <a:off x="874077" y="1981200"/>
-            <a:ext cx="7395845" cy="3777298"/>
-          </a:xfrm>
-          <a:prstGeom prst="rect">
-            <a:avLst/>
-          </a:prstGeom>
-        </p:spPr>
-      </p:pic>
-      <p:sp>
-        <p:nvSpPr>
-          <p:cNvPr id="7" name="TextBox 6">
-            <a:extLst>
-              <a:ext uri="{FF2B5EF4-FFF2-40B4-BE49-F238E27FC236}">
-                <a16:creationId xmlns:a16="http://schemas.microsoft.com/office/drawing/2014/main" id="{F5FEF897-006B-4B50-AFEB-40F3D110A7F4}"/>
-              </a:ext>
-            </a:extLst>
-          </p:cNvPr>
-          <p:cNvSpPr txBox="1"/>
-          <p:nvPr/>
-        </p:nvSpPr>
-        <p:spPr>
-          <a:xfrm>
-            <a:off x="2285999" y="5943600"/>
-            <a:ext cx="4572000" cy="369332"/>
-          </a:xfrm>
-          <a:prstGeom prst="rect">
-            <a:avLst/>
-          </a:prstGeom>
-          <a:noFill/>
-        </p:spPr>
-        <p:txBody>
-          <a:bodyPr wrap="square">
-            <a:spAutoFit/>
-          </a:bodyPr>
-          <a:lstStyle/>
-          <a:p>
-            <a:pPr algn="ctr">
-              <a:spcAft>
-                <a:spcPts val="1000"/>
-              </a:spcAft>
-            </a:pPr>
-            <a:r>
-              <a:rPr lang="en-US" sz="1800" i="1">
-                <a:effectLst/>
-                <a:latin typeface="Times New Roman" panose="02020603050405020304" pitchFamily="18" charset="0"/>
-                <a:ea typeface="Times New Roman" panose="02020603050405020304" pitchFamily="18" charset="0"/>
-              </a:rPr>
-              <a:t>Biểu diễn mối quan hệ giữa Holiday và Count</a:t>
-            </a:r>
-            <a:endParaRPr lang="en-US" sz="1050" i="1">
-              <a:effectLst/>
-              <a:latin typeface="Times New Roman" panose="02020603050405020304" pitchFamily="18" charset="0"/>
-              <a:ea typeface="Times New Roman" panose="02020603050405020304" pitchFamily="18" charset="0"/>
-            </a:endParaRPr>
-          </a:p>
-        </p:txBody>
-      </p:sp>
-    </p:spTree>
-    <p:extLst>
-      <p:ext uri="{BB962C8B-B14F-4D97-AF65-F5344CB8AC3E}">
-        <p14:creationId xmlns:p14="http://schemas.microsoft.com/office/powerpoint/2010/main" val="695023870"/>
-      </p:ext>
-    </p:extLst>
-  </p:cSld>
-  <p:clrMapOvr>
-    <a:masterClrMapping/>
-  </p:clrMapOvr>
-</p:sld>
-</file>
-
-<file path=ppt/slides/slide27.xml><?xml version="1.0" encoding="utf-8"?>
-<p:sld xmlns:a="http://schemas.openxmlformats.org/drawingml/2006/main" xmlns:r="http://schemas.openxmlformats.org/officeDocument/2006/relationships" xmlns:p="http://schemas.openxmlformats.org/presentationml/2006/main">
-  <p:cSld>
-    <p:spTree>
-      <p:nvGrpSpPr>
-        <p:cNvPr id="1" name=""/>
-        <p:cNvGrpSpPr/>
-        <p:nvPr/>
-      </p:nvGrpSpPr>
-      <p:grpSpPr>
-        <a:xfrm>
-          <a:off x="0" y="0"/>
-          <a:ext cx="0" cy="0"/>
-          <a:chOff x="0" y="0"/>
-          <a:chExt cx="0" cy="0"/>
-        </a:xfrm>
-      </p:grpSpPr>
-      <p:sp>
-        <p:nvSpPr>
-          <p:cNvPr id="2" name="Title 1">
-            <a:extLst>
-              <a:ext uri="{FF2B5EF4-FFF2-40B4-BE49-F238E27FC236}">
-                <a16:creationId xmlns:a16="http://schemas.microsoft.com/office/drawing/2014/main" id="{27D45171-3600-4C50-A41B-7C9B99A2C5BA}"/>
-              </a:ext>
-            </a:extLst>
-          </p:cNvPr>
-          <p:cNvSpPr>
-            <a:spLocks noGrp="1"/>
-          </p:cNvSpPr>
-          <p:nvPr>
-            <p:ph type="title"/>
-          </p:nvPr>
-        </p:nvSpPr>
-        <p:spPr/>
-        <p:txBody>
-          <a:bodyPr/>
-          <a:lstStyle/>
-          <a:p>
-            <a:r>
-              <a:rPr lang="en-US" sz="2800"/>
-              <a:t>3. Phân tích dữ liệu và lựa chọn mô hình</a:t>
-            </a:r>
-            <a:endParaRPr lang="en-US"/>
-          </a:p>
-        </p:txBody>
-      </p:sp>
-      <p:sp>
-        <p:nvSpPr>
-          <p:cNvPr id="4" name="Slide Number Placeholder 3">
-            <a:extLst>
-              <a:ext uri="{FF2B5EF4-FFF2-40B4-BE49-F238E27FC236}">
-                <a16:creationId xmlns:a16="http://schemas.microsoft.com/office/drawing/2014/main" id="{A0C0949F-0348-44B6-8CE2-CFD40B3824FD}"/>
-              </a:ext>
-            </a:extLst>
-          </p:cNvPr>
-          <p:cNvSpPr>
-            <a:spLocks noGrp="1"/>
-          </p:cNvSpPr>
-          <p:nvPr>
-            <p:ph type="sldNum" sz="quarter" idx="12"/>
-          </p:nvPr>
-        </p:nvSpPr>
-        <p:spPr/>
-        <p:txBody>
-          <a:bodyPr/>
-          <a:lstStyle/>
-          <a:p>
-            <a:fld id="{0F4F63AB-74FF-4D4D-9C96-7E67E70BF8FF}" type="slidenum">
-              <a:rPr lang="en-US" altLang="en-US" smtClean="0"/>
-              <a:pPr/>
-              <a:t>26</a:t>
-            </a:fld>
-            <a:endParaRPr lang="en-US" altLang="en-US"/>
-          </a:p>
-        </p:txBody>
-      </p:sp>
-      <p:pic>
-        <p:nvPicPr>
-          <p:cNvPr id="5" name="Picture 4" descr="A blue and purple squares&#10;&#10;Description automatically generated">
-            <a:extLst>
-              <a:ext uri="{FF2B5EF4-FFF2-40B4-BE49-F238E27FC236}">
-                <a16:creationId xmlns:a16="http://schemas.microsoft.com/office/drawing/2014/main" id="{EB2E84ED-E1AE-4AD5-8B43-D6E0631D18D4}"/>
-              </a:ext>
-            </a:extLst>
-          </p:cNvPr>
-          <p:cNvPicPr/>
-          <p:nvPr/>
-        </p:nvPicPr>
-        <p:blipFill>
-          <a:blip r:embed="rId2">
-            <a:extLst>
-              <a:ext uri="{28A0092B-C50C-407E-A947-70E740481C1C}">
-                <a14:useLocalDpi xmlns:a14="http://schemas.microsoft.com/office/drawing/2010/main" val="0"/>
-              </a:ext>
-            </a:extLst>
-          </a:blip>
-          <a:stretch>
-            <a:fillRect/>
-          </a:stretch>
-        </p:blipFill>
-        <p:spPr>
-          <a:xfrm>
-            <a:off x="914400" y="1905000"/>
-            <a:ext cx="7543800" cy="3810000"/>
-          </a:xfrm>
-          <a:prstGeom prst="rect">
-            <a:avLst/>
-          </a:prstGeom>
-        </p:spPr>
-      </p:pic>
-      <p:sp>
-        <p:nvSpPr>
-          <p:cNvPr id="7" name="TextBox 6">
-            <a:extLst>
-              <a:ext uri="{FF2B5EF4-FFF2-40B4-BE49-F238E27FC236}">
-                <a16:creationId xmlns:a16="http://schemas.microsoft.com/office/drawing/2014/main" id="{951FBD7E-68AF-4937-9A2A-39FA1E038419}"/>
-              </a:ext>
-            </a:extLst>
-          </p:cNvPr>
-          <p:cNvSpPr txBox="1"/>
-          <p:nvPr/>
-        </p:nvSpPr>
-        <p:spPr>
-          <a:xfrm>
-            <a:off x="2438401" y="5856843"/>
-            <a:ext cx="4991100" cy="369332"/>
-          </a:xfrm>
-          <a:prstGeom prst="rect">
-            <a:avLst/>
-          </a:prstGeom>
-          <a:noFill/>
-        </p:spPr>
-        <p:txBody>
-          <a:bodyPr wrap="square">
-            <a:spAutoFit/>
-          </a:bodyPr>
-          <a:lstStyle/>
-          <a:p>
-            <a:r>
-              <a:rPr lang="en-US" sz="1800" i="1">
-                <a:effectLst/>
-                <a:latin typeface="Times New Roman" panose="02020603050405020304" pitchFamily="18" charset="0"/>
-                <a:ea typeface="Times New Roman" panose="02020603050405020304" pitchFamily="18" charset="0"/>
-              </a:rPr>
-              <a:t>Biểu diễn mối quan hệ giữa Workingday và Count</a:t>
-            </a:r>
-            <a:endParaRPr lang="en-US" i="1"/>
-          </a:p>
-        </p:txBody>
-      </p:sp>
-    </p:spTree>
-    <p:extLst>
-      <p:ext uri="{BB962C8B-B14F-4D97-AF65-F5344CB8AC3E}">
-        <p14:creationId xmlns:p14="http://schemas.microsoft.com/office/powerpoint/2010/main" val="3726382596"/>
-      </p:ext>
-    </p:extLst>
-  </p:cSld>
-  <p:clrMapOvr>
-    <a:masterClrMapping/>
-  </p:clrMapOvr>
-</p:sld>
-</file>
-
-<file path=ppt/slides/slide28.xml><?xml version="1.0" encoding="utf-8"?>
-<p:sld xmlns:a="http://schemas.openxmlformats.org/drawingml/2006/main" xmlns:r="http://schemas.openxmlformats.org/officeDocument/2006/relationships" xmlns:p="http://schemas.openxmlformats.org/presentationml/2006/main">
-  <p:cSld>
-    <p:spTree>
-      <p:nvGrpSpPr>
-        <p:cNvPr id="1" name=""/>
-        <p:cNvGrpSpPr/>
-        <p:nvPr/>
-      </p:nvGrpSpPr>
-      <p:grpSpPr>
-        <a:xfrm>
-          <a:off x="0" y="0"/>
-          <a:ext cx="0" cy="0"/>
-          <a:chOff x="0" y="0"/>
-          <a:chExt cx="0" cy="0"/>
-        </a:xfrm>
-      </p:grpSpPr>
-      <p:sp>
-        <p:nvSpPr>
-          <p:cNvPr id="2" name="Title 1">
-            <a:extLst>
-              <a:ext uri="{FF2B5EF4-FFF2-40B4-BE49-F238E27FC236}">
-                <a16:creationId xmlns:a16="http://schemas.microsoft.com/office/drawing/2014/main" id="{115FA21C-DF2B-4D99-8A00-2E2693D874F8}"/>
-              </a:ext>
-            </a:extLst>
-          </p:cNvPr>
-          <p:cNvSpPr>
-            <a:spLocks noGrp="1"/>
-          </p:cNvSpPr>
-          <p:nvPr>
-            <p:ph type="title"/>
-          </p:nvPr>
-        </p:nvSpPr>
-        <p:spPr/>
-        <p:txBody>
-          <a:bodyPr/>
-          <a:lstStyle/>
-          <a:p>
-            <a:r>
-              <a:rPr lang="en-US" sz="2800"/>
-              <a:t>3. Phân tích dữ liệu và lựa chọn mô hình</a:t>
-            </a:r>
-            <a:endParaRPr lang="en-US"/>
-          </a:p>
-        </p:txBody>
-      </p:sp>
-      <p:sp>
-        <p:nvSpPr>
-          <p:cNvPr id="4" name="Slide Number Placeholder 3">
-            <a:extLst>
-              <a:ext uri="{FF2B5EF4-FFF2-40B4-BE49-F238E27FC236}">
-                <a16:creationId xmlns:a16="http://schemas.microsoft.com/office/drawing/2014/main" id="{C210C1CD-4938-4839-9C6A-260221D529D1}"/>
-              </a:ext>
-            </a:extLst>
-          </p:cNvPr>
-          <p:cNvSpPr>
-            <a:spLocks noGrp="1"/>
-          </p:cNvSpPr>
-          <p:nvPr>
-            <p:ph type="sldNum" sz="quarter" idx="12"/>
-          </p:nvPr>
-        </p:nvSpPr>
-        <p:spPr/>
-        <p:txBody>
-          <a:bodyPr/>
-          <a:lstStyle/>
-          <a:p>
-            <a:fld id="{0F4F63AB-74FF-4D4D-9C96-7E67E70BF8FF}" type="slidenum">
-              <a:rPr lang="en-US" altLang="en-US" smtClean="0"/>
-              <a:pPr/>
-              <a:t>27</a:t>
-            </a:fld>
-            <a:endParaRPr lang="en-US" altLang="en-US"/>
-          </a:p>
-        </p:txBody>
-      </p:sp>
-      <p:pic>
-        <p:nvPicPr>
-          <p:cNvPr id="7" name="Picture 6" descr="A graph showing different weather conditions&#10;&#10;Description automatically generated">
-            <a:extLst>
-              <a:ext uri="{FF2B5EF4-FFF2-40B4-BE49-F238E27FC236}">
-                <a16:creationId xmlns:a16="http://schemas.microsoft.com/office/drawing/2014/main" id="{081BC25A-9445-448B-80A7-2C79A9675E14}"/>
-              </a:ext>
-            </a:extLst>
-          </p:cNvPr>
-          <p:cNvPicPr/>
-          <p:nvPr/>
-        </p:nvPicPr>
-        <p:blipFill>
-          <a:blip r:embed="rId2">
-            <a:extLst>
-              <a:ext uri="{28A0092B-C50C-407E-A947-70E740481C1C}">
-                <a14:useLocalDpi xmlns:a14="http://schemas.microsoft.com/office/drawing/2010/main" val="0"/>
-              </a:ext>
-            </a:extLst>
-          </a:blip>
-          <a:stretch>
-            <a:fillRect/>
-          </a:stretch>
-        </p:blipFill>
-        <p:spPr>
-          <a:xfrm>
-            <a:off x="986155" y="1905000"/>
-            <a:ext cx="7171690" cy="3685223"/>
-          </a:xfrm>
-          <a:prstGeom prst="rect">
-            <a:avLst/>
-          </a:prstGeom>
-        </p:spPr>
-      </p:pic>
-      <p:sp>
-        <p:nvSpPr>
-          <p:cNvPr id="9" name="TextBox 8">
-            <a:extLst>
-              <a:ext uri="{FF2B5EF4-FFF2-40B4-BE49-F238E27FC236}">
-                <a16:creationId xmlns:a16="http://schemas.microsoft.com/office/drawing/2014/main" id="{8B6E3C23-D46D-4E1A-904A-92FBC0384380}"/>
-              </a:ext>
-            </a:extLst>
-          </p:cNvPr>
-          <p:cNvSpPr txBox="1"/>
-          <p:nvPr/>
-        </p:nvSpPr>
-        <p:spPr>
-          <a:xfrm>
-            <a:off x="2466976" y="5856843"/>
-            <a:ext cx="4572000" cy="369332"/>
-          </a:xfrm>
-          <a:prstGeom prst="rect">
-            <a:avLst/>
-          </a:prstGeom>
-          <a:noFill/>
-        </p:spPr>
-        <p:txBody>
-          <a:bodyPr wrap="square">
-            <a:spAutoFit/>
-          </a:bodyPr>
-          <a:lstStyle/>
-          <a:p>
-            <a:pPr>
-              <a:spcAft>
-                <a:spcPts val="1000"/>
-              </a:spcAft>
-            </a:pPr>
-            <a:r>
-              <a:rPr lang="en-US" sz="1800" i="1">
-                <a:effectLst/>
-                <a:latin typeface="Times New Roman" panose="02020603050405020304" pitchFamily="18" charset="0"/>
-                <a:ea typeface="Times New Roman" panose="02020603050405020304" pitchFamily="18" charset="0"/>
-              </a:rPr>
-              <a:t>Biểu diễn mối quan hệ giữa Weather và Count</a:t>
-            </a:r>
-            <a:endParaRPr lang="en-US" sz="1050" i="1">
-              <a:effectLst/>
-              <a:latin typeface="Times New Roman" panose="02020603050405020304" pitchFamily="18" charset="0"/>
-              <a:ea typeface="Times New Roman" panose="02020603050405020304" pitchFamily="18" charset="0"/>
-            </a:endParaRPr>
-          </a:p>
-        </p:txBody>
-      </p:sp>
-    </p:spTree>
-    <p:extLst>
-      <p:ext uri="{BB962C8B-B14F-4D97-AF65-F5344CB8AC3E}">
-        <p14:creationId xmlns:p14="http://schemas.microsoft.com/office/powerpoint/2010/main" val="2703328744"/>
-      </p:ext>
-    </p:extLst>
-  </p:cSld>
-  <p:clrMapOvr>
-    <a:masterClrMapping/>
-  </p:clrMapOvr>
-</p:sld>
-</file>
-
-<file path=ppt/slides/slide29.xml><?xml version="1.0" encoding="utf-8"?>
-<p:sld xmlns:a="http://schemas.openxmlformats.org/drawingml/2006/main" xmlns:r="http://schemas.openxmlformats.org/officeDocument/2006/relationships" xmlns:p="http://schemas.openxmlformats.org/presentationml/2006/main">
-  <p:cSld>
-    <p:spTree>
-      <p:nvGrpSpPr>
-        <p:cNvPr id="1" name=""/>
-        <p:cNvGrpSpPr/>
-        <p:nvPr/>
-      </p:nvGrpSpPr>
-      <p:grpSpPr>
-        <a:xfrm>
-          <a:off x="0" y="0"/>
-          <a:ext cx="0" cy="0"/>
-          <a:chOff x="0" y="0"/>
-          <a:chExt cx="0" cy="0"/>
-        </a:xfrm>
-      </p:grpSpPr>
-      <p:sp>
-        <p:nvSpPr>
-          <p:cNvPr id="2" name="Title 1">
-            <a:extLst>
-              <a:ext uri="{FF2B5EF4-FFF2-40B4-BE49-F238E27FC236}">
-                <a16:creationId xmlns:a16="http://schemas.microsoft.com/office/drawing/2014/main" id="{A4854017-B77C-4952-934A-FB1C45C6F749}"/>
-              </a:ext>
-            </a:extLst>
-          </p:cNvPr>
-          <p:cNvSpPr>
-            <a:spLocks noGrp="1"/>
-          </p:cNvSpPr>
-          <p:nvPr>
-            <p:ph type="title"/>
-          </p:nvPr>
-        </p:nvSpPr>
-        <p:spPr/>
-        <p:txBody>
-          <a:bodyPr/>
-          <a:lstStyle/>
-          <a:p>
-            <a:r>
-              <a:rPr lang="en-US" sz="2800"/>
-              <a:t>3. Phân tích dữ liệu và lựa chọn mô hình</a:t>
-            </a:r>
-            <a:endParaRPr lang="en-US"/>
-          </a:p>
-        </p:txBody>
-      </p:sp>
-      <p:sp>
-        <p:nvSpPr>
-          <p:cNvPr id="4" name="Slide Number Placeholder 3">
-            <a:extLst>
-              <a:ext uri="{FF2B5EF4-FFF2-40B4-BE49-F238E27FC236}">
-                <a16:creationId xmlns:a16="http://schemas.microsoft.com/office/drawing/2014/main" id="{80B9ECDD-A8A4-4BF7-8903-574FC45E5837}"/>
-              </a:ext>
-            </a:extLst>
-          </p:cNvPr>
-          <p:cNvSpPr>
-            <a:spLocks noGrp="1"/>
-          </p:cNvSpPr>
-          <p:nvPr>
-            <p:ph type="sldNum" sz="quarter" idx="12"/>
-          </p:nvPr>
-        </p:nvSpPr>
-        <p:spPr/>
-        <p:txBody>
-          <a:bodyPr/>
-          <a:lstStyle/>
-          <a:p>
-            <a:fld id="{0F4F63AB-74FF-4D4D-9C96-7E67E70BF8FF}" type="slidenum">
-              <a:rPr lang="en-US" altLang="en-US" smtClean="0"/>
-              <a:pPr/>
-              <a:t>28</a:t>
-            </a:fld>
-            <a:endParaRPr lang="en-US" altLang="en-US"/>
-          </a:p>
-        </p:txBody>
-      </p:sp>
-      <p:pic>
-        <p:nvPicPr>
-          <p:cNvPr id="5" name="Picture 4" descr="A graph showing a graph of a temperature&#10;&#10;Description automatically generated with medium confidence">
-            <a:extLst>
-              <a:ext uri="{FF2B5EF4-FFF2-40B4-BE49-F238E27FC236}">
-                <a16:creationId xmlns:a16="http://schemas.microsoft.com/office/drawing/2014/main" id="{A07F87DB-3195-471C-AE09-A11504E0CF5C}"/>
-              </a:ext>
-            </a:extLst>
-          </p:cNvPr>
-          <p:cNvPicPr/>
-          <p:nvPr/>
-        </p:nvPicPr>
-        <p:blipFill>
-          <a:blip r:embed="rId2">
-            <a:extLst>
-              <a:ext uri="{28A0092B-C50C-407E-A947-70E740481C1C}">
-                <a14:useLocalDpi xmlns:a14="http://schemas.microsoft.com/office/drawing/2010/main" val="0"/>
-              </a:ext>
-            </a:extLst>
-          </a:blip>
-          <a:stretch>
-            <a:fillRect/>
-          </a:stretch>
-        </p:blipFill>
-        <p:spPr>
-          <a:xfrm>
-            <a:off x="1176655" y="1752600"/>
-            <a:ext cx="6790690" cy="4113213"/>
-          </a:xfrm>
-          <a:prstGeom prst="rect">
-            <a:avLst/>
-          </a:prstGeom>
-        </p:spPr>
-      </p:pic>
-      <p:sp>
-        <p:nvSpPr>
-          <p:cNvPr id="7" name="TextBox 6">
-            <a:extLst>
-              <a:ext uri="{FF2B5EF4-FFF2-40B4-BE49-F238E27FC236}">
-                <a16:creationId xmlns:a16="http://schemas.microsoft.com/office/drawing/2014/main" id="{B8D66D53-9869-47B1-B31F-EB3556B365BC}"/>
-              </a:ext>
-            </a:extLst>
-          </p:cNvPr>
-          <p:cNvSpPr txBox="1"/>
-          <p:nvPr/>
-        </p:nvSpPr>
-        <p:spPr>
-          <a:xfrm>
-            <a:off x="2286000" y="6021943"/>
-            <a:ext cx="4572000" cy="369332"/>
-          </a:xfrm>
-          <a:prstGeom prst="rect">
-            <a:avLst/>
-          </a:prstGeom>
-          <a:noFill/>
-        </p:spPr>
-        <p:txBody>
-          <a:bodyPr wrap="square">
-            <a:spAutoFit/>
-          </a:bodyPr>
-          <a:lstStyle/>
-          <a:p>
-            <a:pPr algn="ctr">
-              <a:spcAft>
-                <a:spcPts val="1000"/>
-              </a:spcAft>
-            </a:pPr>
-            <a:r>
-              <a:rPr lang="en-US" sz="1800" i="1">
-                <a:effectLst/>
-                <a:latin typeface="Times New Roman" panose="02020603050405020304" pitchFamily="18" charset="0"/>
-                <a:ea typeface="Times New Roman" panose="02020603050405020304" pitchFamily="18" charset="0"/>
-              </a:rPr>
-              <a:t>Biểu diễn mối quan hệ giữa Temp và Count</a:t>
-            </a:r>
-            <a:endParaRPr lang="en-US" sz="1050" i="1">
-              <a:effectLst/>
-              <a:latin typeface="Times New Roman" panose="02020603050405020304" pitchFamily="18" charset="0"/>
-              <a:ea typeface="Times New Roman" panose="02020603050405020304" pitchFamily="18" charset="0"/>
-            </a:endParaRPr>
-          </a:p>
-        </p:txBody>
-      </p:sp>
-    </p:spTree>
-    <p:extLst>
-      <p:ext uri="{BB962C8B-B14F-4D97-AF65-F5344CB8AC3E}">
-        <p14:creationId xmlns:p14="http://schemas.microsoft.com/office/powerpoint/2010/main" val="3424248029"/>
-      </p:ext>
-    </p:extLst>
-  </p:cSld>
-  <p:clrMapOvr>
-    <a:masterClrMapping/>
-  </p:clrMapOvr>
-</p:sld>
-</file>
-
-<file path=ppt/slides/slide3.xml><?xml version="1.0" encoding="utf-8"?>
-<p:sld xmlns:a="http://schemas.openxmlformats.org/drawingml/2006/main" xmlns:r="http://schemas.openxmlformats.org/officeDocument/2006/relationships" xmlns:p="http://schemas.openxmlformats.org/presentationml/2006/main">
-  <p:cSld>
-    <p:spTree>
-      <p:nvGrpSpPr>
-        <p:cNvPr id="1" name=""/>
-        <p:cNvGrpSpPr/>
-        <p:nvPr/>
-      </p:nvGrpSpPr>
-      <p:grpSpPr>
-        <a:xfrm>
-          <a:off x="0" y="0"/>
-          <a:ext cx="0" cy="0"/>
-          <a:chOff x="0" y="0"/>
-          <a:chExt cx="0" cy="0"/>
-        </a:xfrm>
-      </p:grpSpPr>
-      <p:sp>
-        <p:nvSpPr>
-          <p:cNvPr id="2" name="Title 1">
-            <a:extLst>
-              <a:ext uri="{FF2B5EF4-FFF2-40B4-BE49-F238E27FC236}">
-                <a16:creationId xmlns:a16="http://schemas.microsoft.com/office/drawing/2014/main" id="{A36703C1-9DE4-4786-B616-A0DC88666D99}"/>
-              </a:ext>
-            </a:extLst>
-          </p:cNvPr>
-          <p:cNvSpPr>
-            <a:spLocks noGrp="1"/>
-          </p:cNvSpPr>
-          <p:nvPr>
-            <p:ph type="title"/>
-          </p:nvPr>
-        </p:nvSpPr>
-        <p:spPr/>
-        <p:txBody>
-          <a:bodyPr/>
-          <a:lstStyle/>
-          <a:p>
-            <a:r>
-              <a:rPr lang="en-US" sz="3000"/>
-              <a:t>1. Mô tả dữ liệu</a:t>
-            </a:r>
-          </a:p>
-        </p:txBody>
-      </p:sp>
-      <p:sp>
-        <p:nvSpPr>
-          <p:cNvPr id="4" name="Content Placeholder 3">
-            <a:extLst>
-              <a:ext uri="{FF2B5EF4-FFF2-40B4-BE49-F238E27FC236}">
-                <a16:creationId xmlns:a16="http://schemas.microsoft.com/office/drawing/2014/main" id="{38D2AFEC-857E-A32B-8A50-7968DA552A05}"/>
-              </a:ext>
-            </a:extLst>
-          </p:cNvPr>
-          <p:cNvSpPr>
-            <a:spLocks noGrp="1"/>
-          </p:cNvSpPr>
-          <p:nvPr>
-            <p:ph idx="1"/>
-          </p:nvPr>
-        </p:nvSpPr>
-        <p:spPr>
-          <a:xfrm>
-            <a:off x="495300" y="1703387"/>
-            <a:ext cx="8153400" cy="4392613"/>
-          </a:xfrm>
-        </p:spPr>
-        <p:txBody>
-          <a:bodyPr/>
-          <a:lstStyle/>
-          <a:p>
-            <a:pPr marL="0" indent="0">
-              <a:buNone/>
-            </a:pPr>
-            <a:r>
-              <a:rPr lang="en-US"/>
-              <a:t>Tập dữ liệu Bike Sharing Demand được thu thập từ Kaggle, tập dữ liệu Bike Sharing Demand là một trong những cuộc thi của Kaggle diễn ra vào năm 2015 với câu hỏi được đặt ra là: Dựa vào data của một hãng cung cấp cho thuê xe đạp ở Washington D.C, người tham gia cần phải dự báo được số lượng xe đạp sẽ được thuê.</a:t>
-            </a:r>
-          </a:p>
-          <a:p>
-            <a:pPr marL="0" indent="0" algn="just">
-              <a:lnSpc>
-                <a:spcPct val="150000"/>
-              </a:lnSpc>
-              <a:buNone/>
-            </a:pPr>
-            <a:endParaRPr lang="en-US" sz="2000">
-              <a:solidFill>
-                <a:schemeClr val="accent6"/>
-              </a:solidFill>
-            </a:endParaRPr>
-          </a:p>
-          <a:p>
-            <a:pPr lvl="1">
-              <a:lnSpc>
-                <a:spcPct val="150000"/>
-              </a:lnSpc>
-              <a:buClr>
-                <a:schemeClr val="accent2"/>
-              </a:buClr>
-              <a:buFont typeface="Times New Roman" panose="02020603050405020304" pitchFamily="18" charset="0"/>
-              <a:buChar char="⁺"/>
-            </a:pPr>
-            <a:endParaRPr lang="en-US" sz="1800">
-              <a:solidFill>
-                <a:schemeClr val="accent6"/>
-              </a:solidFill>
-            </a:endParaRPr>
-          </a:p>
-          <a:p>
-            <a:pPr lvl="1">
-              <a:lnSpc>
-                <a:spcPct val="150000"/>
-              </a:lnSpc>
-              <a:buFont typeface="Times New Roman" panose="02020603050405020304" pitchFamily="18" charset="0"/>
-              <a:buChar char="⁺"/>
-            </a:pPr>
-            <a:endParaRPr lang="en-US" sz="1800">
-              <a:solidFill>
-                <a:schemeClr val="accent6"/>
-              </a:solidFill>
-            </a:endParaRPr>
-          </a:p>
-          <a:p>
-            <a:pPr marL="0" indent="0" algn="just">
-              <a:lnSpc>
-                <a:spcPct val="150000"/>
-              </a:lnSpc>
-              <a:buNone/>
-            </a:pPr>
-            <a:endParaRPr lang="en-US" sz="2000">
-              <a:solidFill>
-                <a:schemeClr val="accent6"/>
-              </a:solidFill>
-            </a:endParaRPr>
-          </a:p>
-          <a:p>
-            <a:pPr marL="0" indent="0" algn="just">
-              <a:lnSpc>
-                <a:spcPct val="150000"/>
-              </a:lnSpc>
-              <a:buNone/>
-            </a:pPr>
-            <a:endParaRPr lang="vi-VN" sz="2000">
-              <a:solidFill>
-                <a:schemeClr val="accent6"/>
-              </a:solidFill>
-            </a:endParaRPr>
-          </a:p>
-        </p:txBody>
-      </p:sp>
-      <p:sp>
-        <p:nvSpPr>
-          <p:cNvPr id="6" name="Slide Number Placeholder 5">
-            <a:extLst>
-              <a:ext uri="{FF2B5EF4-FFF2-40B4-BE49-F238E27FC236}">
-                <a16:creationId xmlns:a16="http://schemas.microsoft.com/office/drawing/2014/main" id="{7C7BE2CA-1B58-A2EB-AAEB-DE4BE6164F09}"/>
-              </a:ext>
-            </a:extLst>
-          </p:cNvPr>
-          <p:cNvSpPr>
-            <a:spLocks noGrp="1"/>
-          </p:cNvSpPr>
-          <p:nvPr>
-            <p:ph type="sldNum" sz="quarter" idx="12"/>
-          </p:nvPr>
-        </p:nvSpPr>
-        <p:spPr/>
-        <p:txBody>
-          <a:bodyPr/>
-          <a:lstStyle/>
-          <a:p>
-            <a:fld id="{0F4F63AB-74FF-4D4D-9C96-7E67E70BF8FF}" type="slidenum">
-              <a:rPr lang="en-US" altLang="en-US" smtClean="0"/>
-              <a:pPr/>
-              <a:t>2</a:t>
-            </a:fld>
-            <a:endParaRPr lang="en-US" altLang="en-US"/>
-          </a:p>
-        </p:txBody>
-      </p:sp>
-    </p:spTree>
-    <p:extLst>
-      <p:ext uri="{BB962C8B-B14F-4D97-AF65-F5344CB8AC3E}">
-        <p14:creationId xmlns:p14="http://schemas.microsoft.com/office/powerpoint/2010/main" val="1206856777"/>
-      </p:ext>
-    </p:extLst>
-  </p:cSld>
-  <p:clrMapOvr>
-    <a:masterClrMapping/>
-  </p:clrMapOvr>
-  <p:timing>
-    <p:tnLst>
-      <p:par>
-        <p:cTn id="1" dur="indefinite" restart="never" nodeType="tmRoot">
-          <p:childTnLst>
-            <p:seq concurrent="1" nextAc="seek">
-              <p:cTn id="2" dur="indefinite" nodeType="mainSeq">
-                <p:childTnLst>
-                  <p:par>
-                    <p:cTn id="3" fill="hold">
-                      <p:stCondLst>
-                        <p:cond delay="indefinite"/>
-                      </p:stCondLst>
-                      <p:childTnLst>
-                        <p:par>
-                          <p:cTn id="4" fill="hold">
-                            <p:stCondLst>
-                              <p:cond delay="0"/>
-                            </p:stCondLst>
-                            <p:childTnLst>
-                              <p:par>
-                                <p:cTn id="5" presetID="22" presetClass="entr" presetSubtype="4" fill="hold" nodeType="clickEffect">
-                                  <p:stCondLst>
-                                    <p:cond delay="0"/>
-                                  </p:stCondLst>
-                                  <p:childTnLst>
-                                    <p:set>
-                                      <p:cBhvr>
-                                        <p:cTn id="6" dur="1" fill="hold">
-                                          <p:stCondLst>
-                                            <p:cond delay="0"/>
-                                          </p:stCondLst>
-                                        </p:cTn>
-                                        <p:tgtEl>
-                                          <p:spTgt spid="4">
-                                            <p:txEl>
-                                              <p:pRg st="0" end="0"/>
-                                            </p:txEl>
-                                          </p:spTgt>
-                                        </p:tgtEl>
-                                        <p:attrNameLst>
-                                          <p:attrName>style.visibility</p:attrName>
-                                        </p:attrNameLst>
-                                      </p:cBhvr>
-                                      <p:to>
-                                        <p:strVal val="visible"/>
-                                      </p:to>
-                                    </p:set>
-                                    <p:animEffect transition="in" filter="wipe(down)">
-                                      <p:cBhvr>
-                                        <p:cTn id="7" dur="500"/>
-                                        <p:tgtEl>
-                                          <p:spTgt spid="4">
-                                            <p:txEl>
-                                              <p:pRg st="0" end="0"/>
-                                            </p:txEl>
-                                          </p:spTgt>
-                                        </p:tgtEl>
-                                      </p:cBhvr>
-                                    </p:animEffect>
-                                  </p:childTnLst>
-                                </p:cTn>
-                              </p:par>
-                            </p:childTnLst>
-                          </p:cTn>
-                        </p:par>
-                      </p:childTnLst>
-                    </p:cTn>
-                  </p:par>
-                </p:childTnLst>
-              </p:cTn>
-              <p:prevCondLst>
-                <p:cond evt="onPrev" delay="0">
-                  <p:tgtEl>
-                    <p:sldTgt/>
-                  </p:tgtEl>
-                </p:cond>
-              </p:prevCondLst>
-              <p:nextCondLst>
-                <p:cond evt="onNext" delay="0">
-                  <p:tgtEl>
-                    <p:sldTgt/>
-                  </p:tgtEl>
-                </p:cond>
-              </p:nextCondLst>
-            </p:seq>
-          </p:childTnLst>
-        </p:cTn>
-      </p:par>
-    </p:tnLst>
-  </p:timing>
-</p:sld>
-</file>
-
-<file path=ppt/slides/slide30.xml><?xml version="1.0" encoding="utf-8"?>
-<p:sld xmlns:a="http://schemas.openxmlformats.org/drawingml/2006/main" xmlns:r="http://schemas.openxmlformats.org/officeDocument/2006/relationships" xmlns:p="http://schemas.openxmlformats.org/presentationml/2006/main">
-  <p:cSld>
-    <p:spTree>
-      <p:nvGrpSpPr>
-        <p:cNvPr id="1" name=""/>
-        <p:cNvGrpSpPr/>
-        <p:nvPr/>
-      </p:nvGrpSpPr>
-      <p:grpSpPr>
-        <a:xfrm>
-          <a:off x="0" y="0"/>
-          <a:ext cx="0" cy="0"/>
-          <a:chOff x="0" y="0"/>
-          <a:chExt cx="0" cy="0"/>
-        </a:xfrm>
-      </p:grpSpPr>
-      <p:sp>
-        <p:nvSpPr>
-          <p:cNvPr id="2" name="Title 1">
-            <a:extLst>
-              <a:ext uri="{FF2B5EF4-FFF2-40B4-BE49-F238E27FC236}">
-                <a16:creationId xmlns:a16="http://schemas.microsoft.com/office/drawing/2014/main" id="{8682CABA-5D75-4437-88DA-455F3B14AD30}"/>
-              </a:ext>
-            </a:extLst>
-          </p:cNvPr>
-          <p:cNvSpPr>
-            <a:spLocks noGrp="1"/>
-          </p:cNvSpPr>
-          <p:nvPr>
-            <p:ph type="title"/>
-          </p:nvPr>
-        </p:nvSpPr>
-        <p:spPr/>
-        <p:txBody>
-          <a:bodyPr/>
-          <a:lstStyle/>
-          <a:p>
-            <a:r>
-              <a:rPr lang="en-US" sz="2800"/>
-              <a:t>3. Phân tích dữ liệu và lựa chọn mô hình</a:t>
-            </a:r>
-            <a:endParaRPr lang="en-US"/>
-          </a:p>
-        </p:txBody>
-      </p:sp>
-      <p:sp>
-        <p:nvSpPr>
-          <p:cNvPr id="4" name="Slide Number Placeholder 3">
-            <a:extLst>
-              <a:ext uri="{FF2B5EF4-FFF2-40B4-BE49-F238E27FC236}">
-                <a16:creationId xmlns:a16="http://schemas.microsoft.com/office/drawing/2014/main" id="{81A8D409-9B90-49AF-A4AD-533F08128902}"/>
-              </a:ext>
-            </a:extLst>
-          </p:cNvPr>
-          <p:cNvSpPr>
-            <a:spLocks noGrp="1"/>
-          </p:cNvSpPr>
-          <p:nvPr>
-            <p:ph type="sldNum" sz="quarter" idx="12"/>
-          </p:nvPr>
-        </p:nvSpPr>
-        <p:spPr/>
-        <p:txBody>
-          <a:bodyPr/>
-          <a:lstStyle/>
-          <a:p>
-            <a:fld id="{0F4F63AB-74FF-4D4D-9C96-7E67E70BF8FF}" type="slidenum">
-              <a:rPr lang="en-US" altLang="en-US" smtClean="0"/>
-              <a:pPr/>
-              <a:t>29</a:t>
-            </a:fld>
-            <a:endParaRPr lang="en-US" altLang="en-US"/>
-          </a:p>
-        </p:txBody>
-      </p:sp>
-      <p:pic>
-        <p:nvPicPr>
-          <p:cNvPr id="5" name="Picture 4" descr="A graph showing a number of blue dots&#10;&#10;Description automatically generated">
-            <a:extLst>
-              <a:ext uri="{FF2B5EF4-FFF2-40B4-BE49-F238E27FC236}">
-                <a16:creationId xmlns:a16="http://schemas.microsoft.com/office/drawing/2014/main" id="{DB735165-1F15-41C4-9DA0-17D8BE77E4B0}"/>
-              </a:ext>
-            </a:extLst>
-          </p:cNvPr>
-          <p:cNvPicPr/>
-          <p:nvPr/>
-        </p:nvPicPr>
-        <p:blipFill>
-          <a:blip r:embed="rId2">
-            <a:extLst>
-              <a:ext uri="{28A0092B-C50C-407E-A947-70E740481C1C}">
-                <a14:useLocalDpi xmlns:a14="http://schemas.microsoft.com/office/drawing/2010/main" val="0"/>
-              </a:ext>
-            </a:extLst>
-          </a:blip>
-          <a:stretch>
-            <a:fillRect/>
-          </a:stretch>
-        </p:blipFill>
-        <p:spPr>
-          <a:xfrm>
-            <a:off x="1176655" y="1981200"/>
-            <a:ext cx="6790690" cy="3825558"/>
-          </a:xfrm>
-          <a:prstGeom prst="rect">
-            <a:avLst/>
-          </a:prstGeom>
-        </p:spPr>
-      </p:pic>
-      <p:sp>
-        <p:nvSpPr>
-          <p:cNvPr id="7" name="TextBox 6">
-            <a:extLst>
-              <a:ext uri="{FF2B5EF4-FFF2-40B4-BE49-F238E27FC236}">
-                <a16:creationId xmlns:a16="http://schemas.microsoft.com/office/drawing/2014/main" id="{11F25FF3-2167-4658-9C61-A653C7EABC4D}"/>
-              </a:ext>
-            </a:extLst>
-          </p:cNvPr>
-          <p:cNvSpPr txBox="1"/>
-          <p:nvPr/>
-        </p:nvSpPr>
-        <p:spPr>
-          <a:xfrm>
-            <a:off x="2428876" y="5943600"/>
-            <a:ext cx="4572000" cy="369332"/>
-          </a:xfrm>
-          <a:prstGeom prst="rect">
-            <a:avLst/>
-          </a:prstGeom>
-          <a:noFill/>
-        </p:spPr>
-        <p:txBody>
-          <a:bodyPr wrap="square">
-            <a:spAutoFit/>
-          </a:bodyPr>
-          <a:lstStyle/>
-          <a:p>
-            <a:pPr algn="ctr">
-              <a:spcAft>
-                <a:spcPts val="1000"/>
-              </a:spcAft>
-            </a:pPr>
-            <a:r>
-              <a:rPr lang="en-US" sz="1800" i="1">
-                <a:effectLst/>
-                <a:latin typeface="Times New Roman" panose="02020603050405020304" pitchFamily="18" charset="0"/>
-                <a:ea typeface="Times New Roman" panose="02020603050405020304" pitchFamily="18" charset="0"/>
-              </a:rPr>
-              <a:t>Biểu diễn mối quan hệ giữa Atemp và Count</a:t>
-            </a:r>
-            <a:endParaRPr lang="en-US" sz="1050" i="1">
-              <a:effectLst/>
-              <a:latin typeface="Times New Roman" panose="02020603050405020304" pitchFamily="18" charset="0"/>
-              <a:ea typeface="Times New Roman" panose="02020603050405020304" pitchFamily="18" charset="0"/>
-            </a:endParaRPr>
-          </a:p>
-        </p:txBody>
-      </p:sp>
-    </p:spTree>
-    <p:extLst>
-      <p:ext uri="{BB962C8B-B14F-4D97-AF65-F5344CB8AC3E}">
-        <p14:creationId xmlns:p14="http://schemas.microsoft.com/office/powerpoint/2010/main" val="3143926050"/>
-      </p:ext>
-    </p:extLst>
-  </p:cSld>
-  <p:clrMapOvr>
-    <a:masterClrMapping/>
-  </p:clrMapOvr>
-</p:sld>
-</file>
-
-<file path=ppt/slides/slide31.xml><?xml version="1.0" encoding="utf-8"?>
-<p:sld xmlns:a="http://schemas.openxmlformats.org/drawingml/2006/main" xmlns:r="http://schemas.openxmlformats.org/officeDocument/2006/relationships" xmlns:p="http://schemas.openxmlformats.org/presentationml/2006/main">
-  <p:cSld>
-    <p:spTree>
-      <p:nvGrpSpPr>
-        <p:cNvPr id="1" name=""/>
-        <p:cNvGrpSpPr/>
-        <p:nvPr/>
-      </p:nvGrpSpPr>
-      <p:grpSpPr>
-        <a:xfrm>
-          <a:off x="0" y="0"/>
-          <a:ext cx="0" cy="0"/>
-          <a:chOff x="0" y="0"/>
-          <a:chExt cx="0" cy="0"/>
-        </a:xfrm>
-      </p:grpSpPr>
-      <p:sp>
-        <p:nvSpPr>
-          <p:cNvPr id="2" name="Title 1">
-            <a:extLst>
-              <a:ext uri="{FF2B5EF4-FFF2-40B4-BE49-F238E27FC236}">
-                <a16:creationId xmlns:a16="http://schemas.microsoft.com/office/drawing/2014/main" id="{05809033-8316-439C-BE11-9A1896E1C86C}"/>
-              </a:ext>
-            </a:extLst>
-          </p:cNvPr>
-          <p:cNvSpPr>
-            <a:spLocks noGrp="1"/>
-          </p:cNvSpPr>
-          <p:nvPr>
-            <p:ph type="title"/>
-          </p:nvPr>
-        </p:nvSpPr>
-        <p:spPr/>
-        <p:txBody>
-          <a:bodyPr/>
-          <a:lstStyle/>
-          <a:p>
-            <a:r>
-              <a:rPr lang="en-US" sz="2800"/>
-              <a:t>3. Phân tích dữ liệu và lựa chọn mô hình</a:t>
-            </a:r>
-            <a:endParaRPr lang="en-US"/>
-          </a:p>
-        </p:txBody>
-      </p:sp>
-      <p:sp>
-        <p:nvSpPr>
-          <p:cNvPr id="4" name="Slide Number Placeholder 3">
-            <a:extLst>
-              <a:ext uri="{FF2B5EF4-FFF2-40B4-BE49-F238E27FC236}">
-                <a16:creationId xmlns:a16="http://schemas.microsoft.com/office/drawing/2014/main" id="{0558C3DB-5691-44F8-B7DE-25381DB95706}"/>
-              </a:ext>
-            </a:extLst>
-          </p:cNvPr>
-          <p:cNvSpPr>
-            <a:spLocks noGrp="1"/>
-          </p:cNvSpPr>
-          <p:nvPr>
-            <p:ph type="sldNum" sz="quarter" idx="12"/>
-          </p:nvPr>
-        </p:nvSpPr>
-        <p:spPr/>
-        <p:txBody>
-          <a:bodyPr/>
-          <a:lstStyle/>
-          <a:p>
-            <a:fld id="{0F4F63AB-74FF-4D4D-9C96-7E67E70BF8FF}" type="slidenum">
-              <a:rPr lang="en-US" altLang="en-US" smtClean="0"/>
-              <a:pPr/>
-              <a:t>30</a:t>
-            </a:fld>
-            <a:endParaRPr lang="en-US" altLang="en-US"/>
-          </a:p>
-        </p:txBody>
-      </p:sp>
-      <p:pic>
-        <p:nvPicPr>
-          <p:cNvPr id="5" name="Picture 4" descr="A graph showing the amount of humidity&#10;&#10;Description automatically generated">
-            <a:extLst>
-              <a:ext uri="{FF2B5EF4-FFF2-40B4-BE49-F238E27FC236}">
-                <a16:creationId xmlns:a16="http://schemas.microsoft.com/office/drawing/2014/main" id="{4A18B3EB-E7DF-4622-920C-652177E59747}"/>
-              </a:ext>
-            </a:extLst>
-          </p:cNvPr>
-          <p:cNvPicPr/>
-          <p:nvPr/>
-        </p:nvPicPr>
-        <p:blipFill>
-          <a:blip r:embed="rId2">
-            <a:extLst>
-              <a:ext uri="{28A0092B-C50C-407E-A947-70E740481C1C}">
-                <a14:useLocalDpi xmlns:a14="http://schemas.microsoft.com/office/drawing/2010/main" val="0"/>
-              </a:ext>
-            </a:extLst>
-          </a:blip>
-          <a:stretch>
-            <a:fillRect/>
-          </a:stretch>
-        </p:blipFill>
-        <p:spPr>
-          <a:xfrm>
-            <a:off x="1066800" y="1782247"/>
-            <a:ext cx="7086600" cy="4114800"/>
-          </a:xfrm>
-          <a:prstGeom prst="rect">
-            <a:avLst/>
-          </a:prstGeom>
-        </p:spPr>
-      </p:pic>
-      <p:sp>
-        <p:nvSpPr>
-          <p:cNvPr id="7" name="TextBox 6">
-            <a:extLst>
-              <a:ext uri="{FF2B5EF4-FFF2-40B4-BE49-F238E27FC236}">
-                <a16:creationId xmlns:a16="http://schemas.microsoft.com/office/drawing/2014/main" id="{6A1258C9-7188-43F5-8B3F-7E29311397EC}"/>
-              </a:ext>
-            </a:extLst>
-          </p:cNvPr>
-          <p:cNvSpPr txBox="1"/>
-          <p:nvPr/>
-        </p:nvSpPr>
-        <p:spPr>
-          <a:xfrm>
-            <a:off x="2438401" y="6041509"/>
-            <a:ext cx="4572000" cy="369332"/>
-          </a:xfrm>
-          <a:prstGeom prst="rect">
-            <a:avLst/>
-          </a:prstGeom>
-          <a:noFill/>
-        </p:spPr>
-        <p:txBody>
-          <a:bodyPr wrap="square">
-            <a:spAutoFit/>
-          </a:bodyPr>
-          <a:lstStyle/>
-          <a:p>
-            <a:pPr algn="ctr">
-              <a:spcAft>
-                <a:spcPts val="1000"/>
-              </a:spcAft>
-            </a:pPr>
-            <a:r>
-              <a:rPr lang="en-US" sz="1800" i="1">
-                <a:effectLst/>
-                <a:latin typeface="Times New Roman" panose="02020603050405020304" pitchFamily="18" charset="0"/>
-                <a:ea typeface="Times New Roman" panose="02020603050405020304" pitchFamily="18" charset="0"/>
-              </a:rPr>
-              <a:t>Biểu diễn mối quan hệ giữa Humidily và Count</a:t>
-            </a:r>
-            <a:endParaRPr lang="en-US" sz="1050" i="1">
-              <a:effectLst/>
-              <a:latin typeface="Times New Roman" panose="02020603050405020304" pitchFamily="18" charset="0"/>
-              <a:ea typeface="Times New Roman" panose="02020603050405020304" pitchFamily="18" charset="0"/>
-            </a:endParaRPr>
-          </a:p>
-        </p:txBody>
-      </p:sp>
-    </p:spTree>
-    <p:extLst>
-      <p:ext uri="{BB962C8B-B14F-4D97-AF65-F5344CB8AC3E}">
-        <p14:creationId xmlns:p14="http://schemas.microsoft.com/office/powerpoint/2010/main" val="2313653747"/>
-      </p:ext>
-    </p:extLst>
-  </p:cSld>
-  <p:clrMapOvr>
-    <a:masterClrMapping/>
-  </p:clrMapOvr>
-</p:sld>
-</file>
-
-<file path=ppt/slides/slide32.xml><?xml version="1.0" encoding="utf-8"?>
-<p:sld xmlns:a="http://schemas.openxmlformats.org/drawingml/2006/main" xmlns:r="http://schemas.openxmlformats.org/officeDocument/2006/relationships" xmlns:p="http://schemas.openxmlformats.org/presentationml/2006/main">
-  <p:cSld>
-    <p:spTree>
-      <p:nvGrpSpPr>
-        <p:cNvPr id="1" name=""/>
-        <p:cNvGrpSpPr/>
-        <p:nvPr/>
-      </p:nvGrpSpPr>
-      <p:grpSpPr>
-        <a:xfrm>
-          <a:off x="0" y="0"/>
-          <a:ext cx="0" cy="0"/>
-          <a:chOff x="0" y="0"/>
-          <a:chExt cx="0" cy="0"/>
-        </a:xfrm>
-      </p:grpSpPr>
-      <p:sp>
-        <p:nvSpPr>
-          <p:cNvPr id="2" name="Title 1">
-            <a:extLst>
-              <a:ext uri="{FF2B5EF4-FFF2-40B4-BE49-F238E27FC236}">
-                <a16:creationId xmlns:a16="http://schemas.microsoft.com/office/drawing/2014/main" id="{0120C71C-2E97-40E4-9544-2FE8D7B6C380}"/>
-              </a:ext>
-            </a:extLst>
-          </p:cNvPr>
-          <p:cNvSpPr>
-            <a:spLocks noGrp="1"/>
-          </p:cNvSpPr>
-          <p:nvPr>
-            <p:ph type="title"/>
-          </p:nvPr>
-        </p:nvSpPr>
-        <p:spPr/>
-        <p:txBody>
-          <a:bodyPr/>
-          <a:lstStyle/>
-          <a:p>
-            <a:r>
-              <a:rPr lang="en-US" sz="2800"/>
-              <a:t>3. Phân tích dữ liệu và lựa chọn mô hình</a:t>
-            </a:r>
-            <a:endParaRPr lang="en-US"/>
-          </a:p>
-        </p:txBody>
-      </p:sp>
-      <p:sp>
-        <p:nvSpPr>
-          <p:cNvPr id="4" name="Slide Number Placeholder 3">
-            <a:extLst>
-              <a:ext uri="{FF2B5EF4-FFF2-40B4-BE49-F238E27FC236}">
-                <a16:creationId xmlns:a16="http://schemas.microsoft.com/office/drawing/2014/main" id="{57C50508-A4EE-47E2-9CAA-09519160E36E}"/>
-              </a:ext>
-            </a:extLst>
-          </p:cNvPr>
-          <p:cNvSpPr>
-            <a:spLocks noGrp="1"/>
-          </p:cNvSpPr>
-          <p:nvPr>
-            <p:ph type="sldNum" sz="quarter" idx="12"/>
-          </p:nvPr>
-        </p:nvSpPr>
-        <p:spPr/>
-        <p:txBody>
-          <a:bodyPr/>
-          <a:lstStyle/>
-          <a:p>
-            <a:fld id="{0F4F63AB-74FF-4D4D-9C96-7E67E70BF8FF}" type="slidenum">
-              <a:rPr lang="en-US" altLang="en-US" smtClean="0"/>
-              <a:pPr/>
-              <a:t>31</a:t>
-            </a:fld>
-            <a:endParaRPr lang="en-US" altLang="en-US"/>
-          </a:p>
-        </p:txBody>
-      </p:sp>
-      <p:pic>
-        <p:nvPicPr>
-          <p:cNvPr id="5" name="Picture 4" descr="A graph showing a number of wind speed&#10;&#10;Description automatically generated">
-            <a:extLst>
-              <a:ext uri="{FF2B5EF4-FFF2-40B4-BE49-F238E27FC236}">
-                <a16:creationId xmlns:a16="http://schemas.microsoft.com/office/drawing/2014/main" id="{66AF7CBF-8560-4E87-92C5-23F5D6A8E3EE}"/>
-              </a:ext>
-            </a:extLst>
-          </p:cNvPr>
-          <p:cNvPicPr/>
-          <p:nvPr/>
-        </p:nvPicPr>
-        <p:blipFill>
-          <a:blip r:embed="rId2">
-            <a:extLst>
-              <a:ext uri="{28A0092B-C50C-407E-A947-70E740481C1C}">
-                <a14:useLocalDpi xmlns:a14="http://schemas.microsoft.com/office/drawing/2010/main" val="0"/>
-              </a:ext>
-            </a:extLst>
-          </a:blip>
-          <a:stretch>
-            <a:fillRect/>
-          </a:stretch>
-        </p:blipFill>
-        <p:spPr>
-          <a:xfrm>
-            <a:off x="1143000" y="1752600"/>
-            <a:ext cx="7019290" cy="3891915"/>
-          </a:xfrm>
-          <a:prstGeom prst="rect">
-            <a:avLst/>
-          </a:prstGeom>
-        </p:spPr>
-      </p:pic>
-      <p:sp>
-        <p:nvSpPr>
-          <p:cNvPr id="7" name="TextBox 6">
-            <a:extLst>
-              <a:ext uri="{FF2B5EF4-FFF2-40B4-BE49-F238E27FC236}">
-                <a16:creationId xmlns:a16="http://schemas.microsoft.com/office/drawing/2014/main" id="{50E19F10-78F9-426A-8D9F-B1588F4850F5}"/>
-              </a:ext>
-            </a:extLst>
-          </p:cNvPr>
-          <p:cNvSpPr txBox="1"/>
-          <p:nvPr/>
-        </p:nvSpPr>
-        <p:spPr>
-          <a:xfrm>
-            <a:off x="2252345" y="5819695"/>
-            <a:ext cx="4800600" cy="369332"/>
-          </a:xfrm>
-          <a:prstGeom prst="rect">
-            <a:avLst/>
-          </a:prstGeom>
-          <a:noFill/>
-        </p:spPr>
-        <p:txBody>
-          <a:bodyPr wrap="square">
-            <a:spAutoFit/>
-          </a:bodyPr>
-          <a:lstStyle/>
-          <a:p>
-            <a:pPr algn="ctr">
-              <a:spcAft>
-                <a:spcPts val="1000"/>
-              </a:spcAft>
-            </a:pPr>
-            <a:r>
-              <a:rPr lang="en-US" sz="1800" i="1">
-                <a:effectLst/>
-                <a:latin typeface="Times New Roman" panose="02020603050405020304" pitchFamily="18" charset="0"/>
-                <a:ea typeface="Times New Roman" panose="02020603050405020304" pitchFamily="18" charset="0"/>
-              </a:rPr>
-              <a:t>Biểu diễn mối quan hệ giữa Windspeed và Count</a:t>
-            </a:r>
-            <a:endParaRPr lang="en-US" sz="1050" i="1">
-              <a:effectLst/>
-              <a:latin typeface="Times New Roman" panose="02020603050405020304" pitchFamily="18" charset="0"/>
-              <a:ea typeface="Times New Roman" panose="02020603050405020304" pitchFamily="18" charset="0"/>
-            </a:endParaRPr>
-          </a:p>
-        </p:txBody>
-      </p:sp>
-    </p:spTree>
-    <p:extLst>
-      <p:ext uri="{BB962C8B-B14F-4D97-AF65-F5344CB8AC3E}">
-        <p14:creationId xmlns:p14="http://schemas.microsoft.com/office/powerpoint/2010/main" val="3984743159"/>
-      </p:ext>
-    </p:extLst>
-  </p:cSld>
-  <p:clrMapOvr>
-    <a:masterClrMapping/>
-  </p:clrMapOvr>
-</p:sld>
-</file>
-
-<file path=ppt/slides/slide33.xml><?xml version="1.0" encoding="utf-8"?>
-<p:sld xmlns:a="http://schemas.openxmlformats.org/drawingml/2006/main" xmlns:r="http://schemas.openxmlformats.org/officeDocument/2006/relationships" xmlns:p="http://schemas.openxmlformats.org/presentationml/2006/main">
-  <p:cSld>
-    <p:spTree>
-      <p:nvGrpSpPr>
-        <p:cNvPr id="1" name=""/>
-        <p:cNvGrpSpPr/>
-        <p:nvPr/>
-      </p:nvGrpSpPr>
-      <p:grpSpPr>
-        <a:xfrm>
-          <a:off x="0" y="0"/>
-          <a:ext cx="0" cy="0"/>
-          <a:chOff x="0" y="0"/>
-          <a:chExt cx="0" cy="0"/>
-        </a:xfrm>
-      </p:grpSpPr>
-      <p:sp>
-        <p:nvSpPr>
-          <p:cNvPr id="2" name="Title 1">
-            <a:extLst>
-              <a:ext uri="{FF2B5EF4-FFF2-40B4-BE49-F238E27FC236}">
                 <a16:creationId xmlns:a16="http://schemas.microsoft.com/office/drawing/2014/main" id="{C4F268A1-8B72-40D3-AF6C-92AE962FF00B}"/>
               </a:ext>
             </a:extLst>
@@ -10415,7 +6275,7 @@
             <a:fld id="{0F4F63AB-74FF-4D4D-9C96-7E67E70BF8FF}" type="slidenum">
               <a:rPr lang="en-US" altLang="en-US" smtClean="0"/>
               <a:pPr/>
-              <a:t>32</a:t>
+              <a:t>13</a:t>
             </a:fld>
             <a:endParaRPr lang="en-US" altLang="en-US"/>
           </a:p>
@@ -10498,7 +6358,7 @@
 </p:sld>
 </file>
 
-<file path=ppt/slides/slide34.xml><?xml version="1.0" encoding="utf-8"?>
+<file path=ppt/slides/slide15.xml><?xml version="1.0" encoding="utf-8"?>
 <p:sld xmlns:a="http://schemas.openxmlformats.org/drawingml/2006/main" xmlns:r="http://schemas.openxmlformats.org/officeDocument/2006/relationships" xmlns:p="http://schemas.openxmlformats.org/presentationml/2006/main">
   <p:cSld>
     <p:spTree>
@@ -10739,7 +6599,7 @@
             <a:fld id="{C49BD403-5F74-427A-8423-78614D45D9C1}" type="slidenum">
               <a:rPr lang="en-US" altLang="en-US" smtClean="0"/>
               <a:pPr/>
-              <a:t>33</a:t>
+              <a:t>14</a:t>
             </a:fld>
             <a:endParaRPr lang="en-US" altLang="en-US"/>
           </a:p>
@@ -11164,7 +7024,7 @@
 </p:sld>
 </file>
 
-<file path=ppt/slides/slide35.xml><?xml version="1.0" encoding="utf-8"?>
+<file path=ppt/slides/slide16.xml><?xml version="1.0" encoding="utf-8"?>
 <p:sld xmlns:a="http://schemas.openxmlformats.org/drawingml/2006/main" xmlns:r="http://schemas.openxmlformats.org/officeDocument/2006/relationships" xmlns:p="http://schemas.openxmlformats.org/presentationml/2006/main">
   <p:cSld>
     <p:spTree>
@@ -11242,7 +7102,7 @@
             <a:fld id="{C49BD403-5F74-427A-8423-78614D45D9C1}" type="slidenum">
               <a:rPr lang="en-US" altLang="en-US" smtClean="0"/>
               <a:pPr/>
-              <a:t>34</a:t>
+              <a:t>15</a:t>
             </a:fld>
             <a:endParaRPr lang="en-US" altLang="en-US"/>
           </a:p>
@@ -11261,7 +7121,7 @@
 </p:sld>
 </file>
 
-<file path=ppt/slides/slide36.xml><?xml version="1.0" encoding="utf-8"?>
+<file path=ppt/slides/slide17.xml><?xml version="1.0" encoding="utf-8"?>
 <p:sld xmlns:a="http://schemas.openxmlformats.org/drawingml/2006/main" xmlns:r="http://schemas.openxmlformats.org/officeDocument/2006/relationships" xmlns:p="http://schemas.openxmlformats.org/presentationml/2006/main" showMasterSp="0">
   <p:cSld>
     <p:bg>
@@ -11414,7 +7274,7 @@
             <a:fld id="{0F4F63AB-74FF-4D4D-9C96-7E67E70BF8FF}" type="slidenum">
               <a:rPr lang="en-US" altLang="en-US" smtClean="0"/>
               <a:pPr/>
-              <a:t>35</a:t>
+              <a:t>16</a:t>
             </a:fld>
             <a:endParaRPr lang="en-US" altLang="en-US"/>
           </a:p>
@@ -11425,6 +7285,892 @@
   <p:clrMapOvr>
     <a:masterClrMapping/>
   </p:clrMapOvr>
+</p:sld>
+</file>
+
+<file path=ppt/slides/slide2.xml><?xml version="1.0" encoding="utf-8"?>
+<p:sld xmlns:a="http://schemas.openxmlformats.org/drawingml/2006/main" xmlns:r="http://schemas.openxmlformats.org/officeDocument/2006/relationships" xmlns:p="http://schemas.openxmlformats.org/presentationml/2006/main">
+  <p:cSld>
+    <p:spTree>
+      <p:nvGrpSpPr>
+        <p:cNvPr id="1" name=""/>
+        <p:cNvGrpSpPr/>
+        <p:nvPr/>
+      </p:nvGrpSpPr>
+      <p:grpSpPr>
+        <a:xfrm>
+          <a:off x="0" y="0"/>
+          <a:ext cx="0" cy="0"/>
+          <a:chOff x="0" y="0"/>
+          <a:chExt cx="0" cy="0"/>
+        </a:xfrm>
+      </p:grpSpPr>
+      <p:sp>
+        <p:nvSpPr>
+          <p:cNvPr id="2" name="Title 1">
+            <a:extLst>
+              <a:ext uri="{FF2B5EF4-FFF2-40B4-BE49-F238E27FC236}">
+                <a16:creationId xmlns:a16="http://schemas.microsoft.com/office/drawing/2014/main" id="{D7A12B9E-5AB5-445E-97C6-C531888C8FB8}"/>
+              </a:ext>
+            </a:extLst>
+          </p:cNvPr>
+          <p:cNvSpPr>
+            <a:spLocks noGrp="1"/>
+          </p:cNvSpPr>
+          <p:nvPr>
+            <p:ph type="title"/>
+          </p:nvPr>
+        </p:nvSpPr>
+        <p:spPr/>
+        <p:txBody>
+          <a:bodyPr/>
+          <a:lstStyle/>
+          <a:p>
+            <a:r>
+              <a:rPr lang="en-US" sz="3200"/>
+              <a:t>Nội Dung</a:t>
+            </a:r>
+          </a:p>
+        </p:txBody>
+      </p:sp>
+      <p:sp>
+        <p:nvSpPr>
+          <p:cNvPr id="3" name="Content Placeholder 2">
+            <a:extLst>
+              <a:ext uri="{FF2B5EF4-FFF2-40B4-BE49-F238E27FC236}">
+                <a16:creationId xmlns:a16="http://schemas.microsoft.com/office/drawing/2014/main" id="{0ABA35AE-D6FC-4889-BCCD-79F7715F6C50}"/>
+              </a:ext>
+            </a:extLst>
+          </p:cNvPr>
+          <p:cNvSpPr>
+            <a:spLocks noGrp="1"/>
+          </p:cNvSpPr>
+          <p:nvPr>
+            <p:ph idx="1"/>
+          </p:nvPr>
+        </p:nvSpPr>
+        <p:spPr>
+          <a:xfrm>
+            <a:off x="914400" y="1884363"/>
+            <a:ext cx="8229600" cy="4691062"/>
+          </a:xfrm>
+        </p:spPr>
+        <p:txBody>
+          <a:bodyPr/>
+          <a:lstStyle/>
+          <a:p>
+            <a:pPr marL="514350" indent="-514350">
+              <a:lnSpc>
+                <a:spcPct val="150000"/>
+              </a:lnSpc>
+              <a:buAutoNum type="arabicPeriod"/>
+            </a:pPr>
+            <a:r>
+              <a:rPr lang="en-US" sz="3000" b="1"/>
+              <a:t>Mô tả dữ liệu</a:t>
+            </a:r>
+          </a:p>
+          <a:p>
+            <a:pPr marL="0" indent="0">
+              <a:lnSpc>
+                <a:spcPct val="150000"/>
+              </a:lnSpc>
+              <a:buNone/>
+            </a:pPr>
+            <a:r>
+              <a:rPr lang="en-US" sz="3000" b="1"/>
+              <a:t>2. Ý nghĩa dữ liệu</a:t>
+            </a:r>
+          </a:p>
+          <a:p>
+            <a:pPr marL="0" indent="0">
+              <a:lnSpc>
+                <a:spcPct val="150000"/>
+              </a:lnSpc>
+              <a:buNone/>
+            </a:pPr>
+            <a:r>
+              <a:rPr lang="en-US" sz="3000" b="1"/>
+              <a:t>3. Phân tích dữ liệu và lựa chọn mô hình</a:t>
+            </a:r>
+          </a:p>
+          <a:p>
+            <a:pPr marL="0" indent="0">
+              <a:lnSpc>
+                <a:spcPct val="150000"/>
+              </a:lnSpc>
+              <a:buNone/>
+            </a:pPr>
+            <a:r>
+              <a:rPr lang="en-US" sz="3000" b="1"/>
+              <a:t>4. Cấu hình máy tính</a:t>
+            </a:r>
+          </a:p>
+          <a:p>
+            <a:pPr marL="0" indent="0">
+              <a:lnSpc>
+                <a:spcPct val="150000"/>
+              </a:lnSpc>
+              <a:buNone/>
+            </a:pPr>
+            <a:r>
+              <a:rPr lang="en-US" sz="3000" b="1"/>
+              <a:t>5. Huấn luyện và kết quả thực nghiệm </a:t>
+            </a:r>
+          </a:p>
+          <a:p>
+            <a:pPr marL="0" indent="0">
+              <a:lnSpc>
+                <a:spcPct val="150000"/>
+              </a:lnSpc>
+              <a:buNone/>
+            </a:pPr>
+            <a:r>
+              <a:rPr lang="en-US" sz="3000" b="1"/>
+              <a:t>6. Đánh giá mô hình và hướng phát triển</a:t>
+            </a:r>
+          </a:p>
+          <a:p>
+            <a:pPr marL="0" indent="0">
+              <a:lnSpc>
+                <a:spcPct val="150000"/>
+              </a:lnSpc>
+              <a:buNone/>
+            </a:pPr>
+            <a:endParaRPr lang="en-US" sz="3000" b="1"/>
+          </a:p>
+          <a:p>
+            <a:pPr marL="0" indent="0">
+              <a:lnSpc>
+                <a:spcPct val="150000"/>
+              </a:lnSpc>
+              <a:buNone/>
+            </a:pPr>
+            <a:endParaRPr lang="en-US" sz="3000" b="1" dirty="0"/>
+          </a:p>
+        </p:txBody>
+      </p:sp>
+      <p:sp>
+        <p:nvSpPr>
+          <p:cNvPr id="6" name="Slide Number Placeholder 5">
+            <a:extLst>
+              <a:ext uri="{FF2B5EF4-FFF2-40B4-BE49-F238E27FC236}">
+                <a16:creationId xmlns:a16="http://schemas.microsoft.com/office/drawing/2014/main" id="{D7C8D285-67C5-62B3-1DEB-9174DB59075D}"/>
+              </a:ext>
+            </a:extLst>
+          </p:cNvPr>
+          <p:cNvSpPr>
+            <a:spLocks noGrp="1"/>
+          </p:cNvSpPr>
+          <p:nvPr>
+            <p:ph type="sldNum" sz="quarter" idx="12"/>
+          </p:nvPr>
+        </p:nvSpPr>
+        <p:spPr/>
+        <p:txBody>
+          <a:bodyPr/>
+          <a:lstStyle/>
+          <a:p>
+            <a:fld id="{0F4F63AB-74FF-4D4D-9C96-7E67E70BF8FF}" type="slidenum">
+              <a:rPr lang="en-US" altLang="en-US" smtClean="0"/>
+              <a:pPr/>
+              <a:t>1</a:t>
+            </a:fld>
+            <a:endParaRPr lang="en-US" altLang="en-US"/>
+          </a:p>
+        </p:txBody>
+      </p:sp>
+    </p:spTree>
+    <p:extLst>
+      <p:ext uri="{BB962C8B-B14F-4D97-AF65-F5344CB8AC3E}">
+        <p14:creationId xmlns:p14="http://schemas.microsoft.com/office/powerpoint/2010/main" val="1473194475"/>
+      </p:ext>
+    </p:extLst>
+  </p:cSld>
+  <p:clrMapOvr>
+    <a:masterClrMapping/>
+  </p:clrMapOvr>
+  <p:timing>
+    <p:tnLst>
+      <p:par>
+        <p:cTn id="1" dur="indefinite" restart="never" nodeType="tmRoot">
+          <p:childTnLst>
+            <p:seq concurrent="1" nextAc="seek">
+              <p:cTn id="2" dur="indefinite" nodeType="mainSeq">
+                <p:childTnLst>
+                  <p:par>
+                    <p:cTn id="3" fill="hold">
+                      <p:stCondLst>
+                        <p:cond delay="indefinite"/>
+                      </p:stCondLst>
+                      <p:childTnLst>
+                        <p:par>
+                          <p:cTn id="4" fill="hold">
+                            <p:stCondLst>
+                              <p:cond delay="0"/>
+                            </p:stCondLst>
+                            <p:childTnLst>
+                              <p:par>
+                                <p:cTn id="5" presetID="22" presetClass="entr" presetSubtype="4" fill="hold" nodeType="clickEffect">
+                                  <p:stCondLst>
+                                    <p:cond delay="0"/>
+                                  </p:stCondLst>
+                                  <p:childTnLst>
+                                    <p:set>
+                                      <p:cBhvr>
+                                        <p:cTn id="6" dur="1" fill="hold">
+                                          <p:stCondLst>
+                                            <p:cond delay="0"/>
+                                          </p:stCondLst>
+                                        </p:cTn>
+                                        <p:tgtEl>
+                                          <p:spTgt spid="3">
+                                            <p:txEl>
+                                              <p:pRg st="0" end="0"/>
+                                            </p:txEl>
+                                          </p:spTgt>
+                                        </p:tgtEl>
+                                        <p:attrNameLst>
+                                          <p:attrName>style.visibility</p:attrName>
+                                        </p:attrNameLst>
+                                      </p:cBhvr>
+                                      <p:to>
+                                        <p:strVal val="visible"/>
+                                      </p:to>
+                                    </p:set>
+                                    <p:animEffect transition="in" filter="wipe(down)">
+                                      <p:cBhvr>
+                                        <p:cTn id="7" dur="500"/>
+                                        <p:tgtEl>
+                                          <p:spTgt spid="3">
+                                            <p:txEl>
+                                              <p:pRg st="0" end="0"/>
+                                            </p:txEl>
+                                          </p:spTgt>
+                                        </p:tgtEl>
+                                      </p:cBhvr>
+                                    </p:animEffect>
+                                  </p:childTnLst>
+                                </p:cTn>
+                              </p:par>
+                            </p:childTnLst>
+                          </p:cTn>
+                        </p:par>
+                      </p:childTnLst>
+                    </p:cTn>
+                  </p:par>
+                  <p:par>
+                    <p:cTn id="8" fill="hold">
+                      <p:stCondLst>
+                        <p:cond delay="indefinite"/>
+                      </p:stCondLst>
+                      <p:childTnLst>
+                        <p:par>
+                          <p:cTn id="9" fill="hold">
+                            <p:stCondLst>
+                              <p:cond delay="0"/>
+                            </p:stCondLst>
+                            <p:childTnLst>
+                              <p:par>
+                                <p:cTn id="10" presetID="22" presetClass="entr" presetSubtype="4" fill="hold" nodeType="clickEffect">
+                                  <p:stCondLst>
+                                    <p:cond delay="0"/>
+                                  </p:stCondLst>
+                                  <p:childTnLst>
+                                    <p:set>
+                                      <p:cBhvr>
+                                        <p:cTn id="11" dur="1" fill="hold">
+                                          <p:stCondLst>
+                                            <p:cond delay="0"/>
+                                          </p:stCondLst>
+                                        </p:cTn>
+                                        <p:tgtEl>
+                                          <p:spTgt spid="3">
+                                            <p:txEl>
+                                              <p:pRg st="1" end="1"/>
+                                            </p:txEl>
+                                          </p:spTgt>
+                                        </p:tgtEl>
+                                        <p:attrNameLst>
+                                          <p:attrName>style.visibility</p:attrName>
+                                        </p:attrNameLst>
+                                      </p:cBhvr>
+                                      <p:to>
+                                        <p:strVal val="visible"/>
+                                      </p:to>
+                                    </p:set>
+                                    <p:animEffect transition="in" filter="wipe(down)">
+                                      <p:cBhvr>
+                                        <p:cTn id="12" dur="500"/>
+                                        <p:tgtEl>
+                                          <p:spTgt spid="3">
+                                            <p:txEl>
+                                              <p:pRg st="1" end="1"/>
+                                            </p:txEl>
+                                          </p:spTgt>
+                                        </p:tgtEl>
+                                      </p:cBhvr>
+                                    </p:animEffect>
+                                  </p:childTnLst>
+                                </p:cTn>
+                              </p:par>
+                            </p:childTnLst>
+                          </p:cTn>
+                        </p:par>
+                      </p:childTnLst>
+                    </p:cTn>
+                  </p:par>
+                  <p:par>
+                    <p:cTn id="13" fill="hold">
+                      <p:stCondLst>
+                        <p:cond delay="indefinite"/>
+                      </p:stCondLst>
+                      <p:childTnLst>
+                        <p:par>
+                          <p:cTn id="14" fill="hold">
+                            <p:stCondLst>
+                              <p:cond delay="0"/>
+                            </p:stCondLst>
+                            <p:childTnLst>
+                              <p:par>
+                                <p:cTn id="15" presetID="22" presetClass="entr" presetSubtype="4" fill="hold" nodeType="clickEffect">
+                                  <p:stCondLst>
+                                    <p:cond delay="0"/>
+                                  </p:stCondLst>
+                                  <p:childTnLst>
+                                    <p:set>
+                                      <p:cBhvr>
+                                        <p:cTn id="16" dur="1" fill="hold">
+                                          <p:stCondLst>
+                                            <p:cond delay="0"/>
+                                          </p:stCondLst>
+                                        </p:cTn>
+                                        <p:tgtEl>
+                                          <p:spTgt spid="3">
+                                            <p:txEl>
+                                              <p:pRg st="2" end="2"/>
+                                            </p:txEl>
+                                          </p:spTgt>
+                                        </p:tgtEl>
+                                        <p:attrNameLst>
+                                          <p:attrName>style.visibility</p:attrName>
+                                        </p:attrNameLst>
+                                      </p:cBhvr>
+                                      <p:to>
+                                        <p:strVal val="visible"/>
+                                      </p:to>
+                                    </p:set>
+                                    <p:animEffect transition="in" filter="wipe(down)">
+                                      <p:cBhvr>
+                                        <p:cTn id="17" dur="500"/>
+                                        <p:tgtEl>
+                                          <p:spTgt spid="3">
+                                            <p:txEl>
+                                              <p:pRg st="2" end="2"/>
+                                            </p:txEl>
+                                          </p:spTgt>
+                                        </p:tgtEl>
+                                      </p:cBhvr>
+                                    </p:animEffect>
+                                  </p:childTnLst>
+                                </p:cTn>
+                              </p:par>
+                            </p:childTnLst>
+                          </p:cTn>
+                        </p:par>
+                      </p:childTnLst>
+                    </p:cTn>
+                  </p:par>
+                  <p:par>
+                    <p:cTn id="18" fill="hold">
+                      <p:stCondLst>
+                        <p:cond delay="indefinite"/>
+                      </p:stCondLst>
+                      <p:childTnLst>
+                        <p:par>
+                          <p:cTn id="19" fill="hold">
+                            <p:stCondLst>
+                              <p:cond delay="0"/>
+                            </p:stCondLst>
+                            <p:childTnLst>
+                              <p:par>
+                                <p:cTn id="20" presetID="22" presetClass="entr" presetSubtype="4" fill="hold" nodeType="clickEffect">
+                                  <p:stCondLst>
+                                    <p:cond delay="0"/>
+                                  </p:stCondLst>
+                                  <p:childTnLst>
+                                    <p:set>
+                                      <p:cBhvr>
+                                        <p:cTn id="21" dur="1" fill="hold">
+                                          <p:stCondLst>
+                                            <p:cond delay="0"/>
+                                          </p:stCondLst>
+                                        </p:cTn>
+                                        <p:tgtEl>
+                                          <p:spTgt spid="3">
+                                            <p:txEl>
+                                              <p:pRg st="3" end="3"/>
+                                            </p:txEl>
+                                          </p:spTgt>
+                                        </p:tgtEl>
+                                        <p:attrNameLst>
+                                          <p:attrName>style.visibility</p:attrName>
+                                        </p:attrNameLst>
+                                      </p:cBhvr>
+                                      <p:to>
+                                        <p:strVal val="visible"/>
+                                      </p:to>
+                                    </p:set>
+                                    <p:animEffect transition="in" filter="wipe(down)">
+                                      <p:cBhvr>
+                                        <p:cTn id="22" dur="500"/>
+                                        <p:tgtEl>
+                                          <p:spTgt spid="3">
+                                            <p:txEl>
+                                              <p:pRg st="3" end="3"/>
+                                            </p:txEl>
+                                          </p:spTgt>
+                                        </p:tgtEl>
+                                      </p:cBhvr>
+                                    </p:animEffect>
+                                  </p:childTnLst>
+                                </p:cTn>
+                              </p:par>
+                            </p:childTnLst>
+                          </p:cTn>
+                        </p:par>
+                      </p:childTnLst>
+                    </p:cTn>
+                  </p:par>
+                  <p:par>
+                    <p:cTn id="23" fill="hold">
+                      <p:stCondLst>
+                        <p:cond delay="indefinite"/>
+                      </p:stCondLst>
+                      <p:childTnLst>
+                        <p:par>
+                          <p:cTn id="24" fill="hold">
+                            <p:stCondLst>
+                              <p:cond delay="0"/>
+                            </p:stCondLst>
+                            <p:childTnLst>
+                              <p:par>
+                                <p:cTn id="25" presetID="22" presetClass="entr" presetSubtype="4" fill="hold" nodeType="clickEffect">
+                                  <p:stCondLst>
+                                    <p:cond delay="0"/>
+                                  </p:stCondLst>
+                                  <p:childTnLst>
+                                    <p:set>
+                                      <p:cBhvr>
+                                        <p:cTn id="26" dur="1" fill="hold">
+                                          <p:stCondLst>
+                                            <p:cond delay="0"/>
+                                          </p:stCondLst>
+                                        </p:cTn>
+                                        <p:tgtEl>
+                                          <p:spTgt spid="3">
+                                            <p:txEl>
+                                              <p:pRg st="4" end="4"/>
+                                            </p:txEl>
+                                          </p:spTgt>
+                                        </p:tgtEl>
+                                        <p:attrNameLst>
+                                          <p:attrName>style.visibility</p:attrName>
+                                        </p:attrNameLst>
+                                      </p:cBhvr>
+                                      <p:to>
+                                        <p:strVal val="visible"/>
+                                      </p:to>
+                                    </p:set>
+                                    <p:animEffect transition="in" filter="wipe(down)">
+                                      <p:cBhvr>
+                                        <p:cTn id="27" dur="500"/>
+                                        <p:tgtEl>
+                                          <p:spTgt spid="3">
+                                            <p:txEl>
+                                              <p:pRg st="4" end="4"/>
+                                            </p:txEl>
+                                          </p:spTgt>
+                                        </p:tgtEl>
+                                      </p:cBhvr>
+                                    </p:animEffect>
+                                  </p:childTnLst>
+                                </p:cTn>
+                              </p:par>
+                            </p:childTnLst>
+                          </p:cTn>
+                        </p:par>
+                      </p:childTnLst>
+                    </p:cTn>
+                  </p:par>
+                  <p:par>
+                    <p:cTn id="28" fill="hold">
+                      <p:stCondLst>
+                        <p:cond delay="indefinite"/>
+                      </p:stCondLst>
+                      <p:childTnLst>
+                        <p:par>
+                          <p:cTn id="29" fill="hold">
+                            <p:stCondLst>
+                              <p:cond delay="0"/>
+                            </p:stCondLst>
+                            <p:childTnLst>
+                              <p:par>
+                                <p:cTn id="30" presetID="22" presetClass="entr" presetSubtype="4" fill="hold" nodeType="clickEffect">
+                                  <p:stCondLst>
+                                    <p:cond delay="0"/>
+                                  </p:stCondLst>
+                                  <p:childTnLst>
+                                    <p:set>
+                                      <p:cBhvr>
+                                        <p:cTn id="31" dur="1" fill="hold">
+                                          <p:stCondLst>
+                                            <p:cond delay="0"/>
+                                          </p:stCondLst>
+                                        </p:cTn>
+                                        <p:tgtEl>
+                                          <p:spTgt spid="3">
+                                            <p:txEl>
+                                              <p:pRg st="5" end="5"/>
+                                            </p:txEl>
+                                          </p:spTgt>
+                                        </p:tgtEl>
+                                        <p:attrNameLst>
+                                          <p:attrName>style.visibility</p:attrName>
+                                        </p:attrNameLst>
+                                      </p:cBhvr>
+                                      <p:to>
+                                        <p:strVal val="visible"/>
+                                      </p:to>
+                                    </p:set>
+                                    <p:animEffect transition="in" filter="wipe(down)">
+                                      <p:cBhvr>
+                                        <p:cTn id="32" dur="500"/>
+                                        <p:tgtEl>
+                                          <p:spTgt spid="3">
+                                            <p:txEl>
+                                              <p:pRg st="5" end="5"/>
+                                            </p:txEl>
+                                          </p:spTgt>
+                                        </p:tgtEl>
+                                      </p:cBhvr>
+                                    </p:animEffect>
+                                  </p:childTnLst>
+                                </p:cTn>
+                              </p:par>
+                            </p:childTnLst>
+                          </p:cTn>
+                        </p:par>
+                      </p:childTnLst>
+                    </p:cTn>
+                  </p:par>
+                </p:childTnLst>
+              </p:cTn>
+              <p:prevCondLst>
+                <p:cond evt="onPrev" delay="0">
+                  <p:tgtEl>
+                    <p:sldTgt/>
+                  </p:tgtEl>
+                </p:cond>
+              </p:prevCondLst>
+              <p:nextCondLst>
+                <p:cond evt="onNext" delay="0">
+                  <p:tgtEl>
+                    <p:sldTgt/>
+                  </p:tgtEl>
+                </p:cond>
+              </p:nextCondLst>
+            </p:seq>
+          </p:childTnLst>
+        </p:cTn>
+      </p:par>
+    </p:tnLst>
+  </p:timing>
+</p:sld>
+</file>
+
+<file path=ppt/slides/slide3.xml><?xml version="1.0" encoding="utf-8"?>
+<p:sld xmlns:a="http://schemas.openxmlformats.org/drawingml/2006/main" xmlns:r="http://schemas.openxmlformats.org/officeDocument/2006/relationships" xmlns:p="http://schemas.openxmlformats.org/presentationml/2006/main">
+  <p:cSld>
+    <p:spTree>
+      <p:nvGrpSpPr>
+        <p:cNvPr id="1" name=""/>
+        <p:cNvGrpSpPr/>
+        <p:nvPr/>
+      </p:nvGrpSpPr>
+      <p:grpSpPr>
+        <a:xfrm>
+          <a:off x="0" y="0"/>
+          <a:ext cx="0" cy="0"/>
+          <a:chOff x="0" y="0"/>
+          <a:chExt cx="0" cy="0"/>
+        </a:xfrm>
+      </p:grpSpPr>
+      <p:sp>
+        <p:nvSpPr>
+          <p:cNvPr id="2" name="Title 1">
+            <a:extLst>
+              <a:ext uri="{FF2B5EF4-FFF2-40B4-BE49-F238E27FC236}">
+                <a16:creationId xmlns:a16="http://schemas.microsoft.com/office/drawing/2014/main" id="{A36703C1-9DE4-4786-B616-A0DC88666D99}"/>
+              </a:ext>
+            </a:extLst>
+          </p:cNvPr>
+          <p:cNvSpPr>
+            <a:spLocks noGrp="1"/>
+          </p:cNvSpPr>
+          <p:nvPr>
+            <p:ph type="title"/>
+          </p:nvPr>
+        </p:nvSpPr>
+        <p:spPr/>
+        <p:txBody>
+          <a:bodyPr/>
+          <a:lstStyle/>
+          <a:p>
+            <a:r>
+              <a:rPr lang="en-US" sz="3000"/>
+              <a:t>1. Mô tả dữ liệu</a:t>
+            </a:r>
+          </a:p>
+        </p:txBody>
+      </p:sp>
+      <p:sp>
+        <p:nvSpPr>
+          <p:cNvPr id="4" name="Content Placeholder 3">
+            <a:extLst>
+              <a:ext uri="{FF2B5EF4-FFF2-40B4-BE49-F238E27FC236}">
+                <a16:creationId xmlns:a16="http://schemas.microsoft.com/office/drawing/2014/main" id="{38D2AFEC-857E-A32B-8A50-7968DA552A05}"/>
+              </a:ext>
+            </a:extLst>
+          </p:cNvPr>
+          <p:cNvSpPr>
+            <a:spLocks noGrp="1"/>
+          </p:cNvSpPr>
+          <p:nvPr>
+            <p:ph idx="1"/>
+          </p:nvPr>
+        </p:nvSpPr>
+        <p:spPr>
+          <a:xfrm>
+            <a:off x="495300" y="1703387"/>
+            <a:ext cx="8153400" cy="4392613"/>
+          </a:xfrm>
+        </p:spPr>
+        <p:txBody>
+          <a:bodyPr/>
+          <a:lstStyle/>
+          <a:p>
+            <a:pPr marL="0" indent="0">
+              <a:buNone/>
+            </a:pPr>
+            <a:r>
+              <a:rPr lang="en-US"/>
+              <a:t>Tập dữ liệu Bike Sharing Demand được thu thập từ Kaggle, tập dữ liệu Bike Sharing Demand là một trong những cuộc thi của Kaggle diễn ra vào năm 2015 với câu hỏi được đặt ra là: Dựa vào data của một hãng cung cấp cho thuê xe đạp ở Washington D.C, người tham gia cần phải dự báo được số lượng xe đạp sẽ được thuê.</a:t>
+            </a:r>
+          </a:p>
+          <a:p>
+            <a:pPr marL="0" indent="0" algn="just">
+              <a:lnSpc>
+                <a:spcPct val="150000"/>
+              </a:lnSpc>
+              <a:buNone/>
+            </a:pPr>
+            <a:endParaRPr lang="en-US" sz="2000">
+              <a:solidFill>
+                <a:schemeClr val="accent6"/>
+              </a:solidFill>
+            </a:endParaRPr>
+          </a:p>
+          <a:p>
+            <a:pPr lvl="1">
+              <a:lnSpc>
+                <a:spcPct val="150000"/>
+              </a:lnSpc>
+              <a:buClr>
+                <a:schemeClr val="accent2"/>
+              </a:buClr>
+              <a:buFont typeface="Times New Roman" panose="02020603050405020304" pitchFamily="18" charset="0"/>
+              <a:buChar char="⁺"/>
+            </a:pPr>
+            <a:endParaRPr lang="en-US" sz="1800">
+              <a:solidFill>
+                <a:schemeClr val="accent6"/>
+              </a:solidFill>
+            </a:endParaRPr>
+          </a:p>
+          <a:p>
+            <a:pPr lvl="1">
+              <a:lnSpc>
+                <a:spcPct val="150000"/>
+              </a:lnSpc>
+              <a:buFont typeface="Times New Roman" panose="02020603050405020304" pitchFamily="18" charset="0"/>
+              <a:buChar char="⁺"/>
+            </a:pPr>
+            <a:endParaRPr lang="en-US" sz="1800">
+              <a:solidFill>
+                <a:schemeClr val="accent6"/>
+              </a:solidFill>
+            </a:endParaRPr>
+          </a:p>
+          <a:p>
+            <a:pPr marL="0" indent="0" algn="just">
+              <a:lnSpc>
+                <a:spcPct val="150000"/>
+              </a:lnSpc>
+              <a:buNone/>
+            </a:pPr>
+            <a:endParaRPr lang="en-US" sz="2000">
+              <a:solidFill>
+                <a:schemeClr val="accent6"/>
+              </a:solidFill>
+            </a:endParaRPr>
+          </a:p>
+          <a:p>
+            <a:pPr marL="0" indent="0" algn="just">
+              <a:lnSpc>
+                <a:spcPct val="150000"/>
+              </a:lnSpc>
+              <a:buNone/>
+            </a:pPr>
+            <a:endParaRPr lang="vi-VN" sz="2000">
+              <a:solidFill>
+                <a:schemeClr val="accent6"/>
+              </a:solidFill>
+            </a:endParaRPr>
+          </a:p>
+        </p:txBody>
+      </p:sp>
+      <p:sp>
+        <p:nvSpPr>
+          <p:cNvPr id="6" name="Slide Number Placeholder 5">
+            <a:extLst>
+              <a:ext uri="{FF2B5EF4-FFF2-40B4-BE49-F238E27FC236}">
+                <a16:creationId xmlns:a16="http://schemas.microsoft.com/office/drawing/2014/main" id="{7C7BE2CA-1B58-A2EB-AAEB-DE4BE6164F09}"/>
+              </a:ext>
+            </a:extLst>
+          </p:cNvPr>
+          <p:cNvSpPr>
+            <a:spLocks noGrp="1"/>
+          </p:cNvSpPr>
+          <p:nvPr>
+            <p:ph type="sldNum" sz="quarter" idx="12"/>
+          </p:nvPr>
+        </p:nvSpPr>
+        <p:spPr/>
+        <p:txBody>
+          <a:bodyPr/>
+          <a:lstStyle/>
+          <a:p>
+            <a:fld id="{0F4F63AB-74FF-4D4D-9C96-7E67E70BF8FF}" type="slidenum">
+              <a:rPr lang="en-US" altLang="en-US" smtClean="0"/>
+              <a:pPr/>
+              <a:t>2</a:t>
+            </a:fld>
+            <a:endParaRPr lang="en-US" altLang="en-US"/>
+          </a:p>
+        </p:txBody>
+      </p:sp>
+    </p:spTree>
+    <p:extLst>
+      <p:ext uri="{BB962C8B-B14F-4D97-AF65-F5344CB8AC3E}">
+        <p14:creationId xmlns:p14="http://schemas.microsoft.com/office/powerpoint/2010/main" val="1206856777"/>
+      </p:ext>
+    </p:extLst>
+  </p:cSld>
+  <p:clrMapOvr>
+    <a:masterClrMapping/>
+  </p:clrMapOvr>
+  <p:timing>
+    <p:tnLst>
+      <p:par>
+        <p:cTn id="1" dur="indefinite" restart="never" nodeType="tmRoot">
+          <p:childTnLst>
+            <p:seq concurrent="1" nextAc="seek">
+              <p:cTn id="2" dur="indefinite" nodeType="mainSeq">
+                <p:childTnLst>
+                  <p:par>
+                    <p:cTn id="3" fill="hold">
+                      <p:stCondLst>
+                        <p:cond delay="indefinite"/>
+                      </p:stCondLst>
+                      <p:childTnLst>
+                        <p:par>
+                          <p:cTn id="4" fill="hold">
+                            <p:stCondLst>
+                              <p:cond delay="0"/>
+                            </p:stCondLst>
+                            <p:childTnLst>
+                              <p:par>
+                                <p:cTn id="5" presetID="22" presetClass="entr" presetSubtype="4" fill="hold" nodeType="clickEffect">
+                                  <p:stCondLst>
+                                    <p:cond delay="0"/>
+                                  </p:stCondLst>
+                                  <p:childTnLst>
+                                    <p:set>
+                                      <p:cBhvr>
+                                        <p:cTn id="6" dur="1" fill="hold">
+                                          <p:stCondLst>
+                                            <p:cond delay="0"/>
+                                          </p:stCondLst>
+                                        </p:cTn>
+                                        <p:tgtEl>
+                                          <p:spTgt spid="4">
+                                            <p:txEl>
+                                              <p:pRg st="0" end="0"/>
+                                            </p:txEl>
+                                          </p:spTgt>
+                                        </p:tgtEl>
+                                        <p:attrNameLst>
+                                          <p:attrName>style.visibility</p:attrName>
+                                        </p:attrNameLst>
+                                      </p:cBhvr>
+                                      <p:to>
+                                        <p:strVal val="visible"/>
+                                      </p:to>
+                                    </p:set>
+                                    <p:animEffect transition="in" filter="wipe(down)">
+                                      <p:cBhvr>
+                                        <p:cTn id="7" dur="500"/>
+                                        <p:tgtEl>
+                                          <p:spTgt spid="4">
+                                            <p:txEl>
+                                              <p:pRg st="0" end="0"/>
+                                            </p:txEl>
+                                          </p:spTgt>
+                                        </p:tgtEl>
+                                      </p:cBhvr>
+                                    </p:animEffect>
+                                  </p:childTnLst>
+                                </p:cTn>
+                              </p:par>
+                            </p:childTnLst>
+                          </p:cTn>
+                        </p:par>
+                      </p:childTnLst>
+                    </p:cTn>
+                  </p:par>
+                </p:childTnLst>
+              </p:cTn>
+              <p:prevCondLst>
+                <p:cond evt="onPrev" delay="0">
+                  <p:tgtEl>
+                    <p:sldTgt/>
+                  </p:tgtEl>
+                </p:cond>
+              </p:prevCondLst>
+              <p:nextCondLst>
+                <p:cond evt="onNext" delay="0">
+                  <p:tgtEl>
+                    <p:sldTgt/>
+                  </p:tgtEl>
+                </p:cond>
+              </p:nextCondLst>
+            </p:seq>
+          </p:childTnLst>
+        </p:cTn>
+      </p:par>
+    </p:tnLst>
+  </p:timing>
 </p:sld>
 </file>
 
